--- a/Security/Hussien-Lectures/Lec3 Securing architecture.pptx
+++ b/Security/Hussien-Lectures/Lec3 Securing architecture.pptx
@@ -5,44 +5,40 @@
     <p:sldMasterId id="2147483660" r:id="rId1"/>
   </p:sldMasterIdLst>
   <p:notesMasterIdLst>
-    <p:notesMasterId r:id="rId34"/>
+    <p:notesMasterId r:id="rId30"/>
   </p:notesMasterIdLst>
   <p:handoutMasterIdLst>
-    <p:handoutMasterId r:id="rId35"/>
+    <p:handoutMasterId r:id="rId31"/>
   </p:handoutMasterIdLst>
   <p:sldIdLst>
-    <p:sldId id="267" r:id="rId2"/>
-    <p:sldId id="391" r:id="rId3"/>
-    <p:sldId id="282" r:id="rId4"/>
-    <p:sldId id="283" r:id="rId5"/>
-    <p:sldId id="284" r:id="rId6"/>
-    <p:sldId id="340" r:id="rId7"/>
-    <p:sldId id="390" r:id="rId8"/>
-    <p:sldId id="396" r:id="rId9"/>
-    <p:sldId id="341" r:id="rId10"/>
-    <p:sldId id="397" r:id="rId11"/>
-    <p:sldId id="342" r:id="rId12"/>
-    <p:sldId id="343" r:id="rId13"/>
-    <p:sldId id="345" r:id="rId14"/>
-    <p:sldId id="346" r:id="rId15"/>
-    <p:sldId id="347" r:id="rId16"/>
-    <p:sldId id="349" r:id="rId17"/>
-    <p:sldId id="348" r:id="rId18"/>
-    <p:sldId id="374" r:id="rId19"/>
-    <p:sldId id="392" r:id="rId20"/>
-    <p:sldId id="393" r:id="rId21"/>
-    <p:sldId id="358" r:id="rId22"/>
-    <p:sldId id="378" r:id="rId23"/>
-    <p:sldId id="360" r:id="rId24"/>
-    <p:sldId id="359" r:id="rId25"/>
-    <p:sldId id="357" r:id="rId26"/>
-    <p:sldId id="394" r:id="rId27"/>
-    <p:sldId id="395" r:id="rId28"/>
-    <p:sldId id="386" r:id="rId29"/>
-    <p:sldId id="372" r:id="rId30"/>
-    <p:sldId id="387" r:id="rId31"/>
-    <p:sldId id="388" r:id="rId32"/>
-    <p:sldId id="269" r:id="rId33"/>
+    <p:sldId id="391" r:id="rId2"/>
+    <p:sldId id="282" r:id="rId3"/>
+    <p:sldId id="283" r:id="rId4"/>
+    <p:sldId id="284" r:id="rId5"/>
+    <p:sldId id="340" r:id="rId6"/>
+    <p:sldId id="390" r:id="rId7"/>
+    <p:sldId id="396" r:id="rId8"/>
+    <p:sldId id="341" r:id="rId9"/>
+    <p:sldId id="397" r:id="rId10"/>
+    <p:sldId id="342" r:id="rId11"/>
+    <p:sldId id="343" r:id="rId12"/>
+    <p:sldId id="345" r:id="rId13"/>
+    <p:sldId id="346" r:id="rId14"/>
+    <p:sldId id="347" r:id="rId15"/>
+    <p:sldId id="349" r:id="rId16"/>
+    <p:sldId id="348" r:id="rId17"/>
+    <p:sldId id="392" r:id="rId18"/>
+    <p:sldId id="358" r:id="rId19"/>
+    <p:sldId id="378" r:id="rId20"/>
+    <p:sldId id="360" r:id="rId21"/>
+    <p:sldId id="359" r:id="rId22"/>
+    <p:sldId id="357" r:id="rId23"/>
+    <p:sldId id="394" r:id="rId24"/>
+    <p:sldId id="395" r:id="rId25"/>
+    <p:sldId id="386" r:id="rId26"/>
+    <p:sldId id="372" r:id="rId27"/>
+    <p:sldId id="387" r:id="rId28"/>
+    <p:sldId id="388" r:id="rId29"/>
   </p:sldIdLst>
   <p:sldSz cx="9144000" cy="6858000" type="screen4x3"/>
   <p:notesSz cx="6858000" cy="9144000"/>
@@ -1754,7 +1750,7 @@
             <a:fld id="{2FC491B1-B7B2-4BED-B768-739642B26C6C}" type="datetimeFigureOut">
               <a:rPr lang="en-US" smtClean="0"/>
               <a:pPr/>
-              <a:t>23-Feb-23</a:t>
+              <a:t>4/1/23</a:t>
             </a:fld>
             <a:endParaRPr lang="en-US"/>
           </a:p>
@@ -1921,7 +1917,7 @@
             <a:fld id="{FF6DA604-2414-4A66-963F-097E73DD06C7}" type="datetimeFigureOut">
               <a:rPr lang="en-US" smtClean="0"/>
               <a:pPr/>
-              <a:t>23-Feb-23</a:t>
+              <a:t>4/1/23</a:t>
             </a:fld>
             <a:endParaRPr lang="en-US"/>
           </a:p>
@@ -2241,6 +2237,30 @@
           </a:p>
         </p:txBody>
       </p:sp>
+      <p:sp>
+        <p:nvSpPr>
+          <p:cNvPr id="4" name="Slide Number Placeholder 3"/>
+          <p:cNvSpPr>
+            <a:spLocks noGrp="1"/>
+          </p:cNvSpPr>
+          <p:nvPr>
+            <p:ph type="sldNum" sz="quarter" idx="10"/>
+          </p:nvPr>
+        </p:nvSpPr>
+        <p:spPr/>
+        <p:txBody>
+          <a:bodyPr/>
+          <a:lstStyle/>
+          <a:p>
+            <a:fld id="{86CA180F-2472-4B10-84CD-78F125CCCA34}" type="slidenum">
+              <a:rPr lang="en-US" smtClean="0"/>
+              <a:pPr/>
+              <a:t>4</a:t>
+            </a:fld>
+            <a:endParaRPr lang="en-US" dirty="0"/>
+          </a:p>
+        </p:txBody>
+      </p:sp>
     </p:spTree>
   </p:cSld>
   <p:clrMapOvr>
@@ -2432,62 +2452,228 @@
       </p:grpSpPr>
       <p:sp>
         <p:nvSpPr>
-          <p:cNvPr id="2" name="Slide Image Placeholder 1"/>
+          <p:cNvPr id="68610" name="Rectangle 7">
+            <a:extLst>
+              <a:ext uri="{FF2B5EF4-FFF2-40B4-BE49-F238E27FC236}">
+                <a16:creationId xmlns:a16="http://schemas.microsoft.com/office/drawing/2014/main" id="{7FED8FD6-3FB4-464E-BE57-79E1B856C2C3}"/>
+              </a:ext>
+            </a:extLst>
+          </p:cNvPr>
           <p:cNvSpPr>
-            <a:spLocks noGrp="1" noRot="1" noChangeAspect="1"/>
+            <a:spLocks noGrp="1" noChangeArrowheads="1"/>
+          </p:cNvSpPr>
+          <p:nvPr>
+            <p:ph type="sldNum" sz="quarter" idx="5"/>
+          </p:nvPr>
+        </p:nvSpPr>
+        <p:spPr>
+          <a:noFill/>
+          <a:ln/>
+          <a:extLst>
+            <a:ext uri="{909E8E84-426E-40DD-AFC4-6F175D3DCCD1}">
+              <a14:hiddenFill xmlns:a14="http://schemas.microsoft.com/office/drawing/2010/main">
+                <a:solidFill>
+                  <a:srgbClr val="FFFFFF"/>
+                </a:solidFill>
+              </a14:hiddenFill>
+            </a:ext>
+            <a:ext uri="{91240B29-F687-4F45-9708-019B960494DF}">
+              <a14:hiddenLine xmlns:a14="http://schemas.microsoft.com/office/drawing/2010/main" w="9525">
+                <a:solidFill>
+                  <a:srgbClr val="000000"/>
+                </a:solidFill>
+                <a:miter lim="800000"/>
+                <a:headEnd/>
+                <a:tailEnd/>
+              </a14:hiddenLine>
+            </a:ext>
+          </a:extLst>
+        </p:spPr>
+        <p:txBody>
+          <a:bodyPr/>
+          <a:lstStyle>
+            <a:lvl1pPr eaLnBrk="0" hangingPunct="0">
+              <a:defRPr sz="2400">
+                <a:solidFill>
+                  <a:schemeClr val="tx1"/>
+                </a:solidFill>
+                <a:latin typeface="Times New Roman" panose="02020603050405020304" pitchFamily="18" charset="0"/>
+              </a:defRPr>
+            </a:lvl1pPr>
+            <a:lvl2pPr marL="742950" indent="-285750" eaLnBrk="0" hangingPunct="0">
+              <a:defRPr sz="2400">
+                <a:solidFill>
+                  <a:schemeClr val="tx1"/>
+                </a:solidFill>
+                <a:latin typeface="Times New Roman" panose="02020603050405020304" pitchFamily="18" charset="0"/>
+              </a:defRPr>
+            </a:lvl2pPr>
+            <a:lvl3pPr marL="1143000" indent="-228600" eaLnBrk="0" hangingPunct="0">
+              <a:defRPr sz="2400">
+                <a:solidFill>
+                  <a:schemeClr val="tx1"/>
+                </a:solidFill>
+                <a:latin typeface="Times New Roman" panose="02020603050405020304" pitchFamily="18" charset="0"/>
+              </a:defRPr>
+            </a:lvl3pPr>
+            <a:lvl4pPr marL="1600200" indent="-228600" eaLnBrk="0" hangingPunct="0">
+              <a:defRPr sz="2400">
+                <a:solidFill>
+                  <a:schemeClr val="tx1"/>
+                </a:solidFill>
+                <a:latin typeface="Times New Roman" panose="02020603050405020304" pitchFamily="18" charset="0"/>
+              </a:defRPr>
+            </a:lvl4pPr>
+            <a:lvl5pPr marL="2057400" indent="-228600" eaLnBrk="0" hangingPunct="0">
+              <a:defRPr sz="2400">
+                <a:solidFill>
+                  <a:schemeClr val="tx1"/>
+                </a:solidFill>
+                <a:latin typeface="Times New Roman" panose="02020603050405020304" pitchFamily="18" charset="0"/>
+              </a:defRPr>
+            </a:lvl5pPr>
+            <a:lvl6pPr marL="2514600" indent="-228600" eaLnBrk="0" fontAlgn="base" hangingPunct="0">
+              <a:spcBef>
+                <a:spcPct val="0"/>
+              </a:spcBef>
+              <a:spcAft>
+                <a:spcPct val="0"/>
+              </a:spcAft>
+              <a:defRPr sz="2400">
+                <a:solidFill>
+                  <a:schemeClr val="tx1"/>
+                </a:solidFill>
+                <a:latin typeface="Times New Roman" panose="02020603050405020304" pitchFamily="18" charset="0"/>
+              </a:defRPr>
+            </a:lvl6pPr>
+            <a:lvl7pPr marL="2971800" indent="-228600" eaLnBrk="0" fontAlgn="base" hangingPunct="0">
+              <a:spcBef>
+                <a:spcPct val="0"/>
+              </a:spcBef>
+              <a:spcAft>
+                <a:spcPct val="0"/>
+              </a:spcAft>
+              <a:defRPr sz="2400">
+                <a:solidFill>
+                  <a:schemeClr val="tx1"/>
+                </a:solidFill>
+                <a:latin typeface="Times New Roman" panose="02020603050405020304" pitchFamily="18" charset="0"/>
+              </a:defRPr>
+            </a:lvl7pPr>
+            <a:lvl8pPr marL="3429000" indent="-228600" eaLnBrk="0" fontAlgn="base" hangingPunct="0">
+              <a:spcBef>
+                <a:spcPct val="0"/>
+              </a:spcBef>
+              <a:spcAft>
+                <a:spcPct val="0"/>
+              </a:spcAft>
+              <a:defRPr sz="2400">
+                <a:solidFill>
+                  <a:schemeClr val="tx1"/>
+                </a:solidFill>
+                <a:latin typeface="Times New Roman" panose="02020603050405020304" pitchFamily="18" charset="0"/>
+              </a:defRPr>
+            </a:lvl8pPr>
+            <a:lvl9pPr marL="3886200" indent="-228600" eaLnBrk="0" fontAlgn="base" hangingPunct="0">
+              <a:spcBef>
+                <a:spcPct val="0"/>
+              </a:spcBef>
+              <a:spcAft>
+                <a:spcPct val="0"/>
+              </a:spcAft>
+              <a:defRPr sz="2400">
+                <a:solidFill>
+                  <a:schemeClr val="tx1"/>
+                </a:solidFill>
+                <a:latin typeface="Times New Roman" panose="02020603050405020304" pitchFamily="18" charset="0"/>
+              </a:defRPr>
+            </a:lvl9pPr>
+          </a:lstStyle>
+          <a:p>
+            <a:pPr eaLnBrk="1" hangingPunct="1"/>
+            <a:fld id="{A16A09E6-40CD-49CC-9CAA-00BBF1B05452}" type="slidenum">
+              <a:rPr lang="en-US" altLang="en-US" sz="1200"/>
+              <a:pPr eaLnBrk="1" hangingPunct="1"/>
+              <a:t>17</a:t>
+            </a:fld>
+            <a:endParaRPr lang="en-US" altLang="en-US" sz="1200"/>
+          </a:p>
+        </p:txBody>
+      </p:sp>
+      <p:sp>
+        <p:nvSpPr>
+          <p:cNvPr id="68611" name="Rectangle 2">
+            <a:extLst>
+              <a:ext uri="{FF2B5EF4-FFF2-40B4-BE49-F238E27FC236}">
+                <a16:creationId xmlns:a16="http://schemas.microsoft.com/office/drawing/2014/main" id="{1A5473C0-3B21-40B1-8BA2-13B01B91C236}"/>
+              </a:ext>
+            </a:extLst>
+          </p:cNvPr>
+          <p:cNvSpPr>
+            <a:spLocks noGrp="1" noRot="1" noChangeAspect="1" noChangeArrowheads="1" noTextEdit="1"/>
           </p:cNvSpPr>
           <p:nvPr>
             <p:ph type="sldImg"/>
           </p:nvPr>
         </p:nvSpPr>
-        <p:spPr/>
+        <p:spPr>
+          <a:ln/>
+        </p:spPr>
       </p:sp>
       <p:sp>
         <p:nvSpPr>
-          <p:cNvPr id="3" name="Notes Placeholder 2"/>
+          <p:cNvPr id="68612" name="Rectangle 3">
+            <a:extLst>
+              <a:ext uri="{FF2B5EF4-FFF2-40B4-BE49-F238E27FC236}">
+                <a16:creationId xmlns:a16="http://schemas.microsoft.com/office/drawing/2014/main" id="{CC472DCD-F4B8-4810-9E17-B1AD1E284982}"/>
+              </a:ext>
+            </a:extLst>
+          </p:cNvPr>
           <p:cNvSpPr>
-            <a:spLocks noGrp="1"/>
+            <a:spLocks noGrp="1" noChangeArrowheads="1"/>
           </p:cNvSpPr>
           <p:nvPr>
             <p:ph type="body" idx="1"/>
           </p:nvPr>
         </p:nvSpPr>
-        <p:spPr/>
-        <p:txBody>
-          <a:bodyPr>
-            <a:normAutofit/>
-          </a:bodyPr>
-          <a:lstStyle/>
-          <a:p>
-            <a:endParaRPr lang="en-US" dirty="0"/>
-          </a:p>
-        </p:txBody>
-      </p:sp>
-      <p:sp>
-        <p:nvSpPr>
-          <p:cNvPr id="4" name="Slide Number Placeholder 3"/>
-          <p:cNvSpPr>
-            <a:spLocks noGrp="1"/>
-          </p:cNvSpPr>
-          <p:nvPr>
-            <p:ph type="sldNum" sz="quarter" idx="10"/>
-          </p:nvPr>
-        </p:nvSpPr>
-        <p:spPr/>
+        <p:spPr>
+          <a:noFill/>
+          <a:ln/>
+          <a:extLst>
+            <a:ext uri="{909E8E84-426E-40DD-AFC4-6F175D3DCCD1}">
+              <a14:hiddenFill xmlns:a14="http://schemas.microsoft.com/office/drawing/2010/main">
+                <a:solidFill>
+                  <a:srgbClr val="FFFFFF"/>
+                </a:solidFill>
+              </a14:hiddenFill>
+            </a:ext>
+            <a:ext uri="{91240B29-F687-4F45-9708-019B960494DF}">
+              <a14:hiddenLine xmlns:a14="http://schemas.microsoft.com/office/drawing/2010/main" w="9525">
+                <a:solidFill>
+                  <a:srgbClr val="000000"/>
+                </a:solidFill>
+                <a:miter lim="800000"/>
+                <a:headEnd/>
+                <a:tailEnd/>
+              </a14:hiddenLine>
+            </a:ext>
+          </a:extLst>
+        </p:spPr>
         <p:txBody>
           <a:bodyPr/>
           <a:lstStyle/>
           <a:p>
-            <a:fld id="{86CA180F-2472-4B10-84CD-78F125CCCA34}" type="slidenum">
-              <a:rPr lang="en-US" smtClean="0"/>
-              <a:pPr/>
-              <a:t>17</a:t>
-            </a:fld>
-            <a:endParaRPr lang="en-US"/>
+            <a:pPr eaLnBrk="1" hangingPunct="1"/>
+            <a:endParaRPr lang="en-US" altLang="en-US" dirty="0"/>
           </a:p>
         </p:txBody>
       </p:sp>
     </p:spTree>
+    <p:extLst>
+      <p:ext uri="{BB962C8B-B14F-4D97-AF65-F5344CB8AC3E}">
+        <p14:creationId xmlns:p14="http://schemas.microsoft.com/office/powerpoint/2010/main" val="3085626762"/>
+      </p:ext>
+    </p:extLst>
   </p:cSld>
   <p:clrMapOvr>
     <a:masterClrMapping/>
@@ -2656,7 +2842,7 @@
             <a:fld id="{A16A09E6-40CD-49CC-9CAA-00BBF1B05452}" type="slidenum">
               <a:rPr lang="en-US" altLang="en-US" sz="1200"/>
               <a:pPr eaLnBrk="1" hangingPunct="1"/>
-              <a:t>19</a:t>
+              <a:t>22</a:t>
             </a:fld>
             <a:endParaRPr lang="en-US" altLang="en-US" sz="1200"/>
           </a:p>
@@ -2733,7 +2919,7 @@
     </p:spTree>
     <p:extLst>
       <p:ext uri="{BB962C8B-B14F-4D97-AF65-F5344CB8AC3E}">
-        <p14:creationId xmlns:p14="http://schemas.microsoft.com/office/powerpoint/2010/main" val="3085626762"/>
+        <p14:creationId xmlns:p14="http://schemas.microsoft.com/office/powerpoint/2010/main" val="2503885872"/>
       </p:ext>
     </p:extLst>
   </p:cSld>
@@ -2904,7 +3090,7 @@
             <a:fld id="{A16A09E6-40CD-49CC-9CAA-00BBF1B05452}" type="slidenum">
               <a:rPr lang="en-US" altLang="en-US" sz="1200"/>
               <a:pPr eaLnBrk="1" hangingPunct="1"/>
-              <a:t>20</a:t>
+              <a:t>23</a:t>
             </a:fld>
             <a:endParaRPr lang="en-US" altLang="en-US" sz="1200"/>
           </a:p>
@@ -2981,7 +3167,7 @@
     </p:spTree>
     <p:extLst>
       <p:ext uri="{BB962C8B-B14F-4D97-AF65-F5344CB8AC3E}">
-        <p14:creationId xmlns:p14="http://schemas.microsoft.com/office/powerpoint/2010/main" val="399853639"/>
+        <p14:creationId xmlns:p14="http://schemas.microsoft.com/office/powerpoint/2010/main" val="2564102339"/>
       </p:ext>
     </p:extLst>
   </p:cSld>
@@ -3152,7 +3338,7 @@
             <a:fld id="{A16A09E6-40CD-49CC-9CAA-00BBF1B05452}" type="slidenum">
               <a:rPr lang="en-US" altLang="en-US" sz="1200"/>
               <a:pPr eaLnBrk="1" hangingPunct="1"/>
-              <a:t>25</a:t>
+              <a:t>24</a:t>
             </a:fld>
             <a:endParaRPr lang="en-US" altLang="en-US" sz="1200"/>
           </a:p>
@@ -3229,502 +3415,6 @@
     </p:spTree>
     <p:extLst>
       <p:ext uri="{BB962C8B-B14F-4D97-AF65-F5344CB8AC3E}">
-        <p14:creationId xmlns:p14="http://schemas.microsoft.com/office/powerpoint/2010/main" val="2503885872"/>
-      </p:ext>
-    </p:extLst>
-  </p:cSld>
-  <p:clrMapOvr>
-    <a:masterClrMapping/>
-  </p:clrMapOvr>
-</p:notes>
-</file>
-
-<file path=ppt/notesSlides/notesSlide16.xml><?xml version="1.0" encoding="utf-8"?>
-<p:notes xmlns:a="http://schemas.openxmlformats.org/drawingml/2006/main" xmlns:r="http://schemas.openxmlformats.org/officeDocument/2006/relationships" xmlns:p="http://schemas.openxmlformats.org/presentationml/2006/main">
-  <p:cSld>
-    <p:spTree>
-      <p:nvGrpSpPr>
-        <p:cNvPr id="1" name=""/>
-        <p:cNvGrpSpPr/>
-        <p:nvPr/>
-      </p:nvGrpSpPr>
-      <p:grpSpPr>
-        <a:xfrm>
-          <a:off x="0" y="0"/>
-          <a:ext cx="0" cy="0"/>
-          <a:chOff x="0" y="0"/>
-          <a:chExt cx="0" cy="0"/>
-        </a:xfrm>
-      </p:grpSpPr>
-      <p:sp>
-        <p:nvSpPr>
-          <p:cNvPr id="68610" name="Rectangle 7">
-            <a:extLst>
-              <a:ext uri="{FF2B5EF4-FFF2-40B4-BE49-F238E27FC236}">
-                <a16:creationId xmlns:a16="http://schemas.microsoft.com/office/drawing/2014/main" id="{7FED8FD6-3FB4-464E-BE57-79E1B856C2C3}"/>
-              </a:ext>
-            </a:extLst>
-          </p:cNvPr>
-          <p:cNvSpPr>
-            <a:spLocks noGrp="1" noChangeArrowheads="1"/>
-          </p:cNvSpPr>
-          <p:nvPr>
-            <p:ph type="sldNum" sz="quarter" idx="5"/>
-          </p:nvPr>
-        </p:nvSpPr>
-        <p:spPr>
-          <a:noFill/>
-          <a:ln/>
-          <a:extLst>
-            <a:ext uri="{909E8E84-426E-40DD-AFC4-6F175D3DCCD1}">
-              <a14:hiddenFill xmlns:a14="http://schemas.microsoft.com/office/drawing/2010/main">
-                <a:solidFill>
-                  <a:srgbClr val="FFFFFF"/>
-                </a:solidFill>
-              </a14:hiddenFill>
-            </a:ext>
-            <a:ext uri="{91240B29-F687-4F45-9708-019B960494DF}">
-              <a14:hiddenLine xmlns:a14="http://schemas.microsoft.com/office/drawing/2010/main" w="9525">
-                <a:solidFill>
-                  <a:srgbClr val="000000"/>
-                </a:solidFill>
-                <a:miter lim="800000"/>
-                <a:headEnd/>
-                <a:tailEnd/>
-              </a14:hiddenLine>
-            </a:ext>
-          </a:extLst>
-        </p:spPr>
-        <p:txBody>
-          <a:bodyPr/>
-          <a:lstStyle>
-            <a:lvl1pPr eaLnBrk="0" hangingPunct="0">
-              <a:defRPr sz="2400">
-                <a:solidFill>
-                  <a:schemeClr val="tx1"/>
-                </a:solidFill>
-                <a:latin typeface="Times New Roman" panose="02020603050405020304" pitchFamily="18" charset="0"/>
-              </a:defRPr>
-            </a:lvl1pPr>
-            <a:lvl2pPr marL="742950" indent="-285750" eaLnBrk="0" hangingPunct="0">
-              <a:defRPr sz="2400">
-                <a:solidFill>
-                  <a:schemeClr val="tx1"/>
-                </a:solidFill>
-                <a:latin typeface="Times New Roman" panose="02020603050405020304" pitchFamily="18" charset="0"/>
-              </a:defRPr>
-            </a:lvl2pPr>
-            <a:lvl3pPr marL="1143000" indent="-228600" eaLnBrk="0" hangingPunct="0">
-              <a:defRPr sz="2400">
-                <a:solidFill>
-                  <a:schemeClr val="tx1"/>
-                </a:solidFill>
-                <a:latin typeface="Times New Roman" panose="02020603050405020304" pitchFamily="18" charset="0"/>
-              </a:defRPr>
-            </a:lvl3pPr>
-            <a:lvl4pPr marL="1600200" indent="-228600" eaLnBrk="0" hangingPunct="0">
-              <a:defRPr sz="2400">
-                <a:solidFill>
-                  <a:schemeClr val="tx1"/>
-                </a:solidFill>
-                <a:latin typeface="Times New Roman" panose="02020603050405020304" pitchFamily="18" charset="0"/>
-              </a:defRPr>
-            </a:lvl4pPr>
-            <a:lvl5pPr marL="2057400" indent="-228600" eaLnBrk="0" hangingPunct="0">
-              <a:defRPr sz="2400">
-                <a:solidFill>
-                  <a:schemeClr val="tx1"/>
-                </a:solidFill>
-                <a:latin typeface="Times New Roman" panose="02020603050405020304" pitchFamily="18" charset="0"/>
-              </a:defRPr>
-            </a:lvl5pPr>
-            <a:lvl6pPr marL="2514600" indent="-228600" eaLnBrk="0" fontAlgn="base" hangingPunct="0">
-              <a:spcBef>
-                <a:spcPct val="0"/>
-              </a:spcBef>
-              <a:spcAft>
-                <a:spcPct val="0"/>
-              </a:spcAft>
-              <a:defRPr sz="2400">
-                <a:solidFill>
-                  <a:schemeClr val="tx1"/>
-                </a:solidFill>
-                <a:latin typeface="Times New Roman" panose="02020603050405020304" pitchFamily="18" charset="0"/>
-              </a:defRPr>
-            </a:lvl6pPr>
-            <a:lvl7pPr marL="2971800" indent="-228600" eaLnBrk="0" fontAlgn="base" hangingPunct="0">
-              <a:spcBef>
-                <a:spcPct val="0"/>
-              </a:spcBef>
-              <a:spcAft>
-                <a:spcPct val="0"/>
-              </a:spcAft>
-              <a:defRPr sz="2400">
-                <a:solidFill>
-                  <a:schemeClr val="tx1"/>
-                </a:solidFill>
-                <a:latin typeface="Times New Roman" panose="02020603050405020304" pitchFamily="18" charset="0"/>
-              </a:defRPr>
-            </a:lvl7pPr>
-            <a:lvl8pPr marL="3429000" indent="-228600" eaLnBrk="0" fontAlgn="base" hangingPunct="0">
-              <a:spcBef>
-                <a:spcPct val="0"/>
-              </a:spcBef>
-              <a:spcAft>
-                <a:spcPct val="0"/>
-              </a:spcAft>
-              <a:defRPr sz="2400">
-                <a:solidFill>
-                  <a:schemeClr val="tx1"/>
-                </a:solidFill>
-                <a:latin typeface="Times New Roman" panose="02020603050405020304" pitchFamily="18" charset="0"/>
-              </a:defRPr>
-            </a:lvl8pPr>
-            <a:lvl9pPr marL="3886200" indent="-228600" eaLnBrk="0" fontAlgn="base" hangingPunct="0">
-              <a:spcBef>
-                <a:spcPct val="0"/>
-              </a:spcBef>
-              <a:spcAft>
-                <a:spcPct val="0"/>
-              </a:spcAft>
-              <a:defRPr sz="2400">
-                <a:solidFill>
-                  <a:schemeClr val="tx1"/>
-                </a:solidFill>
-                <a:latin typeface="Times New Roman" panose="02020603050405020304" pitchFamily="18" charset="0"/>
-              </a:defRPr>
-            </a:lvl9pPr>
-          </a:lstStyle>
-          <a:p>
-            <a:pPr eaLnBrk="1" hangingPunct="1"/>
-            <a:fld id="{A16A09E6-40CD-49CC-9CAA-00BBF1B05452}" type="slidenum">
-              <a:rPr lang="en-US" altLang="en-US" sz="1200"/>
-              <a:pPr eaLnBrk="1" hangingPunct="1"/>
-              <a:t>26</a:t>
-            </a:fld>
-            <a:endParaRPr lang="en-US" altLang="en-US" sz="1200"/>
-          </a:p>
-        </p:txBody>
-      </p:sp>
-      <p:sp>
-        <p:nvSpPr>
-          <p:cNvPr id="68611" name="Rectangle 2">
-            <a:extLst>
-              <a:ext uri="{FF2B5EF4-FFF2-40B4-BE49-F238E27FC236}">
-                <a16:creationId xmlns:a16="http://schemas.microsoft.com/office/drawing/2014/main" id="{1A5473C0-3B21-40B1-8BA2-13B01B91C236}"/>
-              </a:ext>
-            </a:extLst>
-          </p:cNvPr>
-          <p:cNvSpPr>
-            <a:spLocks noGrp="1" noRot="1" noChangeAspect="1" noChangeArrowheads="1" noTextEdit="1"/>
-          </p:cNvSpPr>
-          <p:nvPr>
-            <p:ph type="sldImg"/>
-          </p:nvPr>
-        </p:nvSpPr>
-        <p:spPr>
-          <a:ln/>
-        </p:spPr>
-      </p:sp>
-      <p:sp>
-        <p:nvSpPr>
-          <p:cNvPr id="68612" name="Rectangle 3">
-            <a:extLst>
-              <a:ext uri="{FF2B5EF4-FFF2-40B4-BE49-F238E27FC236}">
-                <a16:creationId xmlns:a16="http://schemas.microsoft.com/office/drawing/2014/main" id="{CC472DCD-F4B8-4810-9E17-B1AD1E284982}"/>
-              </a:ext>
-            </a:extLst>
-          </p:cNvPr>
-          <p:cNvSpPr>
-            <a:spLocks noGrp="1" noChangeArrowheads="1"/>
-          </p:cNvSpPr>
-          <p:nvPr>
-            <p:ph type="body" idx="1"/>
-          </p:nvPr>
-        </p:nvSpPr>
-        <p:spPr>
-          <a:noFill/>
-          <a:ln/>
-          <a:extLst>
-            <a:ext uri="{909E8E84-426E-40DD-AFC4-6F175D3DCCD1}">
-              <a14:hiddenFill xmlns:a14="http://schemas.microsoft.com/office/drawing/2010/main">
-                <a:solidFill>
-                  <a:srgbClr val="FFFFFF"/>
-                </a:solidFill>
-              </a14:hiddenFill>
-            </a:ext>
-            <a:ext uri="{91240B29-F687-4F45-9708-019B960494DF}">
-              <a14:hiddenLine xmlns:a14="http://schemas.microsoft.com/office/drawing/2010/main" w="9525">
-                <a:solidFill>
-                  <a:srgbClr val="000000"/>
-                </a:solidFill>
-                <a:miter lim="800000"/>
-                <a:headEnd/>
-                <a:tailEnd/>
-              </a14:hiddenLine>
-            </a:ext>
-          </a:extLst>
-        </p:spPr>
-        <p:txBody>
-          <a:bodyPr/>
-          <a:lstStyle/>
-          <a:p>
-            <a:pPr eaLnBrk="1" hangingPunct="1"/>
-            <a:endParaRPr lang="en-US" altLang="en-US" dirty="0"/>
-          </a:p>
-        </p:txBody>
-      </p:sp>
-    </p:spTree>
-    <p:extLst>
-      <p:ext uri="{BB962C8B-B14F-4D97-AF65-F5344CB8AC3E}">
-        <p14:creationId xmlns:p14="http://schemas.microsoft.com/office/powerpoint/2010/main" val="2564102339"/>
-      </p:ext>
-    </p:extLst>
-  </p:cSld>
-  <p:clrMapOvr>
-    <a:masterClrMapping/>
-  </p:clrMapOvr>
-</p:notes>
-</file>
-
-<file path=ppt/notesSlides/notesSlide17.xml><?xml version="1.0" encoding="utf-8"?>
-<p:notes xmlns:a="http://schemas.openxmlformats.org/drawingml/2006/main" xmlns:r="http://schemas.openxmlformats.org/officeDocument/2006/relationships" xmlns:p="http://schemas.openxmlformats.org/presentationml/2006/main">
-  <p:cSld>
-    <p:spTree>
-      <p:nvGrpSpPr>
-        <p:cNvPr id="1" name=""/>
-        <p:cNvGrpSpPr/>
-        <p:nvPr/>
-      </p:nvGrpSpPr>
-      <p:grpSpPr>
-        <a:xfrm>
-          <a:off x="0" y="0"/>
-          <a:ext cx="0" cy="0"/>
-          <a:chOff x="0" y="0"/>
-          <a:chExt cx="0" cy="0"/>
-        </a:xfrm>
-      </p:grpSpPr>
-      <p:sp>
-        <p:nvSpPr>
-          <p:cNvPr id="68610" name="Rectangle 7">
-            <a:extLst>
-              <a:ext uri="{FF2B5EF4-FFF2-40B4-BE49-F238E27FC236}">
-                <a16:creationId xmlns:a16="http://schemas.microsoft.com/office/drawing/2014/main" id="{7FED8FD6-3FB4-464E-BE57-79E1B856C2C3}"/>
-              </a:ext>
-            </a:extLst>
-          </p:cNvPr>
-          <p:cNvSpPr>
-            <a:spLocks noGrp="1" noChangeArrowheads="1"/>
-          </p:cNvSpPr>
-          <p:nvPr>
-            <p:ph type="sldNum" sz="quarter" idx="5"/>
-          </p:nvPr>
-        </p:nvSpPr>
-        <p:spPr>
-          <a:noFill/>
-          <a:ln/>
-          <a:extLst>
-            <a:ext uri="{909E8E84-426E-40DD-AFC4-6F175D3DCCD1}">
-              <a14:hiddenFill xmlns:a14="http://schemas.microsoft.com/office/drawing/2010/main">
-                <a:solidFill>
-                  <a:srgbClr val="FFFFFF"/>
-                </a:solidFill>
-              </a14:hiddenFill>
-            </a:ext>
-            <a:ext uri="{91240B29-F687-4F45-9708-019B960494DF}">
-              <a14:hiddenLine xmlns:a14="http://schemas.microsoft.com/office/drawing/2010/main" w="9525">
-                <a:solidFill>
-                  <a:srgbClr val="000000"/>
-                </a:solidFill>
-                <a:miter lim="800000"/>
-                <a:headEnd/>
-                <a:tailEnd/>
-              </a14:hiddenLine>
-            </a:ext>
-          </a:extLst>
-        </p:spPr>
-        <p:txBody>
-          <a:bodyPr/>
-          <a:lstStyle>
-            <a:lvl1pPr eaLnBrk="0" hangingPunct="0">
-              <a:defRPr sz="2400">
-                <a:solidFill>
-                  <a:schemeClr val="tx1"/>
-                </a:solidFill>
-                <a:latin typeface="Times New Roman" panose="02020603050405020304" pitchFamily="18" charset="0"/>
-              </a:defRPr>
-            </a:lvl1pPr>
-            <a:lvl2pPr marL="742950" indent="-285750" eaLnBrk="0" hangingPunct="0">
-              <a:defRPr sz="2400">
-                <a:solidFill>
-                  <a:schemeClr val="tx1"/>
-                </a:solidFill>
-                <a:latin typeface="Times New Roman" panose="02020603050405020304" pitchFamily="18" charset="0"/>
-              </a:defRPr>
-            </a:lvl2pPr>
-            <a:lvl3pPr marL="1143000" indent="-228600" eaLnBrk="0" hangingPunct="0">
-              <a:defRPr sz="2400">
-                <a:solidFill>
-                  <a:schemeClr val="tx1"/>
-                </a:solidFill>
-                <a:latin typeface="Times New Roman" panose="02020603050405020304" pitchFamily="18" charset="0"/>
-              </a:defRPr>
-            </a:lvl3pPr>
-            <a:lvl4pPr marL="1600200" indent="-228600" eaLnBrk="0" hangingPunct="0">
-              <a:defRPr sz="2400">
-                <a:solidFill>
-                  <a:schemeClr val="tx1"/>
-                </a:solidFill>
-                <a:latin typeface="Times New Roman" panose="02020603050405020304" pitchFamily="18" charset="0"/>
-              </a:defRPr>
-            </a:lvl4pPr>
-            <a:lvl5pPr marL="2057400" indent="-228600" eaLnBrk="0" hangingPunct="0">
-              <a:defRPr sz="2400">
-                <a:solidFill>
-                  <a:schemeClr val="tx1"/>
-                </a:solidFill>
-                <a:latin typeface="Times New Roman" panose="02020603050405020304" pitchFamily="18" charset="0"/>
-              </a:defRPr>
-            </a:lvl5pPr>
-            <a:lvl6pPr marL="2514600" indent="-228600" eaLnBrk="0" fontAlgn="base" hangingPunct="0">
-              <a:spcBef>
-                <a:spcPct val="0"/>
-              </a:spcBef>
-              <a:spcAft>
-                <a:spcPct val="0"/>
-              </a:spcAft>
-              <a:defRPr sz="2400">
-                <a:solidFill>
-                  <a:schemeClr val="tx1"/>
-                </a:solidFill>
-                <a:latin typeface="Times New Roman" panose="02020603050405020304" pitchFamily="18" charset="0"/>
-              </a:defRPr>
-            </a:lvl6pPr>
-            <a:lvl7pPr marL="2971800" indent="-228600" eaLnBrk="0" fontAlgn="base" hangingPunct="0">
-              <a:spcBef>
-                <a:spcPct val="0"/>
-              </a:spcBef>
-              <a:spcAft>
-                <a:spcPct val="0"/>
-              </a:spcAft>
-              <a:defRPr sz="2400">
-                <a:solidFill>
-                  <a:schemeClr val="tx1"/>
-                </a:solidFill>
-                <a:latin typeface="Times New Roman" panose="02020603050405020304" pitchFamily="18" charset="0"/>
-              </a:defRPr>
-            </a:lvl7pPr>
-            <a:lvl8pPr marL="3429000" indent="-228600" eaLnBrk="0" fontAlgn="base" hangingPunct="0">
-              <a:spcBef>
-                <a:spcPct val="0"/>
-              </a:spcBef>
-              <a:spcAft>
-                <a:spcPct val="0"/>
-              </a:spcAft>
-              <a:defRPr sz="2400">
-                <a:solidFill>
-                  <a:schemeClr val="tx1"/>
-                </a:solidFill>
-                <a:latin typeface="Times New Roman" panose="02020603050405020304" pitchFamily="18" charset="0"/>
-              </a:defRPr>
-            </a:lvl8pPr>
-            <a:lvl9pPr marL="3886200" indent="-228600" eaLnBrk="0" fontAlgn="base" hangingPunct="0">
-              <a:spcBef>
-                <a:spcPct val="0"/>
-              </a:spcBef>
-              <a:spcAft>
-                <a:spcPct val="0"/>
-              </a:spcAft>
-              <a:defRPr sz="2400">
-                <a:solidFill>
-                  <a:schemeClr val="tx1"/>
-                </a:solidFill>
-                <a:latin typeface="Times New Roman" panose="02020603050405020304" pitchFamily="18" charset="0"/>
-              </a:defRPr>
-            </a:lvl9pPr>
-          </a:lstStyle>
-          <a:p>
-            <a:pPr eaLnBrk="1" hangingPunct="1"/>
-            <a:fld id="{A16A09E6-40CD-49CC-9CAA-00BBF1B05452}" type="slidenum">
-              <a:rPr lang="en-US" altLang="en-US" sz="1200"/>
-              <a:pPr eaLnBrk="1" hangingPunct="1"/>
-              <a:t>27</a:t>
-            </a:fld>
-            <a:endParaRPr lang="en-US" altLang="en-US" sz="1200"/>
-          </a:p>
-        </p:txBody>
-      </p:sp>
-      <p:sp>
-        <p:nvSpPr>
-          <p:cNvPr id="68611" name="Rectangle 2">
-            <a:extLst>
-              <a:ext uri="{FF2B5EF4-FFF2-40B4-BE49-F238E27FC236}">
-                <a16:creationId xmlns:a16="http://schemas.microsoft.com/office/drawing/2014/main" id="{1A5473C0-3B21-40B1-8BA2-13B01B91C236}"/>
-              </a:ext>
-            </a:extLst>
-          </p:cNvPr>
-          <p:cNvSpPr>
-            <a:spLocks noGrp="1" noRot="1" noChangeAspect="1" noChangeArrowheads="1" noTextEdit="1"/>
-          </p:cNvSpPr>
-          <p:nvPr>
-            <p:ph type="sldImg"/>
-          </p:nvPr>
-        </p:nvSpPr>
-        <p:spPr>
-          <a:ln/>
-        </p:spPr>
-      </p:sp>
-      <p:sp>
-        <p:nvSpPr>
-          <p:cNvPr id="68612" name="Rectangle 3">
-            <a:extLst>
-              <a:ext uri="{FF2B5EF4-FFF2-40B4-BE49-F238E27FC236}">
-                <a16:creationId xmlns:a16="http://schemas.microsoft.com/office/drawing/2014/main" id="{CC472DCD-F4B8-4810-9E17-B1AD1E284982}"/>
-              </a:ext>
-            </a:extLst>
-          </p:cNvPr>
-          <p:cNvSpPr>
-            <a:spLocks noGrp="1" noChangeArrowheads="1"/>
-          </p:cNvSpPr>
-          <p:nvPr>
-            <p:ph type="body" idx="1"/>
-          </p:nvPr>
-        </p:nvSpPr>
-        <p:spPr>
-          <a:noFill/>
-          <a:ln/>
-          <a:extLst>
-            <a:ext uri="{909E8E84-426E-40DD-AFC4-6F175D3DCCD1}">
-              <a14:hiddenFill xmlns:a14="http://schemas.microsoft.com/office/drawing/2010/main">
-                <a:solidFill>
-                  <a:srgbClr val="FFFFFF"/>
-                </a:solidFill>
-              </a14:hiddenFill>
-            </a:ext>
-            <a:ext uri="{91240B29-F687-4F45-9708-019B960494DF}">
-              <a14:hiddenLine xmlns:a14="http://schemas.microsoft.com/office/drawing/2010/main" w="9525">
-                <a:solidFill>
-                  <a:srgbClr val="000000"/>
-                </a:solidFill>
-                <a:miter lim="800000"/>
-                <a:headEnd/>
-                <a:tailEnd/>
-              </a14:hiddenLine>
-            </a:ext>
-          </a:extLst>
-        </p:spPr>
-        <p:txBody>
-          <a:bodyPr/>
-          <a:lstStyle/>
-          <a:p>
-            <a:pPr eaLnBrk="1" hangingPunct="1"/>
-            <a:endParaRPr lang="en-US" altLang="en-US" dirty="0"/>
-          </a:p>
-        </p:txBody>
-      </p:sp>
-    </p:spTree>
-    <p:extLst>
-      <p:ext uri="{BB962C8B-B14F-4D97-AF65-F5344CB8AC3E}">
         <p14:creationId xmlns:p14="http://schemas.microsoft.com/office/powerpoint/2010/main" val="2607322932"/>
       </p:ext>
     </p:extLst>
@@ -3885,9 +3575,9 @@
             <a:fld id="{86CA180F-2472-4B10-84CD-78F125CCCA34}" type="slidenum">
               <a:rPr lang="en-US" smtClean="0"/>
               <a:pPr/>
-              <a:t>6</a:t>
+              <a:t>8</a:t>
             </a:fld>
-            <a:endParaRPr lang="en-US" dirty="0"/>
+            <a:endParaRPr lang="en-US"/>
           </a:p>
         </p:txBody>
       </p:sp>
@@ -3974,6 +3664,11 @@
         </p:txBody>
       </p:sp>
     </p:spTree>
+    <p:extLst>
+      <p:ext uri="{BB962C8B-B14F-4D97-AF65-F5344CB8AC3E}">
+        <p14:creationId xmlns:p14="http://schemas.microsoft.com/office/powerpoint/2010/main" val="2662364761"/>
+      </p:ext>
+    </p:extLst>
   </p:cSld>
   <p:clrMapOvr>
     <a:masterClrMapping/>
@@ -4056,11 +3751,6 @@
         </p:txBody>
       </p:sp>
     </p:spTree>
-    <p:extLst>
-      <p:ext uri="{BB962C8B-B14F-4D97-AF65-F5344CB8AC3E}">
-        <p14:creationId xmlns:p14="http://schemas.microsoft.com/office/powerpoint/2010/main" val="2662364761"/>
-      </p:ext>
-    </p:extLst>
   </p:cSld>
   <p:clrMapOvr>
     <a:masterClrMapping/>
@@ -5012,7 +4702,7 @@
             <a:fld id="{1D8BD707-D9CF-40AE-B4C6-C98DA3205C09}" type="datetimeFigureOut">
               <a:rPr lang="en-US" smtClean="0"/>
               <a:pPr/>
-              <a:t>23-Feb-23</a:t>
+              <a:t>4/1/23</a:t>
             </a:fld>
             <a:endParaRPr lang="en-US"/>
           </a:p>
@@ -5203,7 +4893,7 @@
             <a:fld id="{1D8BD707-D9CF-40AE-B4C6-C98DA3205C09}" type="datetimeFigureOut">
               <a:rPr lang="en-US" smtClean="0"/>
               <a:pPr/>
-              <a:t>23-Feb-23</a:t>
+              <a:t>4/1/23</a:t>
             </a:fld>
             <a:endParaRPr lang="en-US"/>
           </a:p>
@@ -5379,7 +5069,7 @@
             <a:fld id="{1D8BD707-D9CF-40AE-B4C6-C98DA3205C09}" type="datetimeFigureOut">
               <a:rPr lang="en-US" smtClean="0"/>
               <a:pPr/>
-              <a:t>23-Feb-23</a:t>
+              <a:t>4/1/23</a:t>
             </a:fld>
             <a:endParaRPr lang="en-US"/>
           </a:p>
@@ -5717,7 +5407,7 @@
             <a:fld id="{1D8BD707-D9CF-40AE-B4C6-C98DA3205C09}" type="datetimeFigureOut">
               <a:rPr lang="en-US" smtClean="0"/>
               <a:pPr/>
-              <a:t>23-Feb-23</a:t>
+              <a:t>4/1/23</a:t>
             </a:fld>
             <a:endParaRPr lang="en-US"/>
           </a:p>
@@ -5964,7 +5654,7 @@
             <a:fld id="{1D8BD707-D9CF-40AE-B4C6-C98DA3205C09}" type="datetimeFigureOut">
               <a:rPr lang="en-US" smtClean="0"/>
               <a:pPr/>
-              <a:t>23-Feb-23</a:t>
+              <a:t>4/1/23</a:t>
             </a:fld>
             <a:endParaRPr lang="en-US"/>
           </a:p>
@@ -6365,7 +6055,7 @@
             <a:fld id="{1D8BD707-D9CF-40AE-B4C6-C98DA3205C09}" type="datetimeFigureOut">
               <a:rPr lang="en-US" smtClean="0"/>
               <a:pPr/>
-              <a:t>23-Feb-23</a:t>
+              <a:t>4/1/23</a:t>
             </a:fld>
             <a:endParaRPr lang="en-US"/>
           </a:p>
@@ -6803,7 +6493,7 @@
             <a:fld id="{1D8BD707-D9CF-40AE-B4C6-C98DA3205C09}" type="datetimeFigureOut">
               <a:rPr lang="en-US" smtClean="0"/>
               <a:pPr/>
-              <a:t>23-Feb-23</a:t>
+              <a:t>4/1/23</a:t>
             </a:fld>
             <a:endParaRPr lang="en-US"/>
           </a:p>
@@ -6900,7 +6590,7 @@
             <a:fld id="{1D8BD707-D9CF-40AE-B4C6-C98DA3205C09}" type="datetimeFigureOut">
               <a:rPr lang="en-US" smtClean="0"/>
               <a:pPr/>
-              <a:t>23-Feb-23</a:t>
+              <a:t>4/1/23</a:t>
             </a:fld>
             <a:endParaRPr lang="en-US"/>
           </a:p>
@@ -7014,7 +6704,7 @@
             <a:fld id="{1D8BD707-D9CF-40AE-B4C6-C98DA3205C09}" type="datetimeFigureOut">
               <a:rPr lang="en-US" smtClean="0"/>
               <a:pPr/>
-              <a:t>23-Feb-23</a:t>
+              <a:t>4/1/23</a:t>
             </a:fld>
             <a:endParaRPr lang="en-US"/>
           </a:p>
@@ -7283,7 +6973,7 @@
             <a:fld id="{1D8BD707-D9CF-40AE-B4C6-C98DA3205C09}" type="datetimeFigureOut">
               <a:rPr lang="en-US" smtClean="0"/>
               <a:pPr/>
-              <a:t>23-Feb-23</a:t>
+              <a:t>4/1/23</a:t>
             </a:fld>
             <a:endParaRPr lang="en-US"/>
           </a:p>
@@ -7486,7 +7176,7 @@
             <a:fld id="{1D8BD707-D9CF-40AE-B4C6-C98DA3205C09}" type="datetimeFigureOut">
               <a:rPr lang="en-US" smtClean="0"/>
               <a:pPr/>
-              <a:t>23-Feb-23</a:t>
+              <a:t>4/1/23</a:t>
             </a:fld>
             <a:endParaRPr lang="en-US"/>
           </a:p>
@@ -8574,7 +8264,7 @@
             <a:fld id="{1D8BD707-D9CF-40AE-B4C6-C98DA3205C09}" type="datetimeFigureOut">
               <a:rPr lang="en-US" smtClean="0"/>
               <a:pPr/>
-              <a:t>23-Feb-23</a:t>
+              <a:t>4/1/23</a:t>
             </a:fld>
             <a:endParaRPr lang="en-US"/>
           </a:p>
@@ -8985,502 +8675,85 @@
       </p:grpSpPr>
       <p:sp>
         <p:nvSpPr>
-          <p:cNvPr id="4" name="Title 1"/>
-          <p:cNvSpPr txBox="1">
-            <a:spLocks/>
+          <p:cNvPr id="2" name="Content Placeholder 1">
+            <a:extLst>
+              <a:ext uri="{FF2B5EF4-FFF2-40B4-BE49-F238E27FC236}">
+                <a16:creationId xmlns:a16="http://schemas.microsoft.com/office/drawing/2014/main" id="{D85DF964-963D-C298-B274-82240D7C4FCC}"/>
+              </a:ext>
+            </a:extLst>
+          </p:cNvPr>
+          <p:cNvSpPr>
+            <a:spLocks noGrp="1"/>
           </p:cNvSpPr>
-          <p:nvPr/>
+          <p:nvPr>
+            <p:ph idx="1"/>
+          </p:nvPr>
         </p:nvSpPr>
         <p:spPr>
           <a:xfrm>
-            <a:off x="457200" y="2020669"/>
-            <a:ext cx="8156448" cy="1371600"/>
+            <a:off x="304800" y="1295400"/>
+            <a:ext cx="8382000" cy="4711891"/>
           </a:xfrm>
-          <a:prstGeom prst="rect">
-            <a:avLst/>
-          </a:prstGeom>
-          <a:ln>
-            <a:noFill/>
-          </a:ln>
         </p:spPr>
         <p:txBody>
-          <a:bodyPr vert="horz" lIns="0" tIns="0" rIns="18288" bIns="0" anchor="b">
+          <a:bodyPr>
             <a:normAutofit/>
-            <a:scene3d>
-              <a:camera prst="orthographicFront"/>
-              <a:lightRig rig="freezing" dir="t">
-                <a:rot lat="0" lon="0" rev="5640000"/>
-              </a:lightRig>
-            </a:scene3d>
-            <a:sp3d prstMaterial="flat">
-              <a:bevelT w="38100" h="38100"/>
-              <a:contourClr>
-                <a:schemeClr val="tx2"/>
-              </a:contourClr>
-            </a:sp3d>
           </a:bodyPr>
           <a:lstStyle/>
           <a:p>
-            <a:pPr algn="ctr">
-              <a:defRPr/>
+            <a:r>
+              <a:rPr lang="en-US" dirty="0"/>
+              <a:t>Poor software design and engineering are the root causes of most security vulnerabilities in deployed systems today. </a:t>
+            </a:r>
+          </a:p>
+          <a:p>
+            <a:pPr marL="109728" indent="0">
+              <a:buNone/>
             </a:pPr>
-            <a:r>
-              <a:rPr lang="en-US" sz="6600" b="1" dirty="0">
-                <a:solidFill>
-                  <a:srgbClr val="C00000"/>
-                </a:solidFill>
-                <a:effectLst>
-                  <a:outerShdw blurRad="38100" dist="38100" dir="2700000" algn="tl">
-                    <a:srgbClr val="000000">
-                      <a:alpha val="43137"/>
-                    </a:srgbClr>
-                  </a:outerShdw>
-                </a:effectLst>
-                <a:latin typeface="Bookman Old Style" pitchFamily="18" charset="0"/>
-                <a:ea typeface="+mj-ea"/>
-                <a:cs typeface="+mj-cs"/>
-              </a:rPr>
-              <a:t>Software Security</a:t>
-            </a:r>
-            <a:endParaRPr kumimoji="0" lang="en-US" sz="6600" b="1" i="0" u="none" strike="noStrike" kern="1200" cap="none" spc="0" normalizeH="0" baseline="0" noProof="0" dirty="0">
-              <a:ln>
-                <a:noFill/>
-              </a:ln>
-              <a:solidFill>
-                <a:srgbClr val="C00000"/>
-              </a:solidFill>
-              <a:effectLst>
-                <a:outerShdw blurRad="38100" dist="38100" dir="2700000" algn="tl">
-                  <a:srgbClr val="000000">
-                    <a:alpha val="43137"/>
-                  </a:srgbClr>
-                </a:outerShdw>
-              </a:effectLst>
-              <a:uLnTx/>
-              <a:uFillTx/>
-              <a:latin typeface="Bookman Old Style" pitchFamily="18" charset="0"/>
-              <a:ea typeface="+mj-ea"/>
-              <a:cs typeface="+mj-cs"/>
-            </a:endParaRPr>
+            <a:endParaRPr lang="en-US" dirty="0"/>
+          </a:p>
+          <a:p>
+            <a:r>
+              <a:rPr lang="en-US" dirty="0"/>
+              <a:t>This course takes a close look at software as a mechanism for an attack, a tool for protecting resources, and as a resource to be defended</a:t>
+            </a:r>
           </a:p>
         </p:txBody>
       </p:sp>
       <p:sp>
         <p:nvSpPr>
-          <p:cNvPr id="7" name="Subtitle 6"/>
+          <p:cNvPr id="3" name="Title 2">
+            <a:extLst>
+              <a:ext uri="{FF2B5EF4-FFF2-40B4-BE49-F238E27FC236}">
+                <a16:creationId xmlns:a16="http://schemas.microsoft.com/office/drawing/2014/main" id="{C078D858-68A4-6C6A-01B9-89E5256CC8C0}"/>
+              </a:ext>
+            </a:extLst>
+          </p:cNvPr>
           <p:cNvSpPr>
             <a:spLocks noGrp="1"/>
           </p:cNvSpPr>
           <p:nvPr>
-            <p:ph type="subTitle" idx="1"/>
+            <p:ph type="title"/>
           </p:nvPr>
         </p:nvSpPr>
-        <p:spPr>
-          <a:xfrm>
-            <a:off x="457200" y="4953000"/>
-            <a:ext cx="7854696" cy="1905000"/>
-          </a:xfrm>
-        </p:spPr>
+        <p:spPr/>
         <p:txBody>
-          <a:bodyPr>
-            <a:noAutofit/>
-          </a:bodyPr>
+          <a:bodyPr/>
           <a:lstStyle/>
           <a:p>
-            <a:pPr algn="l"/>
-            <a:r>
-              <a:rPr lang="en-US" sz="5400" b="1" dirty="0">
-                <a:ln w="1905"/>
-                <a:gradFill>
-                  <a:gsLst>
-                    <a:gs pos="0">
-                      <a:schemeClr val="accent6">
-                        <a:shade val="20000"/>
-                        <a:satMod val="200000"/>
-                      </a:schemeClr>
-                    </a:gs>
-                    <a:gs pos="78000">
-                      <a:schemeClr val="accent6">
-                        <a:tint val="90000"/>
-                        <a:shade val="89000"/>
-                        <a:satMod val="220000"/>
-                      </a:schemeClr>
-                    </a:gs>
-                    <a:gs pos="100000">
-                      <a:schemeClr val="accent6">
-                        <a:tint val="12000"/>
-                        <a:satMod val="255000"/>
-                      </a:schemeClr>
-                    </a:gs>
-                  </a:gsLst>
-                  <a:lin ang="5400000"/>
-                </a:gradFill>
-                <a:effectLst>
-                  <a:innerShdw blurRad="69850" dist="43180" dir="5400000">
-                    <a:srgbClr val="000000">
-                      <a:alpha val="65000"/>
-                    </a:srgbClr>
-                  </a:innerShdw>
-                </a:effectLst>
-                <a:latin typeface="Brush Script MT" panose="03060802040406070304" pitchFamily="66" charset="0"/>
-              </a:rPr>
-              <a:t>By:</a:t>
-            </a:r>
-          </a:p>
-          <a:p>
-            <a:pPr algn="l"/>
-            <a:r>
-              <a:rPr lang="en-US" sz="5400" b="1" dirty="0">
-                <a:ln w="1905"/>
-                <a:gradFill>
-                  <a:gsLst>
-                    <a:gs pos="0">
-                      <a:schemeClr val="accent6">
-                        <a:shade val="20000"/>
-                        <a:satMod val="200000"/>
-                      </a:schemeClr>
-                    </a:gs>
-                    <a:gs pos="78000">
-                      <a:schemeClr val="accent6">
-                        <a:tint val="90000"/>
-                        <a:shade val="89000"/>
-                        <a:satMod val="220000"/>
-                      </a:schemeClr>
-                    </a:gs>
-                    <a:gs pos="100000">
-                      <a:schemeClr val="accent6">
-                        <a:tint val="12000"/>
-                        <a:satMod val="255000"/>
-                      </a:schemeClr>
-                    </a:gs>
-                  </a:gsLst>
-                  <a:lin ang="5400000"/>
-                </a:gradFill>
-                <a:effectLst>
-                  <a:innerShdw blurRad="69850" dist="43180" dir="5400000">
-                    <a:srgbClr val="000000">
-                      <a:alpha val="65000"/>
-                    </a:srgbClr>
-                  </a:innerShdw>
-                </a:effectLst>
-                <a:latin typeface="Brush Script MT" panose="03060802040406070304" pitchFamily="66" charset="0"/>
-              </a:rPr>
-              <a:t>Dr. Hussien M. Sharaf</a:t>
+            <a:r>
+              <a:rPr lang="en-US" dirty="0"/>
+              <a:t>Course review</a:t>
             </a:r>
           </a:p>
         </p:txBody>
       </p:sp>
-      <p:sp>
-        <p:nvSpPr>
-          <p:cNvPr id="6" name="Rectangle 5"/>
-          <p:cNvSpPr/>
-          <p:nvPr/>
-        </p:nvSpPr>
-        <p:spPr>
-          <a:xfrm>
-            <a:off x="7315200" y="3352800"/>
-            <a:ext cx="1600200" cy="646331"/>
-          </a:xfrm>
-          <a:prstGeom prst="rect">
-            <a:avLst/>
-          </a:prstGeom>
-        </p:spPr>
-        <p:txBody>
-          <a:bodyPr wrap="square">
-            <a:spAutoFit/>
-          </a:bodyPr>
-          <a:lstStyle/>
-          <a:p>
-            <a:r>
-              <a:rPr lang="en-US" sz="3600" b="1" cap="all" dirty="0">
-                <a:ln w="9000" cmpd="sng">
-                  <a:solidFill>
-                    <a:schemeClr val="accent4">
-                      <a:shade val="50000"/>
-                      <a:satMod val="120000"/>
-                    </a:schemeClr>
-                  </a:solidFill>
-                  <a:prstDash val="solid"/>
-                </a:ln>
-                <a:gradFill>
-                  <a:gsLst>
-                    <a:gs pos="0">
-                      <a:schemeClr val="accent4">
-                        <a:shade val="20000"/>
-                        <a:satMod val="245000"/>
-                      </a:schemeClr>
-                    </a:gs>
-                    <a:gs pos="43000">
-                      <a:schemeClr val="accent4">
-                        <a:satMod val="255000"/>
-                      </a:schemeClr>
-                    </a:gs>
-                    <a:gs pos="48000">
-                      <a:schemeClr val="accent4">
-                        <a:shade val="85000"/>
-                        <a:satMod val="255000"/>
-                      </a:schemeClr>
-                    </a:gs>
-                    <a:gs pos="100000">
-                      <a:schemeClr val="accent4">
-                        <a:shade val="20000"/>
-                        <a:satMod val="245000"/>
-                      </a:schemeClr>
-                    </a:gs>
-                  </a:gsLst>
-                  <a:lin ang="5400000"/>
-                </a:gradFill>
-                <a:effectLst>
-                  <a:reflection blurRad="12700" stA="28000" endPos="45000" dist="1000" dir="5400000" sy="-100000" algn="bl" rotWithShape="0"/>
-                </a:effectLst>
-                <a:latin typeface="Book Antiqua" pitchFamily="18" charset="0"/>
-              </a:rPr>
-              <a:t>SC359</a:t>
-            </a:r>
-          </a:p>
-        </p:txBody>
-      </p:sp>
-      <p:sp>
-        <p:nvSpPr>
-          <p:cNvPr id="10" name="Title 1"/>
-          <p:cNvSpPr txBox="1">
-            <a:spLocks/>
-          </p:cNvSpPr>
-          <p:nvPr/>
-        </p:nvSpPr>
-        <p:spPr>
-          <a:xfrm>
-            <a:off x="304800" y="3581400"/>
-            <a:ext cx="8077200" cy="1066800"/>
-          </a:xfrm>
-          <a:prstGeom prst="rect">
-            <a:avLst/>
-          </a:prstGeom>
-        </p:spPr>
-        <p:txBody>
-          <a:bodyPr vert="horz" anchor="b">
-            <a:normAutofit fontScale="85000" lnSpcReduction="10000"/>
-            <a:scene3d>
-              <a:camera prst="orthographicFront"/>
-              <a:lightRig rig="soft" dir="t"/>
-            </a:scene3d>
-            <a:sp3d prstMaterial="softEdge">
-              <a:bevelT w="25400" h="25400"/>
-            </a:sp3d>
-          </a:bodyPr>
-          <a:lstStyle/>
-          <a:p>
-            <a:pPr eaLnBrk="0" fontAlgn="base" hangingPunct="0">
-              <a:spcBef>
-                <a:spcPct val="0"/>
-              </a:spcBef>
-              <a:spcAft>
-                <a:spcPct val="0"/>
-              </a:spcAft>
-            </a:pPr>
-            <a:r>
-              <a:rPr lang="en-US" sz="3800" b="1" dirty="0">
-                <a:solidFill>
-                  <a:srgbClr val="7030A0"/>
-                </a:solidFill>
-                <a:latin typeface="Bookman Old Style" pitchFamily="18" charset="0"/>
-                <a:ea typeface="+mj-ea"/>
-                <a:cs typeface="+mj-cs"/>
-              </a:rPr>
-              <a:t>Lec3 </a:t>
-            </a:r>
-            <a:r>
-              <a:rPr lang="en-US" sz="3800" b="1">
-                <a:solidFill>
-                  <a:srgbClr val="7030A0"/>
-                </a:solidFill>
-                <a:effectLst>
-                  <a:outerShdw blurRad="38100" dist="38100" dir="2700000" algn="tl">
-                    <a:srgbClr val="000000">
-                      <a:alpha val="43137"/>
-                    </a:srgbClr>
-                  </a:outerShdw>
-                </a:effectLst>
-                <a:latin typeface="Bookman Old Style" pitchFamily="18" charset="0"/>
-                <a:ea typeface="+mj-ea"/>
-                <a:cs typeface="+mj-cs"/>
-              </a:rPr>
-              <a:t>	</a:t>
-            </a:r>
-            <a:r>
-              <a:rPr lang="en-US" sz="4400" b="1">
-                <a:solidFill>
-                  <a:srgbClr val="7030A0"/>
-                </a:solidFill>
-                <a:effectLst>
-                  <a:outerShdw blurRad="38100" dist="38100" dir="2700000" algn="tl">
-                    <a:srgbClr val="000000">
-                      <a:alpha val="43137"/>
-                    </a:srgbClr>
-                  </a:outerShdw>
-                </a:effectLst>
-                <a:latin typeface="Bookman Old Style" pitchFamily="18" charset="0"/>
-                <a:ea typeface="+mj-ea"/>
-                <a:cs typeface="+mj-cs"/>
-              </a:rPr>
-              <a:t> Securing architecture</a:t>
-            </a:r>
-            <a:endParaRPr kumimoji="0" lang="en-US" sz="4400" b="1" i="0" u="none" strike="noStrike" kern="1200" cap="none" spc="0" normalizeH="0" baseline="0" noProof="0" dirty="0">
-              <a:ln>
-                <a:noFill/>
-              </a:ln>
-              <a:solidFill>
-                <a:srgbClr val="7030A0"/>
-              </a:solidFill>
-              <a:effectLst>
-                <a:outerShdw blurRad="38100" dist="38100" dir="2700000" algn="tl">
-                  <a:srgbClr val="000000">
-                    <a:alpha val="43137"/>
-                  </a:srgbClr>
-                </a:outerShdw>
-              </a:effectLst>
-              <a:uLnTx/>
-              <a:uFillTx/>
-              <a:latin typeface="Bookman Old Style" pitchFamily="18" charset="0"/>
-              <a:ea typeface="+mj-ea"/>
-              <a:cs typeface="+mj-cs"/>
-            </a:endParaRPr>
-          </a:p>
-        </p:txBody>
-      </p:sp>
-      <p:pic>
-        <p:nvPicPr>
-          <p:cNvPr id="1026" name="Picture 2"/>
-          <p:cNvPicPr>
-            <a:picLocks noChangeAspect="1" noChangeArrowheads="1"/>
-          </p:cNvPicPr>
-          <p:nvPr/>
-        </p:nvPicPr>
-        <p:blipFill>
-          <a:blip r:embed="rId3" cstate="print"/>
-          <a:srcRect/>
-          <a:stretch>
-            <a:fillRect/>
-          </a:stretch>
-        </p:blipFill>
-        <p:spPr bwMode="auto">
-          <a:xfrm>
-            <a:off x="8153400" y="228600"/>
-            <a:ext cx="676275" cy="467661"/>
-          </a:xfrm>
-          <a:prstGeom prst="rect">
-            <a:avLst/>
-          </a:prstGeom>
-          <a:noFill/>
-          <a:ln w="9525">
-            <a:noFill/>
-            <a:miter lim="800000"/>
-            <a:headEnd/>
-            <a:tailEnd/>
-          </a:ln>
-          <a:effectLst/>
-        </p:spPr>
-      </p:pic>
-      <p:sp>
-        <p:nvSpPr>
-          <p:cNvPr id="8" name="Title 1"/>
-          <p:cNvSpPr txBox="1">
-            <a:spLocks/>
-          </p:cNvSpPr>
-          <p:nvPr/>
-        </p:nvSpPr>
-        <p:spPr>
-          <a:xfrm>
-            <a:off x="1905000" y="5410200"/>
-            <a:ext cx="5486400" cy="533400"/>
-          </a:xfrm>
-          <a:prstGeom prst="rect">
-            <a:avLst/>
-          </a:prstGeom>
-        </p:spPr>
-        <p:txBody>
-          <a:bodyPr vert="horz" anchor="b">
-            <a:normAutofit/>
-            <a:scene3d>
-              <a:camera prst="orthographicFront"/>
-              <a:lightRig rig="soft" dir="t"/>
-            </a:scene3d>
-            <a:sp3d prstMaterial="softEdge">
-              <a:bevelT w="25400" h="25400"/>
-            </a:sp3d>
-          </a:bodyPr>
-          <a:lstStyle/>
-          <a:p>
-            <a:pPr eaLnBrk="0" fontAlgn="base" hangingPunct="0">
-              <a:spcBef>
-                <a:spcPct val="0"/>
-              </a:spcBef>
-              <a:spcAft>
-                <a:spcPct val="0"/>
-              </a:spcAft>
-            </a:pPr>
-            <a:r>
-              <a:rPr lang="en-US" sz="2400" b="1" dirty="0">
-                <a:solidFill>
-                  <a:schemeClr val="tx1">
-                    <a:lumMod val="95000"/>
-                    <a:lumOff val="5000"/>
-                  </a:schemeClr>
-                </a:solidFill>
-                <a:latin typeface="Bookman Old Style" pitchFamily="18" charset="0"/>
-                <a:ea typeface="+mj-ea"/>
-                <a:cs typeface="+mj-cs"/>
-              </a:rPr>
-              <a:t>Email: dr.sharaf@from-masr.com</a:t>
-            </a:r>
-            <a:endParaRPr kumimoji="0" lang="en-US" sz="2400" b="1" i="0" u="none" strike="noStrike" kern="1200" cap="none" spc="0" normalizeH="0" baseline="0" noProof="0" dirty="0">
-              <a:ln>
-                <a:noFill/>
-              </a:ln>
-              <a:solidFill>
-                <a:schemeClr val="tx1">
-                  <a:lumMod val="95000"/>
-                  <a:lumOff val="5000"/>
-                </a:schemeClr>
-              </a:solidFill>
-              <a:uLnTx/>
-              <a:uFillTx/>
-              <a:latin typeface="Bookman Old Style" pitchFamily="18" charset="0"/>
-              <a:ea typeface="+mj-ea"/>
-              <a:cs typeface="+mj-cs"/>
-            </a:endParaRPr>
-          </a:p>
-        </p:txBody>
-      </p:sp>
-      <p:pic>
-        <p:nvPicPr>
-          <p:cNvPr id="2" name="Picture 1">
-            <a:extLst>
-              <a:ext uri="{FF2B5EF4-FFF2-40B4-BE49-F238E27FC236}">
-                <a16:creationId xmlns:a16="http://schemas.microsoft.com/office/drawing/2014/main" id="{8DA8D641-2699-C3AE-FA58-60546904B427}"/>
-              </a:ext>
-            </a:extLst>
-          </p:cNvPr>
-          <p:cNvPicPr/>
-          <p:nvPr/>
-        </p:nvPicPr>
-        <p:blipFill>
-          <a:blip r:embed="rId4" cstate="print"/>
-          <a:stretch>
-            <a:fillRect/>
-          </a:stretch>
-        </p:blipFill>
-        <p:spPr>
-          <a:xfrm>
-            <a:off x="381000" y="330187"/>
-            <a:ext cx="1676400" cy="1578042"/>
-          </a:xfrm>
-          <a:prstGeom prst="rect">
-            <a:avLst/>
-          </a:prstGeom>
-        </p:spPr>
-      </p:pic>
     </p:spTree>
+    <p:extLst>
+      <p:ext uri="{BB962C8B-B14F-4D97-AF65-F5344CB8AC3E}">
+        <p14:creationId xmlns:p14="http://schemas.microsoft.com/office/powerpoint/2010/main" val="427016612"/>
+      </p:ext>
+    </p:extLst>
   </p:cSld>
   <p:clrMapOvr>
     <a:masterClrMapping/>
@@ -9517,7 +8790,7 @@
         </p:nvSpPr>
         <p:spPr>
           <a:xfrm>
-            <a:off x="228600" y="685800"/>
+            <a:off x="228600" y="609600"/>
             <a:ext cx="8915400" cy="5486400"/>
           </a:xfrm>
         </p:spPr>
@@ -9528,48 +8801,136 @@
           <a:lstStyle/>
           <a:p>
             <a:pPr>
-              <a:lnSpc>
-                <a:spcPct val="120000"/>
-              </a:lnSpc>
+              <a:buNone/>
             </a:pPr>
             <a:r>
-              <a:rPr lang="en-US" sz="2000" u="sng" dirty="0">
+              <a:rPr lang="en-US" sz="2000" b="1" u="sng" dirty="0">
                 <a:solidFill>
                   <a:srgbClr val="FF0000"/>
                 </a:solidFill>
               </a:rPr>
-              <a:t>When to use it:</a:t>
-            </a:r>
-            <a:r>
-              <a:rPr lang="en-US" sz="2000" dirty="0"/>
-              <a:t> Applies in the development of large complex systems, which require  decomposition. </a:t>
-            </a:r>
-          </a:p>
-          <a:p>
-            <a:pPr>
-              <a:lnSpc>
-                <a:spcPct val="120000"/>
-              </a:lnSpc>
-            </a:pPr>
-            <a:r>
-              <a:rPr lang="en-US" sz="2000" u="sng" dirty="0">
-                <a:solidFill>
-                  <a:srgbClr val="FF0000"/>
-                </a:solidFill>
-              </a:rPr>
-              <a:t>Example:</a:t>
-            </a:r>
+              <a:t>Advantages:</a:t>
+            </a:r>
+          </a:p>
+          <a:p>
             <a:r>
               <a:rPr lang="en-US" sz="2000" dirty="0">
                 <a:solidFill>
                   <a:srgbClr val="FF0000"/>
                 </a:solidFill>
               </a:rPr>
-              <a:t> </a:t>
+              <a:t>separation of concerns</a:t>
             </a:r>
             <a:r>
               <a:rPr lang="en-US" sz="2000" dirty="0"/>
-              <a:t>Networking protocols (e.g. the ISO OSI seven-layer model) that describe how computers communicate across machine boundaries and over networks. ranging  from the physical layer (dealing with transferring electrical signals on a physical network) up to the application  layer (dealing  with transferring data between remote applications).</a:t>
+              <a:t>: each layer addresses a particular </a:t>
+            </a:r>
+            <a:r>
+              <a:rPr lang="en-US" sz="2000" dirty="0">
+                <a:solidFill>
+                  <a:srgbClr val="C00000"/>
+                </a:solidFill>
+              </a:rPr>
+              <a:t>group of  related services/functionalities</a:t>
+            </a:r>
+            <a:r>
+              <a:rPr lang="en-US" sz="2000" dirty="0"/>
+              <a:t>, so that all the groups of </a:t>
+            </a:r>
+            <a:r>
+              <a:rPr lang="en-US" sz="2000" dirty="0">
+                <a:solidFill>
+                  <a:srgbClr val="C00000"/>
+                </a:solidFill>
+              </a:rPr>
+              <a:t>functionalities</a:t>
+            </a:r>
+            <a:r>
+              <a:rPr lang="en-US" sz="2000" dirty="0"/>
+              <a:t> are  kept  separate.</a:t>
+            </a:r>
+          </a:p>
+          <a:p>
+            <a:r>
+              <a:rPr lang="en-US" sz="2000" dirty="0">
+                <a:solidFill>
+                  <a:srgbClr val="FF0000"/>
+                </a:solidFill>
+              </a:rPr>
+              <a:t>lowered  coupling</a:t>
+            </a:r>
+            <a:r>
+              <a:rPr lang="en-US" sz="2000" dirty="0"/>
+              <a:t>: the dependency between layers is kept  low by following clearly stated rules,  typically from high- to low-level layers;</a:t>
+            </a:r>
+          </a:p>
+          <a:p>
+            <a:r>
+              <a:rPr lang="en-US" sz="2000" dirty="0">
+                <a:solidFill>
+                  <a:srgbClr val="FF0000"/>
+                </a:solidFill>
+              </a:rPr>
+              <a:t>reusability</a:t>
+            </a:r>
+            <a:r>
+              <a:rPr lang="en-US" sz="2000" dirty="0"/>
+              <a:t>:  general services (for instance access to remote devices over a network) are  kept  separate from speciﬁc  application logic and  hence are  potentially reusable.</a:t>
+            </a:r>
+          </a:p>
+          <a:p>
+            <a:r>
+              <a:rPr lang="en-US" sz="2000" dirty="0">
+                <a:solidFill>
+                  <a:srgbClr val="FF0000"/>
+                </a:solidFill>
+              </a:rPr>
+              <a:t>Maintainability &amp; ﬂexibility</a:t>
+            </a:r>
+            <a:r>
+              <a:rPr lang="en-US" sz="2000" dirty="0"/>
+              <a:t>: because of low coupling and  separation of concerns, changes in elements of the system are  localized and  hence easier  to achieve; entire  layers may be  replaced with alternative  implementations of the same basic  services.</a:t>
+            </a:r>
+          </a:p>
+          <a:p>
+            <a:pPr>
+              <a:buNone/>
+            </a:pPr>
+            <a:r>
+              <a:rPr lang="en-US" sz="2000" b="1" u="sng" dirty="0">
+                <a:solidFill>
+                  <a:srgbClr val="FF0000"/>
+                </a:solidFill>
+              </a:rPr>
+              <a:t>Disadvantages :</a:t>
+            </a:r>
+          </a:p>
+          <a:p>
+            <a:r>
+              <a:rPr lang="en-US" sz="2000" dirty="0">
+                <a:solidFill>
+                  <a:srgbClr val="FF0000"/>
+                </a:solidFill>
+              </a:rPr>
+              <a:t>replication</a:t>
+            </a:r>
+            <a:r>
+              <a:rPr lang="en-US" sz="2000" dirty="0"/>
+              <a:t>: there may be a need to replicate information across layers;</a:t>
+            </a:r>
+          </a:p>
+          <a:p>
+            <a:r>
+              <a:rPr lang="en-US" sz="2000" dirty="0">
+                <a:solidFill>
+                  <a:srgbClr val="FF0000"/>
+                </a:solidFill>
+              </a:rPr>
+              <a:t>performance</a:t>
+            </a:r>
+            <a:r>
+              <a:rPr lang="en-US" sz="2000" dirty="0"/>
+              <a:t>: there may be a need to perform extra transformations at each layer.</a:t>
             </a:r>
           </a:p>
           <a:p>
@@ -9602,7 +8963,7 @@
         </p:nvSpPr>
         <p:spPr>
           <a:xfrm>
-            <a:off x="228600" y="76200"/>
+            <a:off x="228600" y="0"/>
             <a:ext cx="8915400" cy="609600"/>
           </a:xfrm>
         </p:spPr>
@@ -9614,7 +8975,7 @@
           <a:p>
             <a:r>
               <a:rPr lang="en-US" sz="4000" dirty="0"/>
-              <a:t>The Layers pattern cont.</a:t>
+              <a:t>The Layers pattern</a:t>
             </a:r>
           </a:p>
         </p:txBody>
@@ -9771,11 +9132,6 @@
         </p:txBody>
       </p:sp>
     </p:spTree>
-    <p:extLst>
-      <p:ext uri="{BB962C8B-B14F-4D97-AF65-F5344CB8AC3E}">
-        <p14:creationId xmlns:p14="http://schemas.microsoft.com/office/powerpoint/2010/main" val="2131905649"/>
-      </p:ext>
-    </p:extLst>
   </p:cSld>
   <p:clrMapOvr>
     <a:masterClrMapping/>
@@ -9826,133 +9182,73 @@
               <a:buNone/>
             </a:pPr>
             <a:r>
-              <a:rPr lang="en-US" sz="2000" b="1" u="sng" dirty="0">
+              <a:rPr lang="en-US" sz="2400" b="1" u="sng" dirty="0">
                 <a:solidFill>
                   <a:srgbClr val="FF0000"/>
                 </a:solidFill>
               </a:rPr>
-              <a:t>Advantages:</a:t>
-            </a:r>
-          </a:p>
-          <a:p>
-            <a:r>
-              <a:rPr lang="en-US" sz="2000" dirty="0">
+              <a:t>SAQ 1 </a:t>
+            </a:r>
+          </a:p>
+          <a:p>
+            <a:pPr marL="566928" indent="-457200">
+              <a:buAutoNum type="alphaLcParenBoth"/>
+            </a:pPr>
+            <a:r>
+              <a:rPr lang="en-US" sz="2000" dirty="0"/>
+              <a:t>What are the main issues addressed by the Layers pattern and what are  the main mechanisms used to address them?</a:t>
+            </a:r>
+          </a:p>
+          <a:p>
+            <a:pPr marL="566928" indent="-457200">
+              <a:buAutoNum type="alphaLcParenBoth"/>
+            </a:pPr>
+            <a:r>
+              <a:rPr lang="en-US" sz="2000" dirty="0"/>
+              <a:t>How does the adoption of the pattern facilitate reuse and </a:t>
+            </a:r>
+            <a:r>
+              <a:rPr lang="en-US" sz="2000" dirty="0" err="1"/>
+              <a:t>ﬂexibility</a:t>
+            </a:r>
+            <a:r>
+              <a:rPr lang="en-US" sz="2000" dirty="0"/>
+              <a:t>?</a:t>
+            </a:r>
+          </a:p>
+          <a:p>
+            <a:pPr>
+              <a:buNone/>
+            </a:pPr>
+            <a:r>
+              <a:rPr lang="en-US" sz="2400" b="1" u="sng" dirty="0">
                 <a:solidFill>
                   <a:srgbClr val="FF0000"/>
                 </a:solidFill>
               </a:rPr>
-              <a:t>separation of concerns</a:t>
+              <a:t>ANSWER</a:t>
             </a:r>
             <a:r>
               <a:rPr lang="en-US" sz="2000" dirty="0"/>
-              <a:t>: each layer addresses a particular </a:t>
-            </a:r>
-            <a:r>
-              <a:rPr lang="en-US" sz="2000" dirty="0">
-                <a:solidFill>
-                  <a:srgbClr val="C00000"/>
-                </a:solidFill>
-              </a:rPr>
-              <a:t>group of  related services/functionalities</a:t>
-            </a:r>
+              <a:t>............................................................................................................... </a:t>
+            </a:r>
+          </a:p>
+          <a:p>
+            <a:pPr marL="566928" indent="-457200">
+              <a:buAutoNum type="alphaLcParenBoth"/>
+            </a:pPr>
             <a:r>
               <a:rPr lang="en-US" sz="2000" dirty="0"/>
-              <a:t>, so that all the groups of </a:t>
-            </a:r>
-            <a:r>
-              <a:rPr lang="en-US" sz="2000" dirty="0">
-                <a:solidFill>
-                  <a:srgbClr val="C00000"/>
-                </a:solidFill>
-              </a:rPr>
-              <a:t>functionalities</a:t>
-            </a:r>
+              <a:t>The main issues addressed by the pattern are  achieving low coupling between functionalities and  separating concerns. This is achieved by organizing the system elements in layers/tiers/folders,  each layer addressing a particular  concern.</a:t>
+            </a:r>
+          </a:p>
+          <a:p>
+            <a:pPr marL="566928" indent="-457200">
+              <a:buAutoNum type="alphaLcParenBoth"/>
+            </a:pPr>
             <a:r>
               <a:rPr lang="en-US" sz="2000" dirty="0"/>
-              <a:t> are  kept  separate.</a:t>
-            </a:r>
-          </a:p>
-          <a:p>
-            <a:r>
-              <a:rPr lang="en-US" sz="2000" dirty="0">
-                <a:solidFill>
-                  <a:srgbClr val="FF0000"/>
-                </a:solidFill>
-              </a:rPr>
-              <a:t>lowered  coupling</a:t>
-            </a:r>
-            <a:r>
-              <a:rPr lang="en-US" sz="2000" dirty="0"/>
-              <a:t>: the dependency between layers is kept  low by following clearly stated rules,  typically from high- to low-level layers;</a:t>
-            </a:r>
-          </a:p>
-          <a:p>
-            <a:r>
-              <a:rPr lang="en-US" sz="2000" dirty="0">
-                <a:solidFill>
-                  <a:srgbClr val="FF0000"/>
-                </a:solidFill>
-              </a:rPr>
-              <a:t>reusability</a:t>
-            </a:r>
-            <a:r>
-              <a:rPr lang="en-US" sz="2000" dirty="0"/>
-              <a:t>:  general services (for instance access to remote devices over a network) are  kept  separate from speciﬁc  application logic and  hence are  potentially reusable.</a:t>
-            </a:r>
-          </a:p>
-          <a:p>
-            <a:r>
-              <a:rPr lang="en-US" sz="2000" dirty="0">
-                <a:solidFill>
-                  <a:srgbClr val="FF0000"/>
-                </a:solidFill>
-              </a:rPr>
-              <a:t>Maintainability &amp; ﬂexibility</a:t>
-            </a:r>
-            <a:r>
-              <a:rPr lang="en-US" sz="2000" dirty="0"/>
-              <a:t>: because of low coupling and  separation of concerns, changes in elements of the system are  localized and  hence easier  to achieve; entire  layers may be  replaced with alternative  implementations of the same basic  services.</a:t>
-            </a:r>
-          </a:p>
-          <a:p>
-            <a:pPr>
-              <a:buNone/>
-            </a:pPr>
-            <a:r>
-              <a:rPr lang="en-US" sz="2000" b="1" u="sng" dirty="0">
-                <a:solidFill>
-                  <a:srgbClr val="FF0000"/>
-                </a:solidFill>
-              </a:rPr>
-              <a:t>Disadvantages :</a:t>
-            </a:r>
-          </a:p>
-          <a:p>
-            <a:r>
-              <a:rPr lang="en-US" sz="2000" dirty="0">
-                <a:solidFill>
-                  <a:srgbClr val="FF0000"/>
-                </a:solidFill>
-              </a:rPr>
-              <a:t>replication</a:t>
-            </a:r>
-            <a:r>
-              <a:rPr lang="en-US" sz="2000" dirty="0"/>
-              <a:t>: there may be a need to replicate information across layers;</a:t>
-            </a:r>
-          </a:p>
-          <a:p>
-            <a:r>
-              <a:rPr lang="en-US" sz="2000" dirty="0">
-                <a:solidFill>
-                  <a:srgbClr val="FF0000"/>
-                </a:solidFill>
-              </a:rPr>
-              <a:t>performance</a:t>
-            </a:r>
-            <a:r>
-              <a:rPr lang="en-US" sz="2000" dirty="0"/>
-              <a:t>: there may be a need to perform extra transformations at each layer.</a:t>
+              <a:t>The implementation of general services can  be  separated from that of other parts of the system.  Hence services can  be  potentially  reused in other  applications, or their implementation replaced  while still providing  the same basic  services.</a:t>
             </a:r>
           </a:p>
           <a:p>
@@ -10133,324 +9429,6 @@
                 <a:defRPr/>
               </a:pPr>
               <a:t>11</a:t>
-            </a:fld>
-            <a:endParaRPr kumimoji="0" lang="en-US" sz="1600" b="0" i="0" u="none" strike="noStrike" kern="1200" cap="none" spc="0" normalizeH="0" baseline="0" noProof="0" dirty="0">
-              <a:ln>
-                <a:noFill/>
-              </a:ln>
-              <a:solidFill>
-                <a:schemeClr val="bg2">
-                  <a:lumMod val="10000"/>
-                </a:schemeClr>
-              </a:solidFill>
-              <a:effectLst/>
-              <a:uLnTx/>
-              <a:uFillTx/>
-              <a:latin typeface="+mn-lt"/>
-              <a:ea typeface="+mn-ea"/>
-              <a:cs typeface="+mn-cs"/>
-            </a:endParaRPr>
-          </a:p>
-        </p:txBody>
-      </p:sp>
-    </p:spTree>
-  </p:cSld>
-  <p:clrMapOvr>
-    <a:masterClrMapping/>
-  </p:clrMapOvr>
-</p:sld>
-</file>
-
-<file path=ppt/slides/slide12.xml><?xml version="1.0" encoding="utf-8"?>
-<p:sld xmlns:a="http://schemas.openxmlformats.org/drawingml/2006/main" xmlns:r="http://schemas.openxmlformats.org/officeDocument/2006/relationships" xmlns:p="http://schemas.openxmlformats.org/presentationml/2006/main">
-  <p:cSld>
-    <p:spTree>
-      <p:nvGrpSpPr>
-        <p:cNvPr id="1" name=""/>
-        <p:cNvGrpSpPr/>
-        <p:nvPr/>
-      </p:nvGrpSpPr>
-      <p:grpSpPr>
-        <a:xfrm>
-          <a:off x="0" y="0"/>
-          <a:ext cx="0" cy="0"/>
-          <a:chOff x="0" y="0"/>
-          <a:chExt cx="0" cy="0"/>
-        </a:xfrm>
-      </p:grpSpPr>
-      <p:sp>
-        <p:nvSpPr>
-          <p:cNvPr id="2" name="Content Placeholder 1"/>
-          <p:cNvSpPr>
-            <a:spLocks noGrp="1"/>
-          </p:cNvSpPr>
-          <p:nvPr>
-            <p:ph idx="1"/>
-          </p:nvPr>
-        </p:nvSpPr>
-        <p:spPr>
-          <a:xfrm>
-            <a:off x="228600" y="609600"/>
-            <a:ext cx="8915400" cy="5486400"/>
-          </a:xfrm>
-        </p:spPr>
-        <p:txBody>
-          <a:bodyPr>
-            <a:noAutofit/>
-          </a:bodyPr>
-          <a:lstStyle/>
-          <a:p>
-            <a:pPr>
-              <a:buNone/>
-            </a:pPr>
-            <a:r>
-              <a:rPr lang="en-US" sz="2400" b="1" u="sng" dirty="0">
-                <a:solidFill>
-                  <a:srgbClr val="FF0000"/>
-                </a:solidFill>
-              </a:rPr>
-              <a:t>SAQ 1 </a:t>
-            </a:r>
-          </a:p>
-          <a:p>
-            <a:pPr marL="566928" indent="-457200">
-              <a:buAutoNum type="alphaLcParenBoth"/>
-            </a:pPr>
-            <a:r>
-              <a:rPr lang="en-US" sz="2000" dirty="0"/>
-              <a:t>What are the main issues addressed by the Layers pattern and what are  the main mechanisms used to address them?</a:t>
-            </a:r>
-          </a:p>
-          <a:p>
-            <a:pPr marL="566928" indent="-457200">
-              <a:buAutoNum type="alphaLcParenBoth"/>
-            </a:pPr>
-            <a:r>
-              <a:rPr lang="en-US" sz="2000" dirty="0"/>
-              <a:t>How does the adoption of the pattern facilitate reuse and </a:t>
-            </a:r>
-            <a:r>
-              <a:rPr lang="en-US" sz="2000" dirty="0" err="1"/>
-              <a:t>ﬂexibility</a:t>
-            </a:r>
-            <a:r>
-              <a:rPr lang="en-US" sz="2000" dirty="0"/>
-              <a:t>?</a:t>
-            </a:r>
-          </a:p>
-          <a:p>
-            <a:pPr>
-              <a:buNone/>
-            </a:pPr>
-            <a:r>
-              <a:rPr lang="en-US" sz="2400" b="1" u="sng" dirty="0">
-                <a:solidFill>
-                  <a:srgbClr val="FF0000"/>
-                </a:solidFill>
-              </a:rPr>
-              <a:t>ANSWER</a:t>
-            </a:r>
-            <a:r>
-              <a:rPr lang="en-US" sz="2000" dirty="0"/>
-              <a:t>............................................................................................................... </a:t>
-            </a:r>
-          </a:p>
-          <a:p>
-            <a:pPr marL="566928" indent="-457200">
-              <a:buAutoNum type="alphaLcParenBoth"/>
-            </a:pPr>
-            <a:r>
-              <a:rPr lang="en-US" sz="2000" dirty="0"/>
-              <a:t>The main issues addressed by the pattern are  achieving low coupling between functionalities and  separating concerns. This is achieved by organizing the system elements in layers/tiers/folders,  each layer addressing a particular  concern.</a:t>
-            </a:r>
-          </a:p>
-          <a:p>
-            <a:pPr marL="566928" indent="-457200">
-              <a:buAutoNum type="alphaLcParenBoth"/>
-            </a:pPr>
-            <a:r>
-              <a:rPr lang="en-US" sz="2000" dirty="0"/>
-              <a:t>The implementation of general services can  be  separated from that of other parts of the system.  Hence services can  be  potentially  reused in other  applications, or their implementation replaced  while still providing  the same basic  services.</a:t>
-            </a:r>
-          </a:p>
-          <a:p>
-            <a:pPr>
-              <a:lnSpc>
-                <a:spcPct val="120000"/>
-              </a:lnSpc>
-            </a:pPr>
-            <a:endParaRPr lang="en-US" sz="2000" dirty="0"/>
-          </a:p>
-          <a:p>
-            <a:pPr>
-              <a:lnSpc>
-                <a:spcPct val="120000"/>
-              </a:lnSpc>
-            </a:pPr>
-            <a:endParaRPr lang="en-US" sz="1800" dirty="0"/>
-          </a:p>
-        </p:txBody>
-      </p:sp>
-      <p:sp>
-        <p:nvSpPr>
-          <p:cNvPr id="3" name="Title 2"/>
-          <p:cNvSpPr>
-            <a:spLocks noGrp="1"/>
-          </p:cNvSpPr>
-          <p:nvPr>
-            <p:ph type="title"/>
-          </p:nvPr>
-        </p:nvSpPr>
-        <p:spPr>
-          <a:xfrm>
-            <a:off x="228600" y="0"/>
-            <a:ext cx="8915400" cy="609600"/>
-          </a:xfrm>
-        </p:spPr>
-        <p:txBody>
-          <a:bodyPr>
-            <a:noAutofit/>
-          </a:bodyPr>
-          <a:lstStyle/>
-          <a:p>
-            <a:r>
-              <a:rPr lang="en-US" sz="4000" dirty="0"/>
-              <a:t>The Layers pattern</a:t>
-            </a:r>
-          </a:p>
-        </p:txBody>
-      </p:sp>
-      <p:sp>
-        <p:nvSpPr>
-          <p:cNvPr id="4" name="Date Placeholder 3"/>
-          <p:cNvSpPr txBox="1">
-            <a:spLocks/>
-          </p:cNvSpPr>
-          <p:nvPr/>
-        </p:nvSpPr>
-        <p:spPr>
-          <a:xfrm>
-            <a:off x="152400" y="6400800"/>
-            <a:ext cx="2514600" cy="288925"/>
-          </a:xfrm>
-          <a:prstGeom prst="rect">
-            <a:avLst/>
-          </a:prstGeom>
-        </p:spPr>
-        <p:txBody>
-          <a:bodyPr vert="horz"/>
-          <a:lstStyle/>
-          <a:p>
-            <a:pPr marL="0" marR="0" lvl="0" indent="0" algn="l" defTabSz="914400" rtl="0" eaLnBrk="1" fontAlgn="auto" latinLnBrk="0" hangingPunct="1">
-              <a:lnSpc>
-                <a:spcPct val="100000"/>
-              </a:lnSpc>
-              <a:spcBef>
-                <a:spcPts val="0"/>
-              </a:spcBef>
-              <a:spcAft>
-                <a:spcPts val="0"/>
-              </a:spcAft>
-              <a:buClrTx/>
-              <a:buSzTx/>
-              <a:buFontTx/>
-              <a:buNone/>
-              <a:tabLst/>
-              <a:defRPr/>
-            </a:pPr>
-            <a:r>
-              <a:rPr kumimoji="0" lang="en-US" sz="1600" b="0" i="0" u="none" strike="noStrike" kern="1200" cap="none" spc="0" normalizeH="0" baseline="0" noProof="0" dirty="0">
-                <a:ln>
-                  <a:noFill/>
-                </a:ln>
-                <a:solidFill>
-                  <a:srgbClr val="FFC000"/>
-                </a:solidFill>
-                <a:effectLst/>
-                <a:uLnTx/>
-                <a:uFillTx/>
-                <a:latin typeface="Brush Script Std" pitchFamily="50" charset="0"/>
-                <a:ea typeface="+mn-ea"/>
-                <a:cs typeface="+mn-cs"/>
-              </a:rPr>
-              <a:t>Dr. Hussien M. Sharaf</a:t>
-            </a:r>
-          </a:p>
-        </p:txBody>
-      </p:sp>
-      <p:sp>
-        <p:nvSpPr>
-          <p:cNvPr id="5" name="Slide Number Placeholder 4"/>
-          <p:cNvSpPr txBox="1">
-            <a:spLocks/>
-          </p:cNvSpPr>
-          <p:nvPr/>
-        </p:nvSpPr>
-        <p:spPr>
-          <a:xfrm>
-            <a:off x="8153400" y="6477000"/>
-            <a:ext cx="758952" cy="246888"/>
-          </a:xfrm>
-          <a:prstGeom prst="rect">
-            <a:avLst/>
-          </a:prstGeom>
-        </p:spPr>
-        <p:txBody>
-          <a:bodyPr/>
-          <a:lstStyle/>
-          <a:p>
-            <a:pPr marL="0" marR="0" lvl="0" indent="0" algn="r" defTabSz="914400" rtl="0" eaLnBrk="1" fontAlgn="auto" latinLnBrk="0" hangingPunct="1">
-              <a:lnSpc>
-                <a:spcPct val="100000"/>
-              </a:lnSpc>
-              <a:spcBef>
-                <a:spcPts val="0"/>
-              </a:spcBef>
-              <a:spcAft>
-                <a:spcPts val="0"/>
-              </a:spcAft>
-              <a:buClrTx/>
-              <a:buSzTx/>
-              <a:buFontTx/>
-              <a:buNone/>
-              <a:tabLst/>
-              <a:defRPr/>
-            </a:pPr>
-            <a:fld id="{B6F15528-21DE-4FAA-801E-634DDDAF4B2B}" type="slidenum">
-              <a:rPr kumimoji="0" lang="en-US" sz="1600" b="0" i="0" u="none" strike="noStrike" kern="1200" cap="none" spc="0" normalizeH="0" baseline="0" noProof="0" smtClean="0">
-                <a:ln>
-                  <a:noFill/>
-                </a:ln>
-                <a:solidFill>
-                  <a:schemeClr val="bg2">
-                    <a:lumMod val="10000"/>
-                  </a:schemeClr>
-                </a:solidFill>
-                <a:effectLst/>
-                <a:uLnTx/>
-                <a:uFillTx/>
-                <a:latin typeface="+mn-lt"/>
-                <a:ea typeface="+mn-ea"/>
-                <a:cs typeface="+mn-cs"/>
-              </a:rPr>
-              <a:pPr marL="0" marR="0" lvl="0" indent="0" algn="r" defTabSz="914400" rtl="0" eaLnBrk="1" fontAlgn="auto" latinLnBrk="0" hangingPunct="1">
-                <a:lnSpc>
-                  <a:spcPct val="100000"/>
-                </a:lnSpc>
-                <a:spcBef>
-                  <a:spcPts val="0"/>
-                </a:spcBef>
-                <a:spcAft>
-                  <a:spcPts val="0"/>
-                </a:spcAft>
-                <a:buClrTx/>
-                <a:buSzTx/>
-                <a:buFontTx/>
-                <a:buNone/>
-                <a:tabLst/>
-                <a:defRPr/>
-              </a:pPr>
-              <a:t>12</a:t>
             </a:fld>
             <a:endParaRPr kumimoji="0" lang="en-US" sz="1600" b="0" i="0" u="none" strike="noStrike" kern="1200" cap="none" spc="0" normalizeH="0" baseline="0" noProof="0" dirty="0">
               <a:ln>
@@ -10782,7 +9760,7 @@
 </p:sld>
 </file>
 
-<file path=ppt/slides/slide13.xml><?xml version="1.0" encoding="utf-8"?>
+<file path=ppt/slides/slide12.xml><?xml version="1.0" encoding="utf-8"?>
 <p:sld xmlns:a="http://schemas.openxmlformats.org/drawingml/2006/main" xmlns:r="http://schemas.openxmlformats.org/officeDocument/2006/relationships" xmlns:p="http://schemas.openxmlformats.org/presentationml/2006/main">
   <p:cSld>
     <p:spTree>
@@ -10932,6 +9910,386 @@
             <a:r>
               <a:rPr lang="en-US" sz="1800" dirty="0"/>
               <a:t>The technical services layer, mediates between the domain and data source layers. It may contain services for persistence, transactions, load balancing, or security;  or interfaces to external systems.</a:t>
+            </a:r>
+          </a:p>
+          <a:p>
+            <a:endParaRPr lang="en-US" sz="2000" b="1" u="sng" dirty="0">
+              <a:solidFill>
+                <a:srgbClr val="FF0000"/>
+              </a:solidFill>
+            </a:endParaRPr>
+          </a:p>
+        </p:txBody>
+      </p:sp>
+      <p:sp>
+        <p:nvSpPr>
+          <p:cNvPr id="3" name="Title 2"/>
+          <p:cNvSpPr>
+            <a:spLocks noGrp="1"/>
+          </p:cNvSpPr>
+          <p:nvPr>
+            <p:ph type="title"/>
+          </p:nvPr>
+        </p:nvSpPr>
+        <p:spPr>
+          <a:xfrm>
+            <a:off x="228600" y="0"/>
+            <a:ext cx="8915400" cy="609600"/>
+          </a:xfrm>
+        </p:spPr>
+        <p:txBody>
+          <a:bodyPr>
+            <a:noAutofit/>
+          </a:bodyPr>
+          <a:lstStyle/>
+          <a:p>
+            <a:r>
+              <a:rPr lang="en-US" sz="4000" dirty="0"/>
+              <a:t>The Layers pattern</a:t>
+            </a:r>
+          </a:p>
+        </p:txBody>
+      </p:sp>
+      <p:sp>
+        <p:nvSpPr>
+          <p:cNvPr id="4" name="Date Placeholder 3"/>
+          <p:cNvSpPr txBox="1">
+            <a:spLocks/>
+          </p:cNvSpPr>
+          <p:nvPr/>
+        </p:nvSpPr>
+        <p:spPr>
+          <a:xfrm>
+            <a:off x="152400" y="6400800"/>
+            <a:ext cx="2514600" cy="288925"/>
+          </a:xfrm>
+          <a:prstGeom prst="rect">
+            <a:avLst/>
+          </a:prstGeom>
+        </p:spPr>
+        <p:txBody>
+          <a:bodyPr vert="horz"/>
+          <a:lstStyle/>
+          <a:p>
+            <a:pPr marL="0" marR="0" lvl="0" indent="0" algn="l" defTabSz="914400" rtl="0" eaLnBrk="1" fontAlgn="auto" latinLnBrk="0" hangingPunct="1">
+              <a:lnSpc>
+                <a:spcPct val="100000"/>
+              </a:lnSpc>
+              <a:spcBef>
+                <a:spcPts val="0"/>
+              </a:spcBef>
+              <a:spcAft>
+                <a:spcPts val="0"/>
+              </a:spcAft>
+              <a:buClrTx/>
+              <a:buSzTx/>
+              <a:buFontTx/>
+              <a:buNone/>
+              <a:tabLst/>
+              <a:defRPr/>
+            </a:pPr>
+            <a:r>
+              <a:rPr kumimoji="0" lang="en-US" sz="1600" b="0" i="0" u="none" strike="noStrike" kern="1200" cap="none" spc="0" normalizeH="0" baseline="0" noProof="0" dirty="0">
+                <a:ln>
+                  <a:noFill/>
+                </a:ln>
+                <a:solidFill>
+                  <a:srgbClr val="FFC000"/>
+                </a:solidFill>
+                <a:effectLst/>
+                <a:uLnTx/>
+                <a:uFillTx/>
+                <a:latin typeface="Brush Script Std" pitchFamily="50" charset="0"/>
+                <a:ea typeface="+mn-ea"/>
+                <a:cs typeface="+mn-cs"/>
+              </a:rPr>
+              <a:t>Dr. Hussien M. Sharaf</a:t>
+            </a:r>
+          </a:p>
+        </p:txBody>
+      </p:sp>
+      <p:sp>
+        <p:nvSpPr>
+          <p:cNvPr id="5" name="Slide Number Placeholder 4"/>
+          <p:cNvSpPr txBox="1">
+            <a:spLocks/>
+          </p:cNvSpPr>
+          <p:nvPr/>
+        </p:nvSpPr>
+        <p:spPr>
+          <a:xfrm>
+            <a:off x="8153400" y="6477000"/>
+            <a:ext cx="758952" cy="246888"/>
+          </a:xfrm>
+          <a:prstGeom prst="rect">
+            <a:avLst/>
+          </a:prstGeom>
+        </p:spPr>
+        <p:txBody>
+          <a:bodyPr/>
+          <a:lstStyle/>
+          <a:p>
+            <a:pPr marL="0" marR="0" lvl="0" indent="0" algn="r" defTabSz="914400" rtl="0" eaLnBrk="1" fontAlgn="auto" latinLnBrk="0" hangingPunct="1">
+              <a:lnSpc>
+                <a:spcPct val="100000"/>
+              </a:lnSpc>
+              <a:spcBef>
+                <a:spcPts val="0"/>
+              </a:spcBef>
+              <a:spcAft>
+                <a:spcPts val="0"/>
+              </a:spcAft>
+              <a:buClrTx/>
+              <a:buSzTx/>
+              <a:buFontTx/>
+              <a:buNone/>
+              <a:tabLst/>
+              <a:defRPr/>
+            </a:pPr>
+            <a:fld id="{B6F15528-21DE-4FAA-801E-634DDDAF4B2B}" type="slidenum">
+              <a:rPr kumimoji="0" lang="en-US" sz="1600" b="0" i="0" u="none" strike="noStrike" kern="1200" cap="none" spc="0" normalizeH="0" baseline="0" noProof="0" smtClean="0">
+                <a:ln>
+                  <a:noFill/>
+                </a:ln>
+                <a:solidFill>
+                  <a:schemeClr val="bg2">
+                    <a:lumMod val="10000"/>
+                  </a:schemeClr>
+                </a:solidFill>
+                <a:effectLst/>
+                <a:uLnTx/>
+                <a:uFillTx/>
+                <a:latin typeface="+mn-lt"/>
+                <a:ea typeface="+mn-ea"/>
+                <a:cs typeface="+mn-cs"/>
+              </a:rPr>
+              <a:pPr marL="0" marR="0" lvl="0" indent="0" algn="r" defTabSz="914400" rtl="0" eaLnBrk="1" fontAlgn="auto" latinLnBrk="0" hangingPunct="1">
+                <a:lnSpc>
+                  <a:spcPct val="100000"/>
+                </a:lnSpc>
+                <a:spcBef>
+                  <a:spcPts val="0"/>
+                </a:spcBef>
+                <a:spcAft>
+                  <a:spcPts val="0"/>
+                </a:spcAft>
+                <a:buClrTx/>
+                <a:buSzTx/>
+                <a:buFontTx/>
+                <a:buNone/>
+                <a:tabLst/>
+                <a:defRPr/>
+              </a:pPr>
+              <a:t>12</a:t>
+            </a:fld>
+            <a:endParaRPr kumimoji="0" lang="en-US" sz="1600" b="0" i="0" u="none" strike="noStrike" kern="1200" cap="none" spc="0" normalizeH="0" baseline="0" noProof="0" dirty="0">
+              <a:ln>
+                <a:noFill/>
+              </a:ln>
+              <a:solidFill>
+                <a:schemeClr val="bg2">
+                  <a:lumMod val="10000"/>
+                </a:schemeClr>
+              </a:solidFill>
+              <a:effectLst/>
+              <a:uLnTx/>
+              <a:uFillTx/>
+              <a:latin typeface="+mn-lt"/>
+              <a:ea typeface="+mn-ea"/>
+              <a:cs typeface="+mn-cs"/>
+            </a:endParaRPr>
+          </a:p>
+        </p:txBody>
+      </p:sp>
+    </p:spTree>
+  </p:cSld>
+  <p:clrMapOvr>
+    <a:masterClrMapping/>
+  </p:clrMapOvr>
+</p:sld>
+</file>
+
+<file path=ppt/slides/slide13.xml><?xml version="1.0" encoding="utf-8"?>
+<p:sld xmlns:a="http://schemas.openxmlformats.org/drawingml/2006/main" xmlns:r="http://schemas.openxmlformats.org/officeDocument/2006/relationships" xmlns:p="http://schemas.openxmlformats.org/presentationml/2006/main">
+  <p:cSld>
+    <p:spTree>
+      <p:nvGrpSpPr>
+        <p:cNvPr id="1" name=""/>
+        <p:cNvGrpSpPr/>
+        <p:nvPr/>
+      </p:nvGrpSpPr>
+      <p:grpSpPr>
+        <a:xfrm>
+          <a:off x="0" y="0"/>
+          <a:ext cx="0" cy="0"/>
+          <a:chOff x="0" y="0"/>
+          <a:chExt cx="0" cy="0"/>
+        </a:xfrm>
+      </p:grpSpPr>
+      <p:sp>
+        <p:nvSpPr>
+          <p:cNvPr id="2" name="Content Placeholder 1"/>
+          <p:cNvSpPr>
+            <a:spLocks noGrp="1"/>
+          </p:cNvSpPr>
+          <p:nvPr>
+            <p:ph idx="1"/>
+          </p:nvPr>
+        </p:nvSpPr>
+        <p:spPr>
+          <a:xfrm>
+            <a:off x="228600" y="609600"/>
+            <a:ext cx="4648200" cy="5486400"/>
+          </a:xfrm>
+        </p:spPr>
+        <p:txBody>
+          <a:bodyPr>
+            <a:noAutofit/>
+          </a:bodyPr>
+          <a:lstStyle/>
+          <a:p>
+            <a:r>
+              <a:rPr lang="en-US" sz="2000" b="1" dirty="0">
+                <a:solidFill>
+                  <a:srgbClr val="FF0000"/>
+                </a:solidFill>
+              </a:rPr>
+              <a:t>There are two styles (</a:t>
+            </a:r>
+            <a:r>
+              <a:rPr lang="en-US" sz="2000" b="1" dirty="0" err="1">
+                <a:solidFill>
+                  <a:srgbClr val="FF0000"/>
+                </a:solidFill>
+              </a:rPr>
+              <a:t>flavours</a:t>
+            </a:r>
+            <a:r>
+              <a:rPr lang="en-US" sz="2000" b="1" dirty="0">
+                <a:solidFill>
+                  <a:srgbClr val="FF0000"/>
+                </a:solidFill>
+              </a:rPr>
+              <a:t>) of Layers pattern:</a:t>
+            </a:r>
+            <a:endParaRPr lang="en-US" sz="2000" dirty="0">
+              <a:solidFill>
+                <a:srgbClr val="FF0000"/>
+              </a:solidFill>
+            </a:endParaRPr>
+          </a:p>
+          <a:p>
+            <a:pPr lvl="1"/>
+            <a:r>
+              <a:rPr lang="en-US" sz="1800" b="1" dirty="0">
+                <a:solidFill>
+                  <a:srgbClr val="FF0000"/>
+                </a:solidFill>
+              </a:rPr>
+              <a:t>Three-layer pattern</a:t>
+            </a:r>
+            <a:r>
+              <a:rPr lang="en-US" sz="1800" b="1" dirty="0"/>
+              <a:t>:</a:t>
+            </a:r>
+            <a:r>
+              <a:rPr lang="en-US" sz="1800" dirty="0"/>
+              <a:t> </a:t>
+            </a:r>
+            <a:br>
+              <a:rPr lang="en-US" sz="1800" dirty="0"/>
+            </a:br>
+            <a:r>
+              <a:rPr lang="en-US" sz="1800" dirty="0"/>
+              <a:t>Principle layers (1, 2, 3)</a:t>
+            </a:r>
+          </a:p>
+          <a:p>
+            <a:pPr lvl="1"/>
+            <a:r>
+              <a:rPr lang="en-US" sz="1800" b="1" dirty="0">
+                <a:solidFill>
+                  <a:srgbClr val="FF0000"/>
+                </a:solidFill>
+              </a:rPr>
+              <a:t>Five-layer pattern</a:t>
+            </a:r>
+            <a:r>
+              <a:rPr lang="en-US" sz="1800" b="1" dirty="0"/>
+              <a:t>:</a:t>
+            </a:r>
+            <a:r>
+              <a:rPr lang="en-US" sz="1800" dirty="0"/>
+              <a:t> involves layers 1-5</a:t>
+            </a:r>
+          </a:p>
+          <a:p>
+            <a:r>
+              <a:rPr lang="en-US" sz="1800" dirty="0"/>
+              <a:t>We can represent a </a:t>
+            </a:r>
+            <a:r>
+              <a:rPr lang="en-US" sz="1800" b="1" dirty="0"/>
+              <a:t>layered architecture using the UML notation for a package</a:t>
+            </a:r>
+            <a:r>
+              <a:rPr lang="en-US" sz="1800" dirty="0"/>
+              <a:t>. </a:t>
+            </a:r>
+          </a:p>
+          <a:p>
+            <a:r>
+              <a:rPr lang="en-US" sz="1800" b="1" dirty="0"/>
+              <a:t> A UML package</a:t>
+            </a:r>
+            <a:r>
+              <a:rPr lang="en-US" sz="1800" dirty="0"/>
+              <a:t> is defined to represent each layer in the two </a:t>
+            </a:r>
+            <a:r>
+              <a:rPr lang="en-US" sz="1800" dirty="0" err="1"/>
+              <a:t>flavours</a:t>
+            </a:r>
+            <a:r>
+              <a:rPr lang="en-US" sz="1800" dirty="0"/>
+              <a:t> of Layers pattern as shown in </a:t>
+            </a:r>
+            <a:r>
+              <a:rPr lang="en-US" sz="1800" b="1" dirty="0"/>
+              <a:t>figure 1</a:t>
+            </a:r>
+            <a:r>
+              <a:rPr lang="en-US" sz="1800" dirty="0"/>
+              <a:t>.</a:t>
+            </a:r>
+          </a:p>
+          <a:p>
+            <a:endParaRPr lang="en-US" sz="1800" dirty="0"/>
+          </a:p>
+          <a:p>
+            <a:r>
+              <a:rPr lang="en-US" sz="2000" dirty="0"/>
+              <a:t>Figure 2 shows a layered view of the design for the hotel system using  a UML package. The </a:t>
+            </a:r>
+            <a:r>
+              <a:rPr lang="en-US" sz="2000" dirty="0" err="1">
+                <a:solidFill>
+                  <a:srgbClr val="FF0000"/>
+                </a:solidFill>
+              </a:rPr>
+              <a:t>HotelChainBusiness</a:t>
+            </a:r>
+            <a:r>
+              <a:rPr lang="en-US" sz="2000" dirty="0">
+                <a:solidFill>
+                  <a:srgbClr val="FF0000"/>
+                </a:solidFill>
+              </a:rPr>
+              <a:t> package is the domain  layer of the system</a:t>
+            </a:r>
+            <a:r>
+              <a:rPr lang="en-US" sz="2000" dirty="0"/>
+              <a:t> and contains the whole class diagram for the hotel system.</a:t>
             </a:r>
           </a:p>
           <a:p>
@@ -11103,386 +10461,6 @@
                 <a:defRPr/>
               </a:pPr>
               <a:t>13</a:t>
-            </a:fld>
-            <a:endParaRPr kumimoji="0" lang="en-US" sz="1600" b="0" i="0" u="none" strike="noStrike" kern="1200" cap="none" spc="0" normalizeH="0" baseline="0" noProof="0" dirty="0">
-              <a:ln>
-                <a:noFill/>
-              </a:ln>
-              <a:solidFill>
-                <a:schemeClr val="bg2">
-                  <a:lumMod val="10000"/>
-                </a:schemeClr>
-              </a:solidFill>
-              <a:effectLst/>
-              <a:uLnTx/>
-              <a:uFillTx/>
-              <a:latin typeface="+mn-lt"/>
-              <a:ea typeface="+mn-ea"/>
-              <a:cs typeface="+mn-cs"/>
-            </a:endParaRPr>
-          </a:p>
-        </p:txBody>
-      </p:sp>
-    </p:spTree>
-  </p:cSld>
-  <p:clrMapOvr>
-    <a:masterClrMapping/>
-  </p:clrMapOvr>
-</p:sld>
-</file>
-
-<file path=ppt/slides/slide14.xml><?xml version="1.0" encoding="utf-8"?>
-<p:sld xmlns:a="http://schemas.openxmlformats.org/drawingml/2006/main" xmlns:r="http://schemas.openxmlformats.org/officeDocument/2006/relationships" xmlns:p="http://schemas.openxmlformats.org/presentationml/2006/main">
-  <p:cSld>
-    <p:spTree>
-      <p:nvGrpSpPr>
-        <p:cNvPr id="1" name=""/>
-        <p:cNvGrpSpPr/>
-        <p:nvPr/>
-      </p:nvGrpSpPr>
-      <p:grpSpPr>
-        <a:xfrm>
-          <a:off x="0" y="0"/>
-          <a:ext cx="0" cy="0"/>
-          <a:chOff x="0" y="0"/>
-          <a:chExt cx="0" cy="0"/>
-        </a:xfrm>
-      </p:grpSpPr>
-      <p:sp>
-        <p:nvSpPr>
-          <p:cNvPr id="2" name="Content Placeholder 1"/>
-          <p:cNvSpPr>
-            <a:spLocks noGrp="1"/>
-          </p:cNvSpPr>
-          <p:nvPr>
-            <p:ph idx="1"/>
-          </p:nvPr>
-        </p:nvSpPr>
-        <p:spPr>
-          <a:xfrm>
-            <a:off x="228600" y="609600"/>
-            <a:ext cx="4648200" cy="5486400"/>
-          </a:xfrm>
-        </p:spPr>
-        <p:txBody>
-          <a:bodyPr>
-            <a:noAutofit/>
-          </a:bodyPr>
-          <a:lstStyle/>
-          <a:p>
-            <a:r>
-              <a:rPr lang="en-US" sz="2000" b="1" dirty="0">
-                <a:solidFill>
-                  <a:srgbClr val="FF0000"/>
-                </a:solidFill>
-              </a:rPr>
-              <a:t>There are two styles (</a:t>
-            </a:r>
-            <a:r>
-              <a:rPr lang="en-US" sz="2000" b="1" dirty="0" err="1">
-                <a:solidFill>
-                  <a:srgbClr val="FF0000"/>
-                </a:solidFill>
-              </a:rPr>
-              <a:t>flavours</a:t>
-            </a:r>
-            <a:r>
-              <a:rPr lang="en-US" sz="2000" b="1" dirty="0">
-                <a:solidFill>
-                  <a:srgbClr val="FF0000"/>
-                </a:solidFill>
-              </a:rPr>
-              <a:t>) of Layers pattern:</a:t>
-            </a:r>
-            <a:endParaRPr lang="en-US" sz="2000" dirty="0">
-              <a:solidFill>
-                <a:srgbClr val="FF0000"/>
-              </a:solidFill>
-            </a:endParaRPr>
-          </a:p>
-          <a:p>
-            <a:pPr lvl="1"/>
-            <a:r>
-              <a:rPr lang="en-US" sz="1800" b="1" dirty="0">
-                <a:solidFill>
-                  <a:srgbClr val="FF0000"/>
-                </a:solidFill>
-              </a:rPr>
-              <a:t>Three-layer pattern</a:t>
-            </a:r>
-            <a:r>
-              <a:rPr lang="en-US" sz="1800" b="1" dirty="0"/>
-              <a:t>:</a:t>
-            </a:r>
-            <a:r>
-              <a:rPr lang="en-US" sz="1800" dirty="0"/>
-              <a:t> </a:t>
-            </a:r>
-            <a:br>
-              <a:rPr lang="en-US" sz="1800" dirty="0"/>
-            </a:br>
-            <a:r>
-              <a:rPr lang="en-US" sz="1800" dirty="0"/>
-              <a:t>Principle layers (1, 2, 3)</a:t>
-            </a:r>
-          </a:p>
-          <a:p>
-            <a:pPr lvl="1"/>
-            <a:r>
-              <a:rPr lang="en-US" sz="1800" b="1" dirty="0">
-                <a:solidFill>
-                  <a:srgbClr val="FF0000"/>
-                </a:solidFill>
-              </a:rPr>
-              <a:t>Five-layer pattern</a:t>
-            </a:r>
-            <a:r>
-              <a:rPr lang="en-US" sz="1800" b="1" dirty="0"/>
-              <a:t>:</a:t>
-            </a:r>
-            <a:r>
-              <a:rPr lang="en-US" sz="1800" dirty="0"/>
-              <a:t> involves layers 1-5</a:t>
-            </a:r>
-          </a:p>
-          <a:p>
-            <a:r>
-              <a:rPr lang="en-US" sz="1800" dirty="0"/>
-              <a:t>We can represent a </a:t>
-            </a:r>
-            <a:r>
-              <a:rPr lang="en-US" sz="1800" b="1" dirty="0"/>
-              <a:t>layered architecture using the UML notation for a package</a:t>
-            </a:r>
-            <a:r>
-              <a:rPr lang="en-US" sz="1800" dirty="0"/>
-              <a:t>. </a:t>
-            </a:r>
-          </a:p>
-          <a:p>
-            <a:r>
-              <a:rPr lang="en-US" sz="1800" b="1" dirty="0"/>
-              <a:t> A UML package</a:t>
-            </a:r>
-            <a:r>
-              <a:rPr lang="en-US" sz="1800" dirty="0"/>
-              <a:t> is defined to represent each layer in the two </a:t>
-            </a:r>
-            <a:r>
-              <a:rPr lang="en-US" sz="1800" dirty="0" err="1"/>
-              <a:t>flavours</a:t>
-            </a:r>
-            <a:r>
-              <a:rPr lang="en-US" sz="1800" dirty="0"/>
-              <a:t> of Layers pattern as shown in </a:t>
-            </a:r>
-            <a:r>
-              <a:rPr lang="en-US" sz="1800" b="1" dirty="0"/>
-              <a:t>figure 1</a:t>
-            </a:r>
-            <a:r>
-              <a:rPr lang="en-US" sz="1800" dirty="0"/>
-              <a:t>.</a:t>
-            </a:r>
-          </a:p>
-          <a:p>
-            <a:endParaRPr lang="en-US" sz="1800" dirty="0"/>
-          </a:p>
-          <a:p>
-            <a:r>
-              <a:rPr lang="en-US" sz="2000" dirty="0"/>
-              <a:t>Figure 2 shows a layered view of the design for the hotel system using  a UML package. The </a:t>
-            </a:r>
-            <a:r>
-              <a:rPr lang="en-US" sz="2000" dirty="0" err="1">
-                <a:solidFill>
-                  <a:srgbClr val="FF0000"/>
-                </a:solidFill>
-              </a:rPr>
-              <a:t>HotelChainBusiness</a:t>
-            </a:r>
-            <a:r>
-              <a:rPr lang="en-US" sz="2000" dirty="0">
-                <a:solidFill>
-                  <a:srgbClr val="FF0000"/>
-                </a:solidFill>
-              </a:rPr>
-              <a:t> package is the domain  layer of the system</a:t>
-            </a:r>
-            <a:r>
-              <a:rPr lang="en-US" sz="2000" dirty="0"/>
-              <a:t> and contains the whole class diagram for the hotel system.</a:t>
-            </a:r>
-          </a:p>
-          <a:p>
-            <a:endParaRPr lang="en-US" sz="2000" b="1" u="sng" dirty="0">
-              <a:solidFill>
-                <a:srgbClr val="FF0000"/>
-              </a:solidFill>
-            </a:endParaRPr>
-          </a:p>
-        </p:txBody>
-      </p:sp>
-      <p:sp>
-        <p:nvSpPr>
-          <p:cNvPr id="3" name="Title 2"/>
-          <p:cNvSpPr>
-            <a:spLocks noGrp="1"/>
-          </p:cNvSpPr>
-          <p:nvPr>
-            <p:ph type="title"/>
-          </p:nvPr>
-        </p:nvSpPr>
-        <p:spPr>
-          <a:xfrm>
-            <a:off x="228600" y="0"/>
-            <a:ext cx="8915400" cy="609600"/>
-          </a:xfrm>
-        </p:spPr>
-        <p:txBody>
-          <a:bodyPr>
-            <a:noAutofit/>
-          </a:bodyPr>
-          <a:lstStyle/>
-          <a:p>
-            <a:r>
-              <a:rPr lang="en-US" sz="4000" dirty="0"/>
-              <a:t>The Layers pattern</a:t>
-            </a:r>
-          </a:p>
-        </p:txBody>
-      </p:sp>
-      <p:sp>
-        <p:nvSpPr>
-          <p:cNvPr id="4" name="Date Placeholder 3"/>
-          <p:cNvSpPr txBox="1">
-            <a:spLocks/>
-          </p:cNvSpPr>
-          <p:nvPr/>
-        </p:nvSpPr>
-        <p:spPr>
-          <a:xfrm>
-            <a:off x="152400" y="6400800"/>
-            <a:ext cx="2514600" cy="288925"/>
-          </a:xfrm>
-          <a:prstGeom prst="rect">
-            <a:avLst/>
-          </a:prstGeom>
-        </p:spPr>
-        <p:txBody>
-          <a:bodyPr vert="horz"/>
-          <a:lstStyle/>
-          <a:p>
-            <a:pPr marL="0" marR="0" lvl="0" indent="0" algn="l" defTabSz="914400" rtl="0" eaLnBrk="1" fontAlgn="auto" latinLnBrk="0" hangingPunct="1">
-              <a:lnSpc>
-                <a:spcPct val="100000"/>
-              </a:lnSpc>
-              <a:spcBef>
-                <a:spcPts val="0"/>
-              </a:spcBef>
-              <a:spcAft>
-                <a:spcPts val="0"/>
-              </a:spcAft>
-              <a:buClrTx/>
-              <a:buSzTx/>
-              <a:buFontTx/>
-              <a:buNone/>
-              <a:tabLst/>
-              <a:defRPr/>
-            </a:pPr>
-            <a:r>
-              <a:rPr kumimoji="0" lang="en-US" sz="1600" b="0" i="0" u="none" strike="noStrike" kern="1200" cap="none" spc="0" normalizeH="0" baseline="0" noProof="0" dirty="0">
-                <a:ln>
-                  <a:noFill/>
-                </a:ln>
-                <a:solidFill>
-                  <a:srgbClr val="FFC000"/>
-                </a:solidFill>
-                <a:effectLst/>
-                <a:uLnTx/>
-                <a:uFillTx/>
-                <a:latin typeface="Brush Script Std" pitchFamily="50" charset="0"/>
-                <a:ea typeface="+mn-ea"/>
-                <a:cs typeface="+mn-cs"/>
-              </a:rPr>
-              <a:t>Dr. Hussien M. Sharaf</a:t>
-            </a:r>
-          </a:p>
-        </p:txBody>
-      </p:sp>
-      <p:sp>
-        <p:nvSpPr>
-          <p:cNvPr id="5" name="Slide Number Placeholder 4"/>
-          <p:cNvSpPr txBox="1">
-            <a:spLocks/>
-          </p:cNvSpPr>
-          <p:nvPr/>
-        </p:nvSpPr>
-        <p:spPr>
-          <a:xfrm>
-            <a:off x="8153400" y="6477000"/>
-            <a:ext cx="758952" cy="246888"/>
-          </a:xfrm>
-          <a:prstGeom prst="rect">
-            <a:avLst/>
-          </a:prstGeom>
-        </p:spPr>
-        <p:txBody>
-          <a:bodyPr/>
-          <a:lstStyle/>
-          <a:p>
-            <a:pPr marL="0" marR="0" lvl="0" indent="0" algn="r" defTabSz="914400" rtl="0" eaLnBrk="1" fontAlgn="auto" latinLnBrk="0" hangingPunct="1">
-              <a:lnSpc>
-                <a:spcPct val="100000"/>
-              </a:lnSpc>
-              <a:spcBef>
-                <a:spcPts val="0"/>
-              </a:spcBef>
-              <a:spcAft>
-                <a:spcPts val="0"/>
-              </a:spcAft>
-              <a:buClrTx/>
-              <a:buSzTx/>
-              <a:buFontTx/>
-              <a:buNone/>
-              <a:tabLst/>
-              <a:defRPr/>
-            </a:pPr>
-            <a:fld id="{B6F15528-21DE-4FAA-801E-634DDDAF4B2B}" type="slidenum">
-              <a:rPr kumimoji="0" lang="en-US" sz="1600" b="0" i="0" u="none" strike="noStrike" kern="1200" cap="none" spc="0" normalizeH="0" baseline="0" noProof="0" smtClean="0">
-                <a:ln>
-                  <a:noFill/>
-                </a:ln>
-                <a:solidFill>
-                  <a:schemeClr val="bg2">
-                    <a:lumMod val="10000"/>
-                  </a:schemeClr>
-                </a:solidFill>
-                <a:effectLst/>
-                <a:uLnTx/>
-                <a:uFillTx/>
-                <a:latin typeface="+mn-lt"/>
-                <a:ea typeface="+mn-ea"/>
-                <a:cs typeface="+mn-cs"/>
-              </a:rPr>
-              <a:pPr marL="0" marR="0" lvl="0" indent="0" algn="r" defTabSz="914400" rtl="0" eaLnBrk="1" fontAlgn="auto" latinLnBrk="0" hangingPunct="1">
-                <a:lnSpc>
-                  <a:spcPct val="100000"/>
-                </a:lnSpc>
-                <a:spcBef>
-                  <a:spcPts val="0"/>
-                </a:spcBef>
-                <a:spcAft>
-                  <a:spcPts val="0"/>
-                </a:spcAft>
-                <a:buClrTx/>
-                <a:buSzTx/>
-                <a:buFontTx/>
-                <a:buNone/>
-                <a:tabLst/>
-                <a:defRPr/>
-              </a:pPr>
-              <a:t>14</a:t>
             </a:fld>
             <a:endParaRPr kumimoji="0" lang="en-US" sz="1600" b="0" i="0" u="none" strike="noStrike" kern="1200" cap="none" spc="0" normalizeH="0" baseline="0" noProof="0" dirty="0">
               <a:ln>
@@ -13564,7 +12542,7 @@
 </p:sld>
 </file>
 
-<file path=ppt/slides/slide15.xml><?xml version="1.0" encoding="utf-8"?>
+<file path=ppt/slides/slide14.xml><?xml version="1.0" encoding="utf-8"?>
 <p:sld xmlns:a="http://schemas.openxmlformats.org/drawingml/2006/main" xmlns:r="http://schemas.openxmlformats.org/officeDocument/2006/relationships" xmlns:p="http://schemas.openxmlformats.org/presentationml/2006/main">
   <p:cSld>
     <p:spTree>
@@ -13876,7 +12854,7 @@
                 <a:tabLst/>
                 <a:defRPr/>
               </a:pPr>
-              <a:t>15</a:t>
+              <a:t>14</a:t>
             </a:fld>
             <a:endParaRPr kumimoji="0" lang="en-US" sz="1600" b="0" i="0" u="none" strike="noStrike" kern="1200" cap="none" spc="0" normalizeH="0" baseline="0" noProof="0" dirty="0">
               <a:ln>
@@ -14208,7 +13186,7 @@
 </p:sld>
 </file>
 
-<file path=ppt/slides/slide16.xml><?xml version="1.0" encoding="utf-8"?>
+<file path=ppt/slides/slide15.xml><?xml version="1.0" encoding="utf-8"?>
 <p:sld xmlns:a="http://schemas.openxmlformats.org/drawingml/2006/main" xmlns:r="http://schemas.openxmlformats.org/officeDocument/2006/relationships" xmlns:p="http://schemas.openxmlformats.org/presentationml/2006/main">
   <p:cSld>
     <p:spTree>
@@ -14313,6 +13291,218 @@
               <a:rPr lang="en-US" sz="4000" dirty="0"/>
               <a:t>The Layers pattern</a:t>
             </a:r>
+          </a:p>
+        </p:txBody>
+      </p:sp>
+      <p:sp>
+        <p:nvSpPr>
+          <p:cNvPr id="4" name="Date Placeholder 3"/>
+          <p:cNvSpPr txBox="1">
+            <a:spLocks/>
+          </p:cNvSpPr>
+          <p:nvPr/>
+        </p:nvSpPr>
+        <p:spPr>
+          <a:xfrm>
+            <a:off x="152400" y="6400800"/>
+            <a:ext cx="2514600" cy="288925"/>
+          </a:xfrm>
+          <a:prstGeom prst="rect">
+            <a:avLst/>
+          </a:prstGeom>
+        </p:spPr>
+        <p:txBody>
+          <a:bodyPr vert="horz"/>
+          <a:lstStyle/>
+          <a:p>
+            <a:pPr marL="0" marR="0" lvl="0" indent="0" algn="l" defTabSz="914400" rtl="0" eaLnBrk="1" fontAlgn="auto" latinLnBrk="0" hangingPunct="1">
+              <a:lnSpc>
+                <a:spcPct val="100000"/>
+              </a:lnSpc>
+              <a:spcBef>
+                <a:spcPts val="0"/>
+              </a:spcBef>
+              <a:spcAft>
+                <a:spcPts val="0"/>
+              </a:spcAft>
+              <a:buClrTx/>
+              <a:buSzTx/>
+              <a:buFontTx/>
+              <a:buNone/>
+              <a:tabLst/>
+              <a:defRPr/>
+            </a:pPr>
+            <a:r>
+              <a:rPr kumimoji="0" lang="en-US" sz="1600" b="0" i="0" u="none" strike="noStrike" kern="1200" cap="none" spc="0" normalizeH="0" baseline="0" noProof="0" dirty="0">
+                <a:ln>
+                  <a:noFill/>
+                </a:ln>
+                <a:solidFill>
+                  <a:srgbClr val="FFC000"/>
+                </a:solidFill>
+                <a:effectLst/>
+                <a:uLnTx/>
+                <a:uFillTx/>
+                <a:latin typeface="Brush Script Std" pitchFamily="50" charset="0"/>
+                <a:ea typeface="+mn-ea"/>
+                <a:cs typeface="+mn-cs"/>
+              </a:rPr>
+              <a:t>Dr. Hussien M. Sharaf</a:t>
+            </a:r>
+          </a:p>
+        </p:txBody>
+      </p:sp>
+      <p:sp>
+        <p:nvSpPr>
+          <p:cNvPr id="5" name="Slide Number Placeholder 4"/>
+          <p:cNvSpPr txBox="1">
+            <a:spLocks/>
+          </p:cNvSpPr>
+          <p:nvPr/>
+        </p:nvSpPr>
+        <p:spPr>
+          <a:xfrm>
+            <a:off x="8153400" y="6477000"/>
+            <a:ext cx="758952" cy="246888"/>
+          </a:xfrm>
+          <a:prstGeom prst="rect">
+            <a:avLst/>
+          </a:prstGeom>
+        </p:spPr>
+        <p:txBody>
+          <a:bodyPr/>
+          <a:lstStyle/>
+          <a:p>
+            <a:pPr marL="0" marR="0" lvl="0" indent="0" algn="r" defTabSz="914400" rtl="0" eaLnBrk="1" fontAlgn="auto" latinLnBrk="0" hangingPunct="1">
+              <a:lnSpc>
+                <a:spcPct val="100000"/>
+              </a:lnSpc>
+              <a:spcBef>
+                <a:spcPts val="0"/>
+              </a:spcBef>
+              <a:spcAft>
+                <a:spcPts val="0"/>
+              </a:spcAft>
+              <a:buClrTx/>
+              <a:buSzTx/>
+              <a:buFontTx/>
+              <a:buNone/>
+              <a:tabLst/>
+              <a:defRPr/>
+            </a:pPr>
+            <a:fld id="{B6F15528-21DE-4FAA-801E-634DDDAF4B2B}" type="slidenum">
+              <a:rPr kumimoji="0" lang="en-US" sz="1600" b="0" i="0" u="none" strike="noStrike" kern="1200" cap="none" spc="0" normalizeH="0" baseline="0" noProof="0" smtClean="0">
+                <a:ln>
+                  <a:noFill/>
+                </a:ln>
+                <a:solidFill>
+                  <a:schemeClr val="bg2">
+                    <a:lumMod val="10000"/>
+                  </a:schemeClr>
+                </a:solidFill>
+                <a:effectLst/>
+                <a:uLnTx/>
+                <a:uFillTx/>
+                <a:latin typeface="+mn-lt"/>
+                <a:ea typeface="+mn-ea"/>
+                <a:cs typeface="+mn-cs"/>
+              </a:rPr>
+              <a:pPr marL="0" marR="0" lvl="0" indent="0" algn="r" defTabSz="914400" rtl="0" eaLnBrk="1" fontAlgn="auto" latinLnBrk="0" hangingPunct="1">
+                <a:lnSpc>
+                  <a:spcPct val="100000"/>
+                </a:lnSpc>
+                <a:spcBef>
+                  <a:spcPts val="0"/>
+                </a:spcBef>
+                <a:spcAft>
+                  <a:spcPts val="0"/>
+                </a:spcAft>
+                <a:buClrTx/>
+                <a:buSzTx/>
+                <a:buFontTx/>
+                <a:buNone/>
+                <a:tabLst/>
+                <a:defRPr/>
+              </a:pPr>
+              <a:t>15</a:t>
+            </a:fld>
+            <a:endParaRPr kumimoji="0" lang="en-US" sz="1600" b="0" i="0" u="none" strike="noStrike" kern="1200" cap="none" spc="0" normalizeH="0" baseline="0" noProof="0" dirty="0">
+              <a:ln>
+                <a:noFill/>
+              </a:ln>
+              <a:solidFill>
+                <a:schemeClr val="bg2">
+                  <a:lumMod val="10000"/>
+                </a:schemeClr>
+              </a:solidFill>
+              <a:effectLst/>
+              <a:uLnTx/>
+              <a:uFillTx/>
+              <a:latin typeface="+mn-lt"/>
+              <a:ea typeface="+mn-ea"/>
+              <a:cs typeface="+mn-cs"/>
+            </a:endParaRPr>
+          </a:p>
+        </p:txBody>
+      </p:sp>
+    </p:spTree>
+  </p:cSld>
+  <p:clrMapOvr>
+    <a:masterClrMapping/>
+  </p:clrMapOvr>
+</p:sld>
+</file>
+
+<file path=ppt/slides/slide16.xml><?xml version="1.0" encoding="utf-8"?>
+<p:sld xmlns:a="http://schemas.openxmlformats.org/drawingml/2006/main" xmlns:r="http://schemas.openxmlformats.org/officeDocument/2006/relationships" xmlns:p="http://schemas.openxmlformats.org/presentationml/2006/main">
+  <p:cSld>
+    <p:spTree>
+      <p:nvGrpSpPr>
+        <p:cNvPr id="1" name=""/>
+        <p:cNvGrpSpPr/>
+        <p:nvPr/>
+      </p:nvGrpSpPr>
+      <p:grpSpPr>
+        <a:xfrm>
+          <a:off x="0" y="0"/>
+          <a:ext cx="0" cy="0"/>
+          <a:chOff x="0" y="0"/>
+          <a:chExt cx="0" cy="0"/>
+        </a:xfrm>
+      </p:grpSpPr>
+      <p:sp>
+        <p:nvSpPr>
+          <p:cNvPr id="2" name="Content Placeholder 1"/>
+          <p:cNvSpPr>
+            <a:spLocks noGrp="1"/>
+          </p:cNvSpPr>
+          <p:nvPr>
+            <p:ph idx="1"/>
+          </p:nvPr>
+        </p:nvSpPr>
+        <p:spPr>
+          <a:xfrm>
+            <a:off x="228600" y="0"/>
+            <a:ext cx="8915400" cy="5715000"/>
+          </a:xfrm>
+        </p:spPr>
+        <p:txBody>
+          <a:bodyPr>
+            <a:noAutofit/>
+          </a:bodyPr>
+          <a:lstStyle/>
+          <a:p>
+            <a:pPr marL="566928" indent="-457200">
+              <a:buAutoNum type="alphaLcParenBoth"/>
+            </a:pPr>
+            <a:endParaRPr lang="en-US" sz="1800" dirty="0"/>
+          </a:p>
+          <a:p>
+            <a:endParaRPr lang="en-US" sz="1800" b="1" u="sng" dirty="0">
+              <a:solidFill>
+                <a:srgbClr val="FF0000"/>
+              </a:solidFill>
+            </a:endParaRPr>
           </a:p>
         </p:txBody>
       </p:sp>
@@ -14447,218 +13637,6 @@
                 <a:defRPr/>
               </a:pPr>
               <a:t>16</a:t>
-            </a:fld>
-            <a:endParaRPr kumimoji="0" lang="en-US" sz="1600" b="0" i="0" u="none" strike="noStrike" kern="1200" cap="none" spc="0" normalizeH="0" baseline="0" noProof="0" dirty="0">
-              <a:ln>
-                <a:noFill/>
-              </a:ln>
-              <a:solidFill>
-                <a:schemeClr val="bg2">
-                  <a:lumMod val="10000"/>
-                </a:schemeClr>
-              </a:solidFill>
-              <a:effectLst/>
-              <a:uLnTx/>
-              <a:uFillTx/>
-              <a:latin typeface="+mn-lt"/>
-              <a:ea typeface="+mn-ea"/>
-              <a:cs typeface="+mn-cs"/>
-            </a:endParaRPr>
-          </a:p>
-        </p:txBody>
-      </p:sp>
-    </p:spTree>
-  </p:cSld>
-  <p:clrMapOvr>
-    <a:masterClrMapping/>
-  </p:clrMapOvr>
-</p:sld>
-</file>
-
-<file path=ppt/slides/slide17.xml><?xml version="1.0" encoding="utf-8"?>
-<p:sld xmlns:a="http://schemas.openxmlformats.org/drawingml/2006/main" xmlns:r="http://schemas.openxmlformats.org/officeDocument/2006/relationships" xmlns:p="http://schemas.openxmlformats.org/presentationml/2006/main">
-  <p:cSld>
-    <p:spTree>
-      <p:nvGrpSpPr>
-        <p:cNvPr id="1" name=""/>
-        <p:cNvGrpSpPr/>
-        <p:nvPr/>
-      </p:nvGrpSpPr>
-      <p:grpSpPr>
-        <a:xfrm>
-          <a:off x="0" y="0"/>
-          <a:ext cx="0" cy="0"/>
-          <a:chOff x="0" y="0"/>
-          <a:chExt cx="0" cy="0"/>
-        </a:xfrm>
-      </p:grpSpPr>
-      <p:sp>
-        <p:nvSpPr>
-          <p:cNvPr id="2" name="Content Placeholder 1"/>
-          <p:cNvSpPr>
-            <a:spLocks noGrp="1"/>
-          </p:cNvSpPr>
-          <p:nvPr>
-            <p:ph idx="1"/>
-          </p:nvPr>
-        </p:nvSpPr>
-        <p:spPr>
-          <a:xfrm>
-            <a:off x="228600" y="0"/>
-            <a:ext cx="8915400" cy="5715000"/>
-          </a:xfrm>
-        </p:spPr>
-        <p:txBody>
-          <a:bodyPr>
-            <a:noAutofit/>
-          </a:bodyPr>
-          <a:lstStyle/>
-          <a:p>
-            <a:pPr marL="566928" indent="-457200">
-              <a:buAutoNum type="alphaLcParenBoth"/>
-            </a:pPr>
-            <a:endParaRPr lang="en-US" sz="1800" dirty="0"/>
-          </a:p>
-          <a:p>
-            <a:endParaRPr lang="en-US" sz="1800" b="1" u="sng" dirty="0">
-              <a:solidFill>
-                <a:srgbClr val="FF0000"/>
-              </a:solidFill>
-            </a:endParaRPr>
-          </a:p>
-        </p:txBody>
-      </p:sp>
-      <p:sp>
-        <p:nvSpPr>
-          <p:cNvPr id="4" name="Date Placeholder 3"/>
-          <p:cNvSpPr txBox="1">
-            <a:spLocks/>
-          </p:cNvSpPr>
-          <p:nvPr/>
-        </p:nvSpPr>
-        <p:spPr>
-          <a:xfrm>
-            <a:off x="152400" y="6400800"/>
-            <a:ext cx="2514600" cy="288925"/>
-          </a:xfrm>
-          <a:prstGeom prst="rect">
-            <a:avLst/>
-          </a:prstGeom>
-        </p:spPr>
-        <p:txBody>
-          <a:bodyPr vert="horz"/>
-          <a:lstStyle/>
-          <a:p>
-            <a:pPr marL="0" marR="0" lvl="0" indent="0" algn="l" defTabSz="914400" rtl="0" eaLnBrk="1" fontAlgn="auto" latinLnBrk="0" hangingPunct="1">
-              <a:lnSpc>
-                <a:spcPct val="100000"/>
-              </a:lnSpc>
-              <a:spcBef>
-                <a:spcPts val="0"/>
-              </a:spcBef>
-              <a:spcAft>
-                <a:spcPts val="0"/>
-              </a:spcAft>
-              <a:buClrTx/>
-              <a:buSzTx/>
-              <a:buFontTx/>
-              <a:buNone/>
-              <a:tabLst/>
-              <a:defRPr/>
-            </a:pPr>
-            <a:r>
-              <a:rPr kumimoji="0" lang="en-US" sz="1600" b="0" i="0" u="none" strike="noStrike" kern="1200" cap="none" spc="0" normalizeH="0" baseline="0" noProof="0" dirty="0">
-                <a:ln>
-                  <a:noFill/>
-                </a:ln>
-                <a:solidFill>
-                  <a:srgbClr val="FFC000"/>
-                </a:solidFill>
-                <a:effectLst/>
-                <a:uLnTx/>
-                <a:uFillTx/>
-                <a:latin typeface="Brush Script Std" pitchFamily="50" charset="0"/>
-                <a:ea typeface="+mn-ea"/>
-                <a:cs typeface="+mn-cs"/>
-              </a:rPr>
-              <a:t>Dr. Hussien M. Sharaf</a:t>
-            </a:r>
-          </a:p>
-        </p:txBody>
-      </p:sp>
-      <p:sp>
-        <p:nvSpPr>
-          <p:cNvPr id="5" name="Slide Number Placeholder 4"/>
-          <p:cNvSpPr txBox="1">
-            <a:spLocks/>
-          </p:cNvSpPr>
-          <p:nvPr/>
-        </p:nvSpPr>
-        <p:spPr>
-          <a:xfrm>
-            <a:off x="8153400" y="6477000"/>
-            <a:ext cx="758952" cy="246888"/>
-          </a:xfrm>
-          <a:prstGeom prst="rect">
-            <a:avLst/>
-          </a:prstGeom>
-        </p:spPr>
-        <p:txBody>
-          <a:bodyPr/>
-          <a:lstStyle/>
-          <a:p>
-            <a:pPr marL="0" marR="0" lvl="0" indent="0" algn="r" defTabSz="914400" rtl="0" eaLnBrk="1" fontAlgn="auto" latinLnBrk="0" hangingPunct="1">
-              <a:lnSpc>
-                <a:spcPct val="100000"/>
-              </a:lnSpc>
-              <a:spcBef>
-                <a:spcPts val="0"/>
-              </a:spcBef>
-              <a:spcAft>
-                <a:spcPts val="0"/>
-              </a:spcAft>
-              <a:buClrTx/>
-              <a:buSzTx/>
-              <a:buFontTx/>
-              <a:buNone/>
-              <a:tabLst/>
-              <a:defRPr/>
-            </a:pPr>
-            <a:fld id="{B6F15528-21DE-4FAA-801E-634DDDAF4B2B}" type="slidenum">
-              <a:rPr kumimoji="0" lang="en-US" sz="1600" b="0" i="0" u="none" strike="noStrike" kern="1200" cap="none" spc="0" normalizeH="0" baseline="0" noProof="0" smtClean="0">
-                <a:ln>
-                  <a:noFill/>
-                </a:ln>
-                <a:solidFill>
-                  <a:schemeClr val="bg2">
-                    <a:lumMod val="10000"/>
-                  </a:schemeClr>
-                </a:solidFill>
-                <a:effectLst/>
-                <a:uLnTx/>
-                <a:uFillTx/>
-                <a:latin typeface="+mn-lt"/>
-                <a:ea typeface="+mn-ea"/>
-                <a:cs typeface="+mn-cs"/>
-              </a:rPr>
-              <a:pPr marL="0" marR="0" lvl="0" indent="0" algn="r" defTabSz="914400" rtl="0" eaLnBrk="1" fontAlgn="auto" latinLnBrk="0" hangingPunct="1">
-                <a:lnSpc>
-                  <a:spcPct val="100000"/>
-                </a:lnSpc>
-                <a:spcBef>
-                  <a:spcPts val="0"/>
-                </a:spcBef>
-                <a:spcAft>
-                  <a:spcPts val="0"/>
-                </a:spcAft>
-                <a:buClrTx/>
-                <a:buSzTx/>
-                <a:buFontTx/>
-                <a:buNone/>
-                <a:tabLst/>
-                <a:defRPr/>
-              </a:pPr>
-              <a:t>17</a:t>
             </a:fld>
             <a:endParaRPr kumimoji="0" lang="en-US" sz="1600" b="0" i="0" u="none" strike="noStrike" kern="1200" cap="none" spc="0" normalizeH="0" baseline="0" noProof="0" dirty="0">
               <a:ln>
@@ -20459,60 +19437,7 @@
 </p:sld>
 </file>
 
-<file path=ppt/slides/slide18.xml><?xml version="1.0" encoding="utf-8"?>
-<p:sld xmlns:a="http://schemas.openxmlformats.org/drawingml/2006/main" xmlns:r="http://schemas.openxmlformats.org/officeDocument/2006/relationships" xmlns:p="http://schemas.openxmlformats.org/presentationml/2006/main">
-  <p:cSld>
-    <p:spTree>
-      <p:nvGrpSpPr>
-        <p:cNvPr id="1" name=""/>
-        <p:cNvGrpSpPr/>
-        <p:nvPr/>
-      </p:nvGrpSpPr>
-      <p:grpSpPr>
-        <a:xfrm>
-          <a:off x="0" y="0"/>
-          <a:ext cx="0" cy="0"/>
-          <a:chOff x="0" y="0"/>
-          <a:chExt cx="0" cy="0"/>
-        </a:xfrm>
-      </p:grpSpPr>
-      <p:sp>
-        <p:nvSpPr>
-          <p:cNvPr id="4" name="Title 3"/>
-          <p:cNvSpPr>
-            <a:spLocks noGrp="1"/>
-          </p:cNvSpPr>
-          <p:nvPr>
-            <p:ph type="ctrTitle"/>
-          </p:nvPr>
-        </p:nvSpPr>
-        <p:spPr/>
-        <p:txBody>
-          <a:bodyPr/>
-          <a:lstStyle/>
-          <a:p>
-            <a:pPr algn="ctr"/>
-            <a:r>
-              <a:rPr lang="en-US" dirty="0"/>
-              <a:t>Rest</a:t>
-            </a:r>
-          </a:p>
-        </p:txBody>
-      </p:sp>
-    </p:spTree>
-    <p:extLst>
-      <p:ext uri="{BB962C8B-B14F-4D97-AF65-F5344CB8AC3E}">
-        <p14:creationId xmlns:p14="http://schemas.microsoft.com/office/powerpoint/2010/main" val="238483954"/>
-      </p:ext>
-    </p:extLst>
-  </p:cSld>
-  <p:clrMapOvr>
-    <a:masterClrMapping/>
-  </p:clrMapOvr>
-</p:sld>
-</file>
-
-<file path=ppt/slides/slide19.xml><?xml version="1.0" encoding="utf-8"?>
+<file path=ppt/slides/slide17.xml><?xml version="1.0" encoding="utf-8"?>
 <p:sld xmlns:a="http://schemas.openxmlformats.org/drawingml/2006/main" xmlns:r="http://schemas.openxmlformats.org/officeDocument/2006/relationships" xmlns:p="http://schemas.openxmlformats.org/presentationml/2006/main">
   <p:cSld>
     <p:spTree>
@@ -21498,372 +20423,7 @@
 </p:sld>
 </file>
 
-<file path=ppt/slides/slide2.xml><?xml version="1.0" encoding="utf-8"?>
-<p:sld xmlns:a="http://schemas.openxmlformats.org/drawingml/2006/main" xmlns:r="http://schemas.openxmlformats.org/officeDocument/2006/relationships" xmlns:p="http://schemas.openxmlformats.org/presentationml/2006/main">
-  <p:cSld>
-    <p:spTree>
-      <p:nvGrpSpPr>
-        <p:cNvPr id="1" name=""/>
-        <p:cNvGrpSpPr/>
-        <p:nvPr/>
-      </p:nvGrpSpPr>
-      <p:grpSpPr>
-        <a:xfrm>
-          <a:off x="0" y="0"/>
-          <a:ext cx="0" cy="0"/>
-          <a:chOff x="0" y="0"/>
-          <a:chExt cx="0" cy="0"/>
-        </a:xfrm>
-      </p:grpSpPr>
-      <p:sp>
-        <p:nvSpPr>
-          <p:cNvPr id="2" name="Content Placeholder 1">
-            <a:extLst>
-              <a:ext uri="{FF2B5EF4-FFF2-40B4-BE49-F238E27FC236}">
-                <a16:creationId xmlns:a16="http://schemas.microsoft.com/office/drawing/2014/main" id="{D85DF964-963D-C298-B274-82240D7C4FCC}"/>
-              </a:ext>
-            </a:extLst>
-          </p:cNvPr>
-          <p:cNvSpPr>
-            <a:spLocks noGrp="1"/>
-          </p:cNvSpPr>
-          <p:nvPr>
-            <p:ph idx="1"/>
-          </p:nvPr>
-        </p:nvSpPr>
-        <p:spPr>
-          <a:xfrm>
-            <a:off x="304800" y="1295400"/>
-            <a:ext cx="8382000" cy="4711891"/>
-          </a:xfrm>
-        </p:spPr>
-        <p:txBody>
-          <a:bodyPr>
-            <a:normAutofit/>
-          </a:bodyPr>
-          <a:lstStyle/>
-          <a:p>
-            <a:r>
-              <a:rPr lang="en-US" dirty="0"/>
-              <a:t>Poor software design and engineering are the root causes of most security vulnerabilities in deployed systems today. </a:t>
-            </a:r>
-          </a:p>
-          <a:p>
-            <a:pPr marL="109728" indent="0">
-              <a:buNone/>
-            </a:pPr>
-            <a:endParaRPr lang="en-US" dirty="0"/>
-          </a:p>
-          <a:p>
-            <a:r>
-              <a:rPr lang="en-US" dirty="0"/>
-              <a:t>This course takes a close look at software as a mechanism for an attack, a tool for protecting resources, and as a resource to be defended</a:t>
-            </a:r>
-          </a:p>
-        </p:txBody>
-      </p:sp>
-      <p:sp>
-        <p:nvSpPr>
-          <p:cNvPr id="3" name="Title 2">
-            <a:extLst>
-              <a:ext uri="{FF2B5EF4-FFF2-40B4-BE49-F238E27FC236}">
-                <a16:creationId xmlns:a16="http://schemas.microsoft.com/office/drawing/2014/main" id="{C078D858-68A4-6C6A-01B9-89E5256CC8C0}"/>
-              </a:ext>
-            </a:extLst>
-          </p:cNvPr>
-          <p:cNvSpPr>
-            <a:spLocks noGrp="1"/>
-          </p:cNvSpPr>
-          <p:nvPr>
-            <p:ph type="title"/>
-          </p:nvPr>
-        </p:nvSpPr>
-        <p:spPr/>
-        <p:txBody>
-          <a:bodyPr/>
-          <a:lstStyle/>
-          <a:p>
-            <a:r>
-              <a:rPr lang="en-US" dirty="0"/>
-              <a:t>Course review</a:t>
-            </a:r>
-          </a:p>
-        </p:txBody>
-      </p:sp>
-    </p:spTree>
-    <p:extLst>
-      <p:ext uri="{BB962C8B-B14F-4D97-AF65-F5344CB8AC3E}">
-        <p14:creationId xmlns:p14="http://schemas.microsoft.com/office/powerpoint/2010/main" val="427016612"/>
-      </p:ext>
-    </p:extLst>
-  </p:cSld>
-  <p:clrMapOvr>
-    <a:masterClrMapping/>
-  </p:clrMapOvr>
-</p:sld>
-</file>
-
-<file path=ppt/slides/slide20.xml><?xml version="1.0" encoding="utf-8"?>
-<p:sld xmlns:a="http://schemas.openxmlformats.org/drawingml/2006/main" xmlns:r="http://schemas.openxmlformats.org/officeDocument/2006/relationships" xmlns:p="http://schemas.openxmlformats.org/presentationml/2006/main">
-  <p:cSld>
-    <p:spTree>
-      <p:nvGrpSpPr>
-        <p:cNvPr id="1" name=""/>
-        <p:cNvGrpSpPr/>
-        <p:nvPr/>
-      </p:nvGrpSpPr>
-      <p:grpSpPr>
-        <a:xfrm>
-          <a:off x="0" y="0"/>
-          <a:ext cx="0" cy="0"/>
-          <a:chOff x="0" y="0"/>
-          <a:chExt cx="0" cy="0"/>
-        </a:xfrm>
-      </p:grpSpPr>
-      <p:sp>
-        <p:nvSpPr>
-          <p:cNvPr id="2" name="Title 1">
-            <a:extLst>
-              <a:ext uri="{FF2B5EF4-FFF2-40B4-BE49-F238E27FC236}">
-                <a16:creationId xmlns:a16="http://schemas.microsoft.com/office/drawing/2014/main" id="{D4B06147-C9E2-4D1B-93A8-0AC7FF4F53BE}"/>
-              </a:ext>
-            </a:extLst>
-          </p:cNvPr>
-          <p:cNvSpPr>
-            <a:spLocks noGrp="1"/>
-          </p:cNvSpPr>
-          <p:nvPr>
-            <p:ph type="title"/>
-          </p:nvPr>
-        </p:nvSpPr>
-        <p:spPr>
-          <a:xfrm>
-            <a:off x="381000" y="228600"/>
-            <a:ext cx="8686800" cy="838200"/>
-          </a:xfrm>
-        </p:spPr>
-        <p:txBody>
-          <a:bodyPr>
-            <a:normAutofit/>
-          </a:bodyPr>
-          <a:lstStyle/>
-          <a:p>
-            <a:r>
-              <a:rPr lang="en-US" altLang="en-US" b="1" dirty="0"/>
-              <a:t>Programming Models (Cont.)</a:t>
-            </a:r>
-            <a:endParaRPr lang="en-US" dirty="0"/>
-          </a:p>
-        </p:txBody>
-      </p:sp>
-      <p:pic>
-        <p:nvPicPr>
-          <p:cNvPr id="4" name="Graphic 3">
-            <a:extLst>
-              <a:ext uri="{FF2B5EF4-FFF2-40B4-BE49-F238E27FC236}">
-                <a16:creationId xmlns:a16="http://schemas.microsoft.com/office/drawing/2014/main" id="{3CBEEB5B-75AA-4771-8197-2E156E157275}"/>
-              </a:ext>
-            </a:extLst>
-          </p:cNvPr>
-          <p:cNvPicPr>
-            <a:picLocks noChangeAspect="1"/>
-          </p:cNvPicPr>
-          <p:nvPr/>
-        </p:nvPicPr>
-        <p:blipFill>
-          <a:blip r:embed="rId3">
-            <a:extLst>
-              <a:ext uri="{28A0092B-C50C-407E-A947-70E740481C1C}">
-                <a14:useLocalDpi xmlns:a14="http://schemas.microsoft.com/office/drawing/2010/main" val="0"/>
-              </a:ext>
-              <a:ext uri="{96DAC541-7B7A-43D3-8B79-37D633B846F1}">
-                <asvg:svgBlip xmlns:asvg="http://schemas.microsoft.com/office/drawing/2016/SVG/main" r:embed="rId4"/>
-              </a:ext>
-            </a:extLst>
-          </a:blip>
-          <a:stretch>
-            <a:fillRect/>
-          </a:stretch>
-        </p:blipFill>
-        <p:spPr>
-          <a:xfrm>
-            <a:off x="990601" y="971550"/>
-            <a:ext cx="5333999" cy="5181600"/>
-          </a:xfrm>
-          <a:prstGeom prst="rect">
-            <a:avLst/>
-          </a:prstGeom>
-        </p:spPr>
-      </p:pic>
-      <p:cxnSp>
-        <p:nvCxnSpPr>
-          <p:cNvPr id="6" name="Straight Connector 5">
-            <a:extLst>
-              <a:ext uri="{FF2B5EF4-FFF2-40B4-BE49-F238E27FC236}">
-                <a16:creationId xmlns:a16="http://schemas.microsoft.com/office/drawing/2014/main" id="{0252B35C-F83E-4B2D-9787-6C810F975664}"/>
-              </a:ext>
-            </a:extLst>
-          </p:cNvPr>
-          <p:cNvCxnSpPr/>
-          <p:nvPr/>
-        </p:nvCxnSpPr>
-        <p:spPr>
-          <a:xfrm>
-            <a:off x="609600" y="1143000"/>
-            <a:ext cx="7315200" cy="4876800"/>
-          </a:xfrm>
-          <a:prstGeom prst="line">
-            <a:avLst/>
-          </a:prstGeom>
-          <a:ln>
-            <a:solidFill>
-              <a:srgbClr val="C00000"/>
-            </a:solidFill>
-          </a:ln>
-        </p:spPr>
-        <p:style>
-          <a:lnRef idx="3">
-            <a:schemeClr val="accent2"/>
-          </a:lnRef>
-          <a:fillRef idx="0">
-            <a:schemeClr val="accent2"/>
-          </a:fillRef>
-          <a:effectRef idx="2">
-            <a:schemeClr val="accent2"/>
-          </a:effectRef>
-          <a:fontRef idx="minor">
-            <a:schemeClr val="tx1"/>
-          </a:fontRef>
-        </p:style>
-      </p:cxnSp>
-      <p:cxnSp>
-        <p:nvCxnSpPr>
-          <p:cNvPr id="8" name="Straight Connector 7">
-            <a:extLst>
-              <a:ext uri="{FF2B5EF4-FFF2-40B4-BE49-F238E27FC236}">
-                <a16:creationId xmlns:a16="http://schemas.microsoft.com/office/drawing/2014/main" id="{B74C8CE9-2102-4FB8-9045-E3E6939E8AB4}"/>
-              </a:ext>
-            </a:extLst>
-          </p:cNvPr>
-          <p:cNvCxnSpPr>
-            <a:cxnSpLocks/>
-          </p:cNvCxnSpPr>
-          <p:nvPr/>
-        </p:nvCxnSpPr>
-        <p:spPr>
-          <a:xfrm flipV="1">
-            <a:off x="1219200" y="1447800"/>
-            <a:ext cx="5791200" cy="4648200"/>
-          </a:xfrm>
-          <a:prstGeom prst="line">
-            <a:avLst/>
-          </a:prstGeom>
-          <a:ln>
-            <a:solidFill>
-              <a:srgbClr val="C00000"/>
-            </a:solidFill>
-          </a:ln>
-        </p:spPr>
-        <p:style>
-          <a:lnRef idx="3">
-            <a:schemeClr val="accent2"/>
-          </a:lnRef>
-          <a:fillRef idx="0">
-            <a:schemeClr val="accent2"/>
-          </a:fillRef>
-          <a:effectRef idx="2">
-            <a:schemeClr val="accent2"/>
-          </a:effectRef>
-          <a:fontRef idx="minor">
-            <a:schemeClr val="tx1"/>
-          </a:fontRef>
-        </p:style>
-      </p:cxnSp>
-      <p:sp>
-        <p:nvSpPr>
-          <p:cNvPr id="10" name="TextBox 9">
-            <a:extLst>
-              <a:ext uri="{FF2B5EF4-FFF2-40B4-BE49-F238E27FC236}">
-                <a16:creationId xmlns:a16="http://schemas.microsoft.com/office/drawing/2014/main" id="{A4814D76-F8E8-4B97-A56A-2C68DB307CC0}"/>
-              </a:ext>
-            </a:extLst>
-          </p:cNvPr>
-          <p:cNvSpPr txBox="1"/>
-          <p:nvPr/>
-        </p:nvSpPr>
-        <p:spPr>
-          <a:xfrm>
-            <a:off x="6781800" y="1981200"/>
-            <a:ext cx="1600200" cy="1569660"/>
-          </a:xfrm>
-          <a:prstGeom prst="rect">
-            <a:avLst/>
-          </a:prstGeom>
-          <a:noFill/>
-        </p:spPr>
-        <p:txBody>
-          <a:bodyPr wrap="square" rtlCol="0">
-            <a:spAutoFit/>
-          </a:bodyPr>
-          <a:lstStyle/>
-          <a:p>
-            <a:pPr algn="ctr"/>
-            <a:r>
-              <a:rPr lang="en-US" sz="3200" dirty="0"/>
-              <a:t>Copied from Wiki</a:t>
-            </a:r>
-          </a:p>
-        </p:txBody>
-      </p:sp>
-      <p:sp>
-        <p:nvSpPr>
-          <p:cNvPr id="11" name="TextBox 10">
-            <a:extLst>
-              <a:ext uri="{FF2B5EF4-FFF2-40B4-BE49-F238E27FC236}">
-                <a16:creationId xmlns:a16="http://schemas.microsoft.com/office/drawing/2014/main" id="{A34B5F15-6B88-453D-A3EA-9D1405F41991}"/>
-              </a:ext>
-            </a:extLst>
-          </p:cNvPr>
-          <p:cNvSpPr txBox="1"/>
-          <p:nvPr/>
-        </p:nvSpPr>
-        <p:spPr>
-          <a:xfrm>
-            <a:off x="3124200" y="6286500"/>
-            <a:ext cx="5791200" cy="381000"/>
-          </a:xfrm>
-          <a:prstGeom prst="rect">
-            <a:avLst/>
-          </a:prstGeom>
-          <a:noFill/>
-        </p:spPr>
-        <p:txBody>
-          <a:bodyPr wrap="square" rtlCol="0">
-            <a:spAutoFit/>
-          </a:bodyPr>
-          <a:lstStyle/>
-          <a:p>
-            <a:r>
-              <a:rPr lang="en-US" dirty="0"/>
-              <a:t>https://en.wikipedia.org/wiki/Multitier_architecture</a:t>
-            </a:r>
-          </a:p>
-        </p:txBody>
-      </p:sp>
-    </p:spTree>
-    <p:extLst>
-      <p:ext uri="{BB962C8B-B14F-4D97-AF65-F5344CB8AC3E}">
-        <p14:creationId xmlns:p14="http://schemas.microsoft.com/office/powerpoint/2010/main" val="3334040697"/>
-      </p:ext>
-    </p:extLst>
-  </p:cSld>
-  <p:clrMapOvr>
-    <a:masterClrMapping/>
-  </p:clrMapOvr>
-</p:sld>
-</file>
-
-<file path=ppt/slides/slide21.xml><?xml version="1.0" encoding="utf-8"?>
+<file path=ppt/slides/slide18.xml><?xml version="1.0" encoding="utf-8"?>
 <p:sld xmlns:a="http://schemas.openxmlformats.org/drawingml/2006/main" xmlns:r="http://schemas.openxmlformats.org/officeDocument/2006/relationships" xmlns:p="http://schemas.openxmlformats.org/presentationml/2006/main">
   <p:cSld>
     <p:spTree>
@@ -22125,7 +20685,7 @@
                 <a:tabLst/>
                 <a:defRPr/>
               </a:pPr>
-              <a:t>21</a:t>
+              <a:t>18</a:t>
             </a:fld>
             <a:endParaRPr kumimoji="0" lang="en-US" sz="1600" b="0" i="0" u="none" strike="noStrike" kern="1200" cap="none" spc="0" normalizeH="0" baseline="0" noProof="0" dirty="0">
               <a:ln>
@@ -22159,7 +20719,7 @@
 </p:sld>
 </file>
 
-<file path=ppt/slides/slide22.xml><?xml version="1.0" encoding="utf-8"?>
+<file path=ppt/slides/slide19.xml><?xml version="1.0" encoding="utf-8"?>
 <p:sld xmlns:a="http://schemas.openxmlformats.org/drawingml/2006/main" xmlns:r="http://schemas.openxmlformats.org/officeDocument/2006/relationships" xmlns:p="http://schemas.openxmlformats.org/presentationml/2006/main">
   <p:cSld>
     <p:spTree>
@@ -22395,7 +20955,7 @@
                 <a:tabLst/>
                 <a:defRPr/>
               </a:pPr>
-              <a:t>22</a:t>
+              <a:t>19</a:t>
             </a:fld>
             <a:endParaRPr kumimoji="0" lang="en-US" sz="1600" b="0" i="0" u="none" strike="noStrike" kern="1200" cap="none" spc="0" normalizeH="0" baseline="0" noProof="0" dirty="0">
               <a:ln>
@@ -22429,7 +20989,261 @@
 </p:sld>
 </file>
 
-<file path=ppt/slides/slide23.xml><?xml version="1.0" encoding="utf-8"?>
+<file path=ppt/slides/slide2.xml><?xml version="1.0" encoding="utf-8"?>
+<p:sld xmlns:a="http://schemas.openxmlformats.org/drawingml/2006/main" xmlns:r="http://schemas.openxmlformats.org/officeDocument/2006/relationships" xmlns:p="http://schemas.openxmlformats.org/presentationml/2006/main">
+  <p:cSld>
+    <p:spTree>
+      <p:nvGrpSpPr>
+        <p:cNvPr id="1" name=""/>
+        <p:cNvGrpSpPr/>
+        <p:nvPr/>
+      </p:nvGrpSpPr>
+      <p:grpSpPr>
+        <a:xfrm>
+          <a:off x="0" y="0"/>
+          <a:ext cx="0" cy="0"/>
+          <a:chOff x="0" y="0"/>
+          <a:chExt cx="0" cy="0"/>
+        </a:xfrm>
+      </p:grpSpPr>
+      <p:sp>
+        <p:nvSpPr>
+          <p:cNvPr id="2" name="Content Placeholder 1"/>
+          <p:cNvSpPr>
+            <a:spLocks noGrp="1"/>
+          </p:cNvSpPr>
+          <p:nvPr>
+            <p:ph idx="1"/>
+          </p:nvPr>
+        </p:nvSpPr>
+        <p:spPr>
+          <a:xfrm>
+            <a:off x="228600" y="1295400"/>
+            <a:ext cx="8686800" cy="4711891"/>
+          </a:xfrm>
+        </p:spPr>
+        <p:txBody>
+          <a:bodyPr>
+            <a:normAutofit/>
+          </a:bodyPr>
+          <a:lstStyle/>
+          <a:p>
+            <a:pPr marL="624078" indent="-514350">
+              <a:buFont typeface="+mj-lt"/>
+              <a:buAutoNum type="alphaUcPeriod"/>
+            </a:pPr>
+            <a:r>
+              <a:rPr lang="en-US" sz="3200" b="1" dirty="0"/>
+              <a:t>Architectural design  patterns and product lines.</a:t>
+            </a:r>
+          </a:p>
+          <a:p>
+            <a:pPr marL="624078" indent="-514350">
+              <a:buFont typeface="+mj-lt"/>
+              <a:buAutoNum type="alphaUcPeriod"/>
+            </a:pPr>
+            <a:r>
+              <a:rPr lang="en-US" sz="3200" b="1" dirty="0"/>
+              <a:t>Design patterns.</a:t>
+            </a:r>
+          </a:p>
+          <a:p>
+            <a:pPr marL="624078" indent="-514350">
+              <a:buFont typeface="+mj-lt"/>
+              <a:buAutoNum type="alphaUcPeriod"/>
+            </a:pPr>
+            <a:r>
+              <a:rPr lang="en-US" sz="3200" b="1" dirty="0"/>
+              <a:t>Service-oriented architectures.</a:t>
+            </a:r>
+          </a:p>
+          <a:p>
+            <a:endParaRPr lang="en-US" sz="3200" b="1" dirty="0"/>
+          </a:p>
+        </p:txBody>
+      </p:sp>
+      <p:sp>
+        <p:nvSpPr>
+          <p:cNvPr id="3" name="Title 2"/>
+          <p:cNvSpPr>
+            <a:spLocks noGrp="1"/>
+          </p:cNvSpPr>
+          <p:nvPr>
+            <p:ph type="title"/>
+          </p:nvPr>
+        </p:nvSpPr>
+        <p:spPr/>
+        <p:txBody>
+          <a:bodyPr>
+            <a:normAutofit/>
+          </a:bodyPr>
+          <a:lstStyle/>
+          <a:p>
+            <a:r>
+              <a:rPr lang="en-US" sz="4400" dirty="0"/>
+              <a:t>Lecture outline</a:t>
+            </a:r>
+          </a:p>
+        </p:txBody>
+      </p:sp>
+      <p:sp>
+        <p:nvSpPr>
+          <p:cNvPr id="4" name="Date Placeholder 3"/>
+          <p:cNvSpPr txBox="1">
+            <a:spLocks/>
+          </p:cNvSpPr>
+          <p:nvPr/>
+        </p:nvSpPr>
+        <p:spPr>
+          <a:xfrm>
+            <a:off x="152400" y="6477000"/>
+            <a:ext cx="2514600" cy="288925"/>
+          </a:xfrm>
+          <a:prstGeom prst="rect">
+            <a:avLst/>
+          </a:prstGeom>
+        </p:spPr>
+        <p:txBody>
+          <a:bodyPr vert="horz"/>
+          <a:lstStyle/>
+          <a:p>
+            <a:pPr marL="0" marR="0" lvl="0" indent="0" algn="l" defTabSz="914400" rtl="0" eaLnBrk="1" fontAlgn="auto" latinLnBrk="0" hangingPunct="1">
+              <a:lnSpc>
+                <a:spcPct val="100000"/>
+              </a:lnSpc>
+              <a:spcBef>
+                <a:spcPts val="0"/>
+              </a:spcBef>
+              <a:spcAft>
+                <a:spcPts val="0"/>
+              </a:spcAft>
+              <a:buClrTx/>
+              <a:buSzTx/>
+              <a:buFontTx/>
+              <a:buNone/>
+              <a:tabLst/>
+              <a:defRPr/>
+            </a:pPr>
+            <a:r>
+              <a:rPr kumimoji="0" lang="en-US" sz="1600" b="0" i="0" u="none" strike="noStrike" kern="1200" cap="none" spc="0" normalizeH="0" baseline="0" noProof="0" dirty="0">
+                <a:ln>
+                  <a:noFill/>
+                </a:ln>
+                <a:solidFill>
+                  <a:srgbClr val="FFC000"/>
+                </a:solidFill>
+                <a:effectLst/>
+                <a:uLnTx/>
+                <a:uFillTx/>
+                <a:latin typeface="Bell MT" pitchFamily="18" charset="0"/>
+              </a:rPr>
+              <a:t>Dr. Hussien M. Sharaf</a:t>
+            </a:r>
+          </a:p>
+        </p:txBody>
+      </p:sp>
+      <p:sp>
+        <p:nvSpPr>
+          <p:cNvPr id="5" name="Slide Number Placeholder 4"/>
+          <p:cNvSpPr txBox="1">
+            <a:spLocks/>
+          </p:cNvSpPr>
+          <p:nvPr/>
+        </p:nvSpPr>
+        <p:spPr>
+          <a:xfrm>
+            <a:off x="8153400" y="6534912"/>
+            <a:ext cx="758952" cy="246888"/>
+          </a:xfrm>
+          <a:prstGeom prst="rect">
+            <a:avLst/>
+          </a:prstGeom>
+        </p:spPr>
+        <p:txBody>
+          <a:bodyPr/>
+          <a:lstStyle/>
+          <a:p>
+            <a:pPr marL="0" marR="0" lvl="0" indent="0" algn="r" defTabSz="914400" rtl="0" eaLnBrk="1" fontAlgn="auto" latinLnBrk="0" hangingPunct="1">
+              <a:lnSpc>
+                <a:spcPct val="100000"/>
+              </a:lnSpc>
+              <a:spcBef>
+                <a:spcPts val="0"/>
+              </a:spcBef>
+              <a:spcAft>
+                <a:spcPts val="0"/>
+              </a:spcAft>
+              <a:buClrTx/>
+              <a:buSzTx/>
+              <a:buFontTx/>
+              <a:buNone/>
+              <a:tabLst/>
+              <a:defRPr/>
+            </a:pPr>
+            <a:fld id="{B6F15528-21DE-4FAA-801E-634DDDAF4B2B}" type="slidenum">
+              <a:rPr kumimoji="0" lang="en-US" sz="1600" b="0" i="0" u="none" strike="noStrike" kern="1200" cap="none" spc="0" normalizeH="0" baseline="0" noProof="0" smtClean="0">
+                <a:ln>
+                  <a:noFill/>
+                </a:ln>
+                <a:solidFill>
+                  <a:schemeClr val="bg2">
+                    <a:lumMod val="10000"/>
+                  </a:schemeClr>
+                </a:solidFill>
+                <a:effectLst/>
+                <a:uLnTx/>
+                <a:uFillTx/>
+                <a:latin typeface="+mn-lt"/>
+                <a:ea typeface="+mn-ea"/>
+                <a:cs typeface="+mn-cs"/>
+              </a:rPr>
+              <a:pPr marL="0" marR="0" lvl="0" indent="0" algn="r" defTabSz="914400" rtl="0" eaLnBrk="1" fontAlgn="auto" latinLnBrk="0" hangingPunct="1">
+                <a:lnSpc>
+                  <a:spcPct val="100000"/>
+                </a:lnSpc>
+                <a:spcBef>
+                  <a:spcPts val="0"/>
+                </a:spcBef>
+                <a:spcAft>
+                  <a:spcPts val="0"/>
+                </a:spcAft>
+                <a:buClrTx/>
+                <a:buSzTx/>
+                <a:buFontTx/>
+                <a:buNone/>
+                <a:tabLst/>
+                <a:defRPr/>
+              </a:pPr>
+              <a:t>2</a:t>
+            </a:fld>
+            <a:endParaRPr kumimoji="0" lang="en-US" sz="1600" b="0" i="0" u="none" strike="noStrike" kern="1200" cap="none" spc="0" normalizeH="0" baseline="0" noProof="0" dirty="0">
+              <a:ln>
+                <a:noFill/>
+              </a:ln>
+              <a:solidFill>
+                <a:schemeClr val="bg2">
+                  <a:lumMod val="10000"/>
+                </a:schemeClr>
+              </a:solidFill>
+              <a:effectLst/>
+              <a:uLnTx/>
+              <a:uFillTx/>
+              <a:latin typeface="+mn-lt"/>
+              <a:ea typeface="+mn-ea"/>
+              <a:cs typeface="+mn-cs"/>
+            </a:endParaRPr>
+          </a:p>
+        </p:txBody>
+      </p:sp>
+    </p:spTree>
+  </p:cSld>
+  <p:clrMapOvr>
+    <a:masterClrMapping/>
+  </p:clrMapOvr>
+</p:sld>
+</file>
+
+<file path=ppt/slides/slide20.xml><?xml version="1.0" encoding="utf-8"?>
 <p:sld xmlns:a="http://schemas.openxmlformats.org/drawingml/2006/main" xmlns:r="http://schemas.openxmlformats.org/officeDocument/2006/relationships" xmlns:p="http://schemas.openxmlformats.org/presentationml/2006/main">
   <p:cSld>
     <p:spTree>
@@ -22790,7 +21604,7 @@
                 <a:tabLst/>
                 <a:defRPr/>
               </a:pPr>
-              <a:t>23</a:t>
+              <a:t>20</a:t>
             </a:fld>
             <a:endParaRPr kumimoji="0" lang="en-US" sz="1600" b="0" i="0" u="none" strike="noStrike" kern="1200" cap="none" spc="0" normalizeH="0" baseline="0" noProof="0" dirty="0">
               <a:ln>
@@ -22824,7 +21638,7 @@
 </p:sld>
 </file>
 
-<file path=ppt/slides/slide24.xml><?xml version="1.0" encoding="utf-8"?>
+<file path=ppt/slides/slide21.xml><?xml version="1.0" encoding="utf-8"?>
 <p:sld xmlns:a="http://schemas.openxmlformats.org/drawingml/2006/main" xmlns:r="http://schemas.openxmlformats.org/officeDocument/2006/relationships" xmlns:p="http://schemas.openxmlformats.org/presentationml/2006/main">
   <p:cSld>
     <p:spTree>
@@ -23116,7 +21930,7 @@
                 <a:tabLst/>
                 <a:defRPr/>
               </a:pPr>
-              <a:t>24</a:t>
+              <a:t>21</a:t>
             </a:fld>
             <a:endParaRPr kumimoji="0" lang="en-US" sz="1600" b="0" i="0" u="none" strike="noStrike" kern="1200" cap="none" spc="0" normalizeH="0" baseline="0" noProof="0" dirty="0">
               <a:ln>
@@ -23150,7 +21964,7 @@
 </p:sld>
 </file>
 
-<file path=ppt/slides/slide25.xml><?xml version="1.0" encoding="utf-8"?>
+<file path=ppt/slides/slide22.xml><?xml version="1.0" encoding="utf-8"?>
 <p:sld xmlns:a="http://schemas.openxmlformats.org/drawingml/2006/main" xmlns:r="http://schemas.openxmlformats.org/officeDocument/2006/relationships" xmlns:p="http://schemas.openxmlformats.org/presentationml/2006/main">
   <p:cSld>
     <p:spTree>
@@ -23979,7 +22793,7 @@
 </p:sld>
 </file>
 
-<file path=ppt/slides/slide26.xml><?xml version="1.0" encoding="utf-8"?>
+<file path=ppt/slides/slide23.xml><?xml version="1.0" encoding="utf-8"?>
 <p:sld xmlns:a="http://schemas.openxmlformats.org/drawingml/2006/main" xmlns:r="http://schemas.openxmlformats.org/officeDocument/2006/relationships" xmlns:p="http://schemas.openxmlformats.org/presentationml/2006/main">
   <p:cSld>
     <p:spTree>
@@ -25320,7 +24134,7 @@
 </p:sld>
 </file>
 
-<file path=ppt/slides/slide27.xml><?xml version="1.0" encoding="utf-8"?>
+<file path=ppt/slides/slide24.xml><?xml version="1.0" encoding="utf-8"?>
 <p:sld xmlns:a="http://schemas.openxmlformats.org/drawingml/2006/main" xmlns:r="http://schemas.openxmlformats.org/officeDocument/2006/relationships" xmlns:p="http://schemas.openxmlformats.org/presentationml/2006/main">
   <p:cSld>
     <p:spTree>
@@ -27446,7 +26260,7 @@
 </p:sld>
 </file>
 
-<file path=ppt/slides/slide28.xml><?xml version="1.0" encoding="utf-8"?>
+<file path=ppt/slides/slide25.xml><?xml version="1.0" encoding="utf-8"?>
 <p:sld xmlns:a="http://schemas.openxmlformats.org/drawingml/2006/main" xmlns:r="http://schemas.openxmlformats.org/officeDocument/2006/relationships" xmlns:p="http://schemas.openxmlformats.org/presentationml/2006/main">
   <p:cSld>
     <p:spTree>
@@ -27608,7 +26422,7 @@
               <a:defRPr/>
             </a:pPr>
             <a:r>
-              <a:rPr kumimoji="0" lang="en-US" sz="1600" b="0" i="0" u="none" strike="noStrike" kern="1200" cap="none" spc="0" normalizeH="0" baseline="0" noProof="0" dirty="0">
+              <a:rPr kumimoji="0" lang="en-US" sz="1600" b="1" i="0" u="none" strike="noStrike" kern="1200" cap="none" spc="0" normalizeH="0" baseline="0" noProof="0" dirty="0">
                 <a:ln>
                   <a:noFill/>
                 </a:ln>
@@ -27697,7 +26511,7 @@
                 <a:tabLst/>
                 <a:defRPr/>
               </a:pPr>
-              <a:t>28</a:t>
+              <a:t>25</a:t>
             </a:fld>
             <a:endParaRPr kumimoji="0" lang="en-US" sz="1600" b="0" i="0" u="none" strike="noStrike" kern="1200" cap="none" spc="0" normalizeH="0" baseline="0" noProof="0" dirty="0">
               <a:ln>
@@ -27731,7 +26545,7 @@
 </p:sld>
 </file>
 
-<file path=ppt/slides/slide29.xml><?xml version="1.0" encoding="utf-8"?>
+<file path=ppt/slides/slide26.xml><?xml version="1.0" encoding="utf-8"?>
 <p:sld xmlns:a="http://schemas.openxmlformats.org/drawingml/2006/main" xmlns:r="http://schemas.openxmlformats.org/officeDocument/2006/relationships" xmlns:p="http://schemas.openxmlformats.org/presentationml/2006/main">
   <p:cSld>
     <p:spTree>
@@ -27887,7 +26701,7 @@
               <a:pPr>
                 <a:defRPr/>
               </a:pPr>
-              <a:t>29</a:t>
+              <a:t>26</a:t>
             </a:fld>
             <a:endParaRPr lang="en-US" dirty="0"/>
           </a:p>
@@ -28267,6 +27081,614 @@
 </p:sld>
 </file>
 
+<file path=ppt/slides/slide27.xml><?xml version="1.0" encoding="utf-8"?>
+<p:sld xmlns:a="http://schemas.openxmlformats.org/drawingml/2006/main" xmlns:r="http://schemas.openxmlformats.org/officeDocument/2006/relationships" xmlns:p="http://schemas.openxmlformats.org/presentationml/2006/main">
+  <p:cSld>
+    <p:spTree>
+      <p:nvGrpSpPr>
+        <p:cNvPr id="1" name=""/>
+        <p:cNvGrpSpPr/>
+        <p:nvPr/>
+      </p:nvGrpSpPr>
+      <p:grpSpPr>
+        <a:xfrm>
+          <a:off x="0" y="0"/>
+          <a:ext cx="0" cy="0"/>
+          <a:chOff x="0" y="0"/>
+          <a:chExt cx="0" cy="0"/>
+        </a:xfrm>
+      </p:grpSpPr>
+      <p:sp>
+        <p:nvSpPr>
+          <p:cNvPr id="2" name="Content Placeholder 1"/>
+          <p:cNvSpPr>
+            <a:spLocks noGrp="1"/>
+          </p:cNvSpPr>
+          <p:nvPr>
+            <p:ph idx="1"/>
+          </p:nvPr>
+        </p:nvSpPr>
+        <p:spPr>
+          <a:xfrm>
+            <a:off x="0" y="609600"/>
+            <a:ext cx="9080409" cy="5562599"/>
+          </a:xfrm>
+        </p:spPr>
+        <p:txBody>
+          <a:bodyPr>
+            <a:normAutofit/>
+          </a:bodyPr>
+          <a:lstStyle/>
+          <a:p>
+            <a:pPr lvl="0"/>
+            <a:r>
+              <a:rPr lang="en-US" sz="3600" b="1" dirty="0"/>
+              <a:t>Service-oriented architectures.</a:t>
+            </a:r>
+          </a:p>
+          <a:p>
+            <a:r>
+              <a:rPr lang="en-US" sz="2400" b="1" dirty="0"/>
+              <a:t>The characteristics of a service in SOA:</a:t>
+            </a:r>
+            <a:endParaRPr lang="en-US" sz="2400" dirty="0"/>
+          </a:p>
+          <a:p>
+            <a:pPr marL="566928" lvl="0" indent="-457200">
+              <a:buFont typeface="+mj-lt"/>
+              <a:buAutoNum type="arabicPeriod"/>
+            </a:pPr>
+            <a:r>
+              <a:rPr lang="en-US" sz="2400" dirty="0"/>
+              <a:t>A service is a self-contained and modular software entity. </a:t>
+            </a:r>
+          </a:p>
+          <a:p>
+            <a:pPr marL="566928" lvl="0" indent="-457200">
+              <a:buFont typeface="+mj-lt"/>
+              <a:buAutoNum type="arabicPeriod"/>
+            </a:pPr>
+            <a:r>
+              <a:rPr lang="en-US" sz="2400" dirty="0"/>
+              <a:t>It interacts with applications and other services through a loosely coupled, message-based communication model. </a:t>
+            </a:r>
+          </a:p>
+          <a:p>
+            <a:pPr marL="566928" lvl="0" indent="-457200">
+              <a:buFont typeface="+mj-lt"/>
+              <a:buAutoNum type="arabicPeriod"/>
+            </a:pPr>
+            <a:r>
+              <a:rPr lang="en-US" sz="2400" dirty="0"/>
+              <a:t>It supports interoperability through reliance on communication standards. </a:t>
+            </a:r>
+          </a:p>
+          <a:p>
+            <a:pPr marL="566928" lvl="0" indent="-457200">
+              <a:buFont typeface="+mj-lt"/>
+              <a:buAutoNum type="arabicPeriod"/>
+            </a:pPr>
+            <a:r>
+              <a:rPr lang="en-US" sz="2400" dirty="0"/>
+              <a:t>It can be found by its consumers through a registry; hence its location is transparent to them.</a:t>
+            </a:r>
+          </a:p>
+        </p:txBody>
+      </p:sp>
+      <p:sp>
+        <p:nvSpPr>
+          <p:cNvPr id="4" name="Date Placeholder 3"/>
+          <p:cNvSpPr txBox="1">
+            <a:spLocks/>
+          </p:cNvSpPr>
+          <p:nvPr/>
+        </p:nvSpPr>
+        <p:spPr>
+          <a:xfrm>
+            <a:off x="0" y="6400800"/>
+            <a:ext cx="2514600" cy="288925"/>
+          </a:xfrm>
+          <a:prstGeom prst="rect">
+            <a:avLst/>
+          </a:prstGeom>
+        </p:spPr>
+        <p:txBody>
+          <a:bodyPr vert="horz"/>
+          <a:lstStyle/>
+          <a:p>
+            <a:pPr marL="0" marR="0" lvl="0" indent="0" algn="l" defTabSz="914400" rtl="0" eaLnBrk="1" fontAlgn="auto" latinLnBrk="0" hangingPunct="1">
+              <a:lnSpc>
+                <a:spcPct val="100000"/>
+              </a:lnSpc>
+              <a:spcBef>
+                <a:spcPts val="0"/>
+              </a:spcBef>
+              <a:spcAft>
+                <a:spcPts val="0"/>
+              </a:spcAft>
+              <a:buClrTx/>
+              <a:buSzTx/>
+              <a:buFontTx/>
+              <a:buNone/>
+              <a:tabLst/>
+              <a:defRPr/>
+            </a:pPr>
+            <a:r>
+              <a:rPr kumimoji="0" lang="en-US" sz="1600" b="0" i="0" u="none" strike="noStrike" kern="1200" cap="none" spc="0" normalizeH="0" baseline="0" noProof="0" dirty="0">
+                <a:ln>
+                  <a:noFill/>
+                </a:ln>
+                <a:solidFill>
+                  <a:srgbClr val="FFC000"/>
+                </a:solidFill>
+                <a:effectLst/>
+                <a:uLnTx/>
+                <a:uFillTx/>
+                <a:latin typeface="Book Antiqua" pitchFamily="18" charset="0"/>
+              </a:rPr>
+              <a:t>Dr. Hussien M. Sharaf</a:t>
+            </a:r>
+          </a:p>
+        </p:txBody>
+      </p:sp>
+      <p:sp>
+        <p:nvSpPr>
+          <p:cNvPr id="5" name="Slide Number Placeholder 4"/>
+          <p:cNvSpPr txBox="1">
+            <a:spLocks/>
+          </p:cNvSpPr>
+          <p:nvPr/>
+        </p:nvSpPr>
+        <p:spPr>
+          <a:xfrm>
+            <a:off x="8153400" y="6461125"/>
+            <a:ext cx="758952" cy="246888"/>
+          </a:xfrm>
+          <a:prstGeom prst="rect">
+            <a:avLst/>
+          </a:prstGeom>
+        </p:spPr>
+        <p:txBody>
+          <a:bodyPr/>
+          <a:lstStyle/>
+          <a:p>
+            <a:pPr marL="0" marR="0" lvl="0" indent="0" algn="r" defTabSz="914400" rtl="0" eaLnBrk="1" fontAlgn="auto" latinLnBrk="0" hangingPunct="1">
+              <a:lnSpc>
+                <a:spcPct val="100000"/>
+              </a:lnSpc>
+              <a:spcBef>
+                <a:spcPts val="0"/>
+              </a:spcBef>
+              <a:spcAft>
+                <a:spcPts val="0"/>
+              </a:spcAft>
+              <a:buClrTx/>
+              <a:buSzTx/>
+              <a:buFontTx/>
+              <a:buNone/>
+              <a:tabLst/>
+              <a:defRPr/>
+            </a:pPr>
+            <a:fld id="{B6F15528-21DE-4FAA-801E-634DDDAF4B2B}" type="slidenum">
+              <a:rPr kumimoji="0" lang="en-US" sz="1600" b="0" i="0" u="none" strike="noStrike" kern="1200" cap="none" spc="0" normalizeH="0" baseline="0" noProof="0" smtClean="0">
+                <a:ln>
+                  <a:noFill/>
+                </a:ln>
+                <a:solidFill>
+                  <a:schemeClr val="bg2">
+                    <a:lumMod val="10000"/>
+                  </a:schemeClr>
+                </a:solidFill>
+                <a:effectLst/>
+                <a:uLnTx/>
+                <a:uFillTx/>
+                <a:latin typeface="+mn-lt"/>
+                <a:ea typeface="+mn-ea"/>
+                <a:cs typeface="+mn-cs"/>
+              </a:rPr>
+              <a:pPr marL="0" marR="0" lvl="0" indent="0" algn="r" defTabSz="914400" rtl="0" eaLnBrk="1" fontAlgn="auto" latinLnBrk="0" hangingPunct="1">
+                <a:lnSpc>
+                  <a:spcPct val="100000"/>
+                </a:lnSpc>
+                <a:spcBef>
+                  <a:spcPts val="0"/>
+                </a:spcBef>
+                <a:spcAft>
+                  <a:spcPts val="0"/>
+                </a:spcAft>
+                <a:buClrTx/>
+                <a:buSzTx/>
+                <a:buFontTx/>
+                <a:buNone/>
+                <a:tabLst/>
+                <a:defRPr/>
+              </a:pPr>
+              <a:t>27</a:t>
+            </a:fld>
+            <a:endParaRPr kumimoji="0" lang="en-US" sz="1600" b="0" i="0" u="none" strike="noStrike" kern="1200" cap="none" spc="0" normalizeH="0" baseline="0" noProof="0" dirty="0">
+              <a:ln>
+                <a:noFill/>
+              </a:ln>
+              <a:solidFill>
+                <a:schemeClr val="bg2">
+                  <a:lumMod val="10000"/>
+                </a:schemeClr>
+              </a:solidFill>
+              <a:effectLst/>
+              <a:uLnTx/>
+              <a:uFillTx/>
+              <a:latin typeface="+mn-lt"/>
+              <a:ea typeface="+mn-ea"/>
+              <a:cs typeface="+mn-cs"/>
+            </a:endParaRPr>
+          </a:p>
+        </p:txBody>
+      </p:sp>
+      <p:sp>
+        <p:nvSpPr>
+          <p:cNvPr id="8" name="Title 2">
+            <a:extLst>
+              <a:ext uri="{FF2B5EF4-FFF2-40B4-BE49-F238E27FC236}">
+                <a16:creationId xmlns:a16="http://schemas.microsoft.com/office/drawing/2014/main" id="{2067506E-B311-6269-52B7-157BA6B04304}"/>
+              </a:ext>
+            </a:extLst>
+          </p:cNvPr>
+          <p:cNvSpPr txBox="1">
+            <a:spLocks/>
+          </p:cNvSpPr>
+          <p:nvPr/>
+        </p:nvSpPr>
+        <p:spPr>
+          <a:xfrm>
+            <a:off x="457200" y="0"/>
+            <a:ext cx="8229600" cy="715962"/>
+          </a:xfrm>
+          <a:prstGeom prst="rect">
+            <a:avLst/>
+          </a:prstGeom>
+        </p:spPr>
+        <p:txBody>
+          <a:bodyPr vert="horz" rtlCol="0" anchor="ctr">
+            <a:noAutofit/>
+            <a:scene3d>
+              <a:camera prst="orthographicFront"/>
+              <a:lightRig rig="soft" dir="t"/>
+            </a:scene3d>
+            <a:sp3d prstMaterial="softEdge">
+              <a:bevelT w="25400" h="25400"/>
+            </a:sp3d>
+          </a:bodyPr>
+          <a:lstStyle>
+            <a:lvl1pPr algn="l" rtl="0" eaLnBrk="1" latinLnBrk="0" hangingPunct="1">
+              <a:spcBef>
+                <a:spcPct val="0"/>
+              </a:spcBef>
+              <a:buNone/>
+              <a:defRPr kumimoji="0" sz="4100" b="1" kern="1200">
+                <a:solidFill>
+                  <a:schemeClr val="tx2"/>
+                </a:solidFill>
+                <a:effectLst>
+                  <a:outerShdw blurRad="31750" dist="25400" dir="5400000" algn="tl" rotWithShape="0">
+                    <a:srgbClr val="000000">
+                      <a:alpha val="25000"/>
+                    </a:srgbClr>
+                  </a:outerShdw>
+                </a:effectLst>
+                <a:latin typeface="+mj-lt"/>
+                <a:ea typeface="+mj-ea"/>
+                <a:cs typeface="+mj-cs"/>
+              </a:defRPr>
+            </a:lvl1pPr>
+            <a:extLst/>
+          </a:lstStyle>
+          <a:p>
+            <a:r>
+              <a:rPr lang="en-US" sz="2400"/>
+              <a:t>3. Service-oriented architectures</a:t>
+            </a:r>
+            <a:endParaRPr lang="en-US" sz="2400" b="0" dirty="0"/>
+          </a:p>
+        </p:txBody>
+      </p:sp>
+    </p:spTree>
+    <p:extLst>
+      <p:ext uri="{BB962C8B-B14F-4D97-AF65-F5344CB8AC3E}">
+        <p14:creationId xmlns:p14="http://schemas.microsoft.com/office/powerpoint/2010/main" val="2066353069"/>
+      </p:ext>
+    </p:extLst>
+  </p:cSld>
+  <p:clrMapOvr>
+    <a:masterClrMapping/>
+  </p:clrMapOvr>
+</p:sld>
+</file>
+
+<file path=ppt/slides/slide28.xml><?xml version="1.0" encoding="utf-8"?>
+<p:sld xmlns:a="http://schemas.openxmlformats.org/drawingml/2006/main" xmlns:r="http://schemas.openxmlformats.org/officeDocument/2006/relationships" xmlns:p="http://schemas.openxmlformats.org/presentationml/2006/main">
+  <p:cSld>
+    <p:spTree>
+      <p:nvGrpSpPr>
+        <p:cNvPr id="1" name=""/>
+        <p:cNvGrpSpPr/>
+        <p:nvPr/>
+      </p:nvGrpSpPr>
+      <p:grpSpPr>
+        <a:xfrm>
+          <a:off x="0" y="0"/>
+          <a:ext cx="0" cy="0"/>
+          <a:chOff x="0" y="0"/>
+          <a:chExt cx="0" cy="0"/>
+        </a:xfrm>
+      </p:grpSpPr>
+      <p:sp>
+        <p:nvSpPr>
+          <p:cNvPr id="3" name="Title 2"/>
+          <p:cNvSpPr>
+            <a:spLocks noGrp="1"/>
+          </p:cNvSpPr>
+          <p:nvPr>
+            <p:ph type="title"/>
+          </p:nvPr>
+        </p:nvSpPr>
+        <p:spPr>
+          <a:xfrm>
+            <a:off x="457200" y="0"/>
+            <a:ext cx="8229600" cy="715962"/>
+          </a:xfrm>
+        </p:spPr>
+        <p:txBody>
+          <a:bodyPr>
+            <a:noAutofit/>
+          </a:bodyPr>
+          <a:lstStyle/>
+          <a:p>
+            <a:r>
+              <a:rPr lang="en-US" sz="2400" dirty="0"/>
+              <a:t>Enterprise components and architectures </a:t>
+            </a:r>
+            <a:r>
+              <a:rPr lang="en-US" sz="2400" b="0" dirty="0">
+                <a:effectLst/>
+              </a:rPr>
+              <a:t>(Cont.)</a:t>
+            </a:r>
+            <a:endParaRPr lang="en-US" sz="2400" b="0" dirty="0"/>
+          </a:p>
+        </p:txBody>
+      </p:sp>
+      <p:sp>
+        <p:nvSpPr>
+          <p:cNvPr id="4" name="Date Placeholder 3"/>
+          <p:cNvSpPr txBox="1">
+            <a:spLocks/>
+          </p:cNvSpPr>
+          <p:nvPr/>
+        </p:nvSpPr>
+        <p:spPr>
+          <a:xfrm>
+            <a:off x="0" y="6400800"/>
+            <a:ext cx="2514600" cy="288925"/>
+          </a:xfrm>
+          <a:prstGeom prst="rect">
+            <a:avLst/>
+          </a:prstGeom>
+        </p:spPr>
+        <p:txBody>
+          <a:bodyPr vert="horz"/>
+          <a:lstStyle/>
+          <a:p>
+            <a:pPr marL="0" marR="0" lvl="0" indent="0" algn="l" defTabSz="914400" rtl="0" eaLnBrk="1" fontAlgn="auto" latinLnBrk="0" hangingPunct="1">
+              <a:lnSpc>
+                <a:spcPct val="100000"/>
+              </a:lnSpc>
+              <a:spcBef>
+                <a:spcPts val="0"/>
+              </a:spcBef>
+              <a:spcAft>
+                <a:spcPts val="0"/>
+              </a:spcAft>
+              <a:buClrTx/>
+              <a:buSzTx/>
+              <a:buFontTx/>
+              <a:buNone/>
+              <a:tabLst/>
+              <a:defRPr/>
+            </a:pPr>
+            <a:r>
+              <a:rPr kumimoji="0" lang="en-US" sz="1600" b="0" i="0" u="none" strike="noStrike" kern="1200" cap="none" spc="0" normalizeH="0" baseline="0" noProof="0" dirty="0">
+                <a:ln>
+                  <a:noFill/>
+                </a:ln>
+                <a:solidFill>
+                  <a:srgbClr val="FFC000"/>
+                </a:solidFill>
+                <a:effectLst/>
+                <a:uLnTx/>
+                <a:uFillTx/>
+                <a:latin typeface="Book Antiqua" pitchFamily="18" charset="0"/>
+              </a:rPr>
+              <a:t>Dr. Hussien M. Sharaf</a:t>
+            </a:r>
+          </a:p>
+        </p:txBody>
+      </p:sp>
+      <p:sp>
+        <p:nvSpPr>
+          <p:cNvPr id="5" name="Slide Number Placeholder 4"/>
+          <p:cNvSpPr txBox="1">
+            <a:spLocks/>
+          </p:cNvSpPr>
+          <p:nvPr/>
+        </p:nvSpPr>
+        <p:spPr>
+          <a:xfrm>
+            <a:off x="8153400" y="6461125"/>
+            <a:ext cx="758952" cy="246888"/>
+          </a:xfrm>
+          <a:prstGeom prst="rect">
+            <a:avLst/>
+          </a:prstGeom>
+        </p:spPr>
+        <p:txBody>
+          <a:bodyPr/>
+          <a:lstStyle/>
+          <a:p>
+            <a:pPr marL="0" marR="0" lvl="0" indent="0" algn="r" defTabSz="914400" rtl="0" eaLnBrk="1" fontAlgn="auto" latinLnBrk="0" hangingPunct="1">
+              <a:lnSpc>
+                <a:spcPct val="100000"/>
+              </a:lnSpc>
+              <a:spcBef>
+                <a:spcPts val="0"/>
+              </a:spcBef>
+              <a:spcAft>
+                <a:spcPts val="0"/>
+              </a:spcAft>
+              <a:buClrTx/>
+              <a:buSzTx/>
+              <a:buFontTx/>
+              <a:buNone/>
+              <a:tabLst/>
+              <a:defRPr/>
+            </a:pPr>
+            <a:fld id="{B6F15528-21DE-4FAA-801E-634DDDAF4B2B}" type="slidenum">
+              <a:rPr kumimoji="0" lang="en-US" sz="1600" b="0" i="0" u="none" strike="noStrike" kern="1200" cap="none" spc="0" normalizeH="0" baseline="0" noProof="0" smtClean="0">
+                <a:ln>
+                  <a:noFill/>
+                </a:ln>
+                <a:solidFill>
+                  <a:schemeClr val="bg2">
+                    <a:lumMod val="10000"/>
+                  </a:schemeClr>
+                </a:solidFill>
+                <a:effectLst/>
+                <a:uLnTx/>
+                <a:uFillTx/>
+                <a:latin typeface="+mn-lt"/>
+                <a:ea typeface="+mn-ea"/>
+                <a:cs typeface="+mn-cs"/>
+              </a:rPr>
+              <a:pPr marL="0" marR="0" lvl="0" indent="0" algn="r" defTabSz="914400" rtl="0" eaLnBrk="1" fontAlgn="auto" latinLnBrk="0" hangingPunct="1">
+                <a:lnSpc>
+                  <a:spcPct val="100000"/>
+                </a:lnSpc>
+                <a:spcBef>
+                  <a:spcPts val="0"/>
+                </a:spcBef>
+                <a:spcAft>
+                  <a:spcPts val="0"/>
+                </a:spcAft>
+                <a:buClrTx/>
+                <a:buSzTx/>
+                <a:buFontTx/>
+                <a:buNone/>
+                <a:tabLst/>
+                <a:defRPr/>
+              </a:pPr>
+              <a:t>28</a:t>
+            </a:fld>
+            <a:endParaRPr kumimoji="0" lang="en-US" sz="1600" b="0" i="0" u="none" strike="noStrike" kern="1200" cap="none" spc="0" normalizeH="0" baseline="0" noProof="0" dirty="0">
+              <a:ln>
+                <a:noFill/>
+              </a:ln>
+              <a:solidFill>
+                <a:schemeClr val="bg2">
+                  <a:lumMod val="10000"/>
+                </a:schemeClr>
+              </a:solidFill>
+              <a:effectLst/>
+              <a:uLnTx/>
+              <a:uFillTx/>
+              <a:latin typeface="+mn-lt"/>
+              <a:ea typeface="+mn-ea"/>
+              <a:cs typeface="+mn-cs"/>
+            </a:endParaRPr>
+          </a:p>
+        </p:txBody>
+      </p:sp>
+      <p:sp>
+        <p:nvSpPr>
+          <p:cNvPr id="6" name="Content Placeholder 5"/>
+          <p:cNvSpPr>
+            <a:spLocks noGrp="1"/>
+          </p:cNvSpPr>
+          <p:nvPr>
+            <p:ph idx="1"/>
+          </p:nvPr>
+        </p:nvSpPr>
+        <p:spPr>
+          <a:xfrm>
+            <a:off x="457200" y="5638800"/>
+            <a:ext cx="8229600" cy="368491"/>
+          </a:xfrm>
+        </p:spPr>
+        <p:txBody>
+          <a:bodyPr>
+            <a:normAutofit fontScale="62500" lnSpcReduction="20000"/>
+          </a:bodyPr>
+          <a:lstStyle/>
+          <a:p>
+            <a:pPr>
+              <a:buNone/>
+            </a:pPr>
+            <a:r>
+              <a:rPr lang="en-US" b="1" dirty="0"/>
+              <a:t>Figure 12. Service collaboration in SOA: the ‘find, bind and invoke’ cycle</a:t>
+            </a:r>
+          </a:p>
+          <a:p>
+            <a:pPr>
+              <a:buNone/>
+            </a:pPr>
+            <a:endParaRPr lang="en-US" dirty="0"/>
+          </a:p>
+        </p:txBody>
+      </p:sp>
+      <p:pic>
+        <p:nvPicPr>
+          <p:cNvPr id="96258" name="Picture 2"/>
+          <p:cNvPicPr>
+            <a:picLocks noChangeAspect="1" noChangeArrowheads="1"/>
+          </p:cNvPicPr>
+          <p:nvPr/>
+        </p:nvPicPr>
+        <p:blipFill>
+          <a:blip r:embed="rId2" cstate="print"/>
+          <a:srcRect/>
+          <a:stretch>
+            <a:fillRect/>
+          </a:stretch>
+        </p:blipFill>
+        <p:spPr bwMode="auto">
+          <a:xfrm>
+            <a:off x="433284" y="609600"/>
+            <a:ext cx="7972426" cy="4724400"/>
+          </a:xfrm>
+          <a:prstGeom prst="rect">
+            <a:avLst/>
+          </a:prstGeom>
+          <a:noFill/>
+          <a:ln w="9525">
+            <a:noFill/>
+            <a:miter lim="800000"/>
+            <a:headEnd/>
+            <a:tailEnd/>
+          </a:ln>
+        </p:spPr>
+      </p:pic>
+    </p:spTree>
+    <p:extLst>
+      <p:ext uri="{BB962C8B-B14F-4D97-AF65-F5344CB8AC3E}">
+        <p14:creationId xmlns:p14="http://schemas.microsoft.com/office/powerpoint/2010/main" val="3996303745"/>
+      </p:ext>
+    </p:extLst>
+  </p:cSld>
+  <p:clrMapOvr>
+    <a:masterClrMapping/>
+  </p:clrMapOvr>
+</p:sld>
+</file>
+
 <file path=ppt/slides/slide3.xml><?xml version="1.0" encoding="utf-8"?>
 <p:sld xmlns:a="http://schemas.openxmlformats.org/drawingml/2006/main" xmlns:r="http://schemas.openxmlformats.org/officeDocument/2006/relationships" xmlns:p="http://schemas.openxmlformats.org/presentationml/2006/main">
   <p:cSld>
@@ -28296,8 +27718,8 @@
         </p:nvSpPr>
         <p:spPr>
           <a:xfrm>
-            <a:off x="228600" y="1295400"/>
-            <a:ext cx="8686800" cy="4711891"/>
+            <a:off x="228600" y="1219200"/>
+            <a:ext cx="8686800" cy="5029200"/>
           </a:xfrm>
         </p:spPr>
         <p:txBody>
@@ -28306,37 +27728,38 @@
           </a:bodyPr>
           <a:lstStyle/>
           <a:p>
-            <a:pPr marL="624078" indent="-514350">
-              <a:buFont typeface="+mj-lt"/>
-              <a:buAutoNum type="alphaUcPeriod"/>
-            </a:pPr>
-            <a:r>
-              <a:rPr lang="en-US" sz="3200" b="1" dirty="0"/>
-              <a:t>Architectural design  patterns and product lines.</a:t>
-            </a:r>
-          </a:p>
-          <a:p>
-            <a:pPr marL="624078" indent="-514350">
-              <a:buFont typeface="+mj-lt"/>
-              <a:buAutoNum type="alphaUcPeriod"/>
-            </a:pPr>
-            <a:r>
-              <a:rPr lang="en-US" sz="3200" b="1" dirty="0"/>
-              <a:t>Design patterns.</a:t>
-            </a:r>
-          </a:p>
-          <a:p>
-            <a:pPr marL="624078" indent="-514350">
-              <a:buFont typeface="+mj-lt"/>
-              <a:buAutoNum type="alphaUcPeriod"/>
-            </a:pPr>
-            <a:r>
-              <a:rPr lang="en-US" sz="3200" b="1" dirty="0"/>
-              <a:t>Service-oriented architectures.</a:t>
-            </a:r>
-          </a:p>
-          <a:p>
-            <a:endParaRPr lang="en-US" sz="3200" b="1" dirty="0"/>
+            <a:r>
+              <a:rPr lang="en-US" sz="3600" b="1" dirty="0">
+                <a:solidFill>
+                  <a:srgbClr val="FF0000"/>
+                </a:solidFill>
+              </a:rPr>
+              <a:t>Architectural patterns</a:t>
+            </a:r>
+            <a:r>
+              <a:rPr lang="en-US" sz="3600" dirty="0">
+                <a:solidFill>
+                  <a:srgbClr val="FF0000"/>
+                </a:solidFill>
+              </a:rPr>
+              <a:t> </a:t>
+            </a:r>
+            <a:r>
+              <a:rPr lang="en-US" sz="3600" dirty="0"/>
+              <a:t>(also known as </a:t>
+            </a:r>
+            <a:r>
+              <a:rPr lang="en-US" sz="3600" b="1" dirty="0">
+                <a:solidFill>
+                  <a:srgbClr val="FF0000"/>
+                </a:solidFill>
+              </a:rPr>
+              <a:t>architectural styles</a:t>
+            </a:r>
+            <a:r>
+              <a:rPr lang="en-US" sz="3600" dirty="0"/>
+              <a:t>) codify recurrent software architectures, by describing the key elements of the architecture and how they fit together. </a:t>
+            </a:r>
           </a:p>
         </p:txBody>
       </p:sp>
@@ -28350,16 +27773,21 @@
             <p:ph type="title"/>
           </p:nvPr>
         </p:nvSpPr>
-        <p:spPr/>
+        <p:spPr>
+          <a:xfrm>
+            <a:off x="228600" y="304800"/>
+            <a:ext cx="8915400" cy="762000"/>
+          </a:xfrm>
+        </p:spPr>
         <p:txBody>
           <a:bodyPr>
-            <a:normAutofit/>
+            <a:normAutofit fontScale="90000"/>
           </a:bodyPr>
           <a:lstStyle/>
           <a:p>
             <a:r>
-              <a:rPr lang="en-US" sz="4400" dirty="0"/>
-              <a:t>Lecture outline</a:t>
+              <a:rPr lang="en-US" sz="4000" dirty="0"/>
+              <a:t>A. Architectural design  patterns and product lines</a:t>
             </a:r>
           </a:p>
         </p:txBody>
@@ -28374,7 +27802,7 @@
         </p:nvSpPr>
         <p:spPr>
           <a:xfrm>
-            <a:off x="152400" y="6477000"/>
+            <a:off x="152400" y="6400800"/>
             <a:ext cx="2514600" cy="288925"/>
           </a:xfrm>
           <a:prstGeom prst="rect">
@@ -28413,7 +27841,9 @@
                 <a:effectLst/>
                 <a:uLnTx/>
                 <a:uFillTx/>
-                <a:latin typeface="Bell MT" pitchFamily="18" charset="0"/>
+                <a:latin typeface="Brush Script Std" pitchFamily="50" charset="0"/>
+                <a:ea typeface="+mn-ea"/>
+                <a:cs typeface="+mn-cs"/>
               </a:rPr>
               <a:t>Dr. Hussien M. Sharaf</a:t>
             </a:r>
@@ -28430,7 +27860,7 @@
         </p:nvSpPr>
         <p:spPr>
           <a:xfrm>
-            <a:off x="8153400" y="6534912"/>
+            <a:off x="8153400" y="6477000"/>
             <a:ext cx="758952" cy="246888"/>
           </a:xfrm>
           <a:prstGeom prst="rect">
@@ -28521,718 +27951,6 @@
 </p:sld>
 </file>
 
-<file path=ppt/slides/slide30.xml><?xml version="1.0" encoding="utf-8"?>
-<p:sld xmlns:a="http://schemas.openxmlformats.org/drawingml/2006/main" xmlns:r="http://schemas.openxmlformats.org/officeDocument/2006/relationships" xmlns:p="http://schemas.openxmlformats.org/presentationml/2006/main">
-  <p:cSld>
-    <p:spTree>
-      <p:nvGrpSpPr>
-        <p:cNvPr id="1" name=""/>
-        <p:cNvGrpSpPr/>
-        <p:nvPr/>
-      </p:nvGrpSpPr>
-      <p:grpSpPr>
-        <a:xfrm>
-          <a:off x="0" y="0"/>
-          <a:ext cx="0" cy="0"/>
-          <a:chOff x="0" y="0"/>
-          <a:chExt cx="0" cy="0"/>
-        </a:xfrm>
-      </p:grpSpPr>
-      <p:sp>
-        <p:nvSpPr>
-          <p:cNvPr id="2" name="Content Placeholder 1"/>
-          <p:cNvSpPr>
-            <a:spLocks noGrp="1"/>
-          </p:cNvSpPr>
-          <p:nvPr>
-            <p:ph idx="1"/>
-          </p:nvPr>
-        </p:nvSpPr>
-        <p:spPr>
-          <a:xfrm>
-            <a:off x="0" y="609600"/>
-            <a:ext cx="9080409" cy="5562599"/>
-          </a:xfrm>
-        </p:spPr>
-        <p:txBody>
-          <a:bodyPr>
-            <a:normAutofit/>
-          </a:bodyPr>
-          <a:lstStyle/>
-          <a:p>
-            <a:pPr lvl="0"/>
-            <a:r>
-              <a:rPr lang="en-US" sz="3600" b="1" dirty="0"/>
-              <a:t>Service-oriented architectures.</a:t>
-            </a:r>
-          </a:p>
-          <a:p>
-            <a:r>
-              <a:rPr lang="en-US" sz="2400" b="1" dirty="0"/>
-              <a:t>The characteristics of a service in SOA:</a:t>
-            </a:r>
-            <a:endParaRPr lang="en-US" sz="2400" dirty="0"/>
-          </a:p>
-          <a:p>
-            <a:pPr marL="566928" lvl="0" indent="-457200">
-              <a:buFont typeface="+mj-lt"/>
-              <a:buAutoNum type="arabicPeriod"/>
-            </a:pPr>
-            <a:r>
-              <a:rPr lang="en-US" sz="2400" dirty="0"/>
-              <a:t>A service is a self-contained and modular software entity. </a:t>
-            </a:r>
-          </a:p>
-          <a:p>
-            <a:pPr marL="566928" lvl="0" indent="-457200">
-              <a:buFont typeface="+mj-lt"/>
-              <a:buAutoNum type="arabicPeriod"/>
-            </a:pPr>
-            <a:r>
-              <a:rPr lang="en-US" sz="2400" dirty="0"/>
-              <a:t>It interacts with applications and other services through a loosely coupled, message-based communication model. </a:t>
-            </a:r>
-          </a:p>
-          <a:p>
-            <a:pPr marL="566928" lvl="0" indent="-457200">
-              <a:buFont typeface="+mj-lt"/>
-              <a:buAutoNum type="arabicPeriod"/>
-            </a:pPr>
-            <a:r>
-              <a:rPr lang="en-US" sz="2400" dirty="0"/>
-              <a:t>It supports interoperability through reliance on communication standards. </a:t>
-            </a:r>
-          </a:p>
-          <a:p>
-            <a:pPr marL="566928" lvl="0" indent="-457200">
-              <a:buFont typeface="+mj-lt"/>
-              <a:buAutoNum type="arabicPeriod"/>
-            </a:pPr>
-            <a:r>
-              <a:rPr lang="en-US" sz="2400" dirty="0"/>
-              <a:t>It can be found by its consumers through a registry; hence its location is transparent to them.</a:t>
-            </a:r>
-          </a:p>
-        </p:txBody>
-      </p:sp>
-      <p:sp>
-        <p:nvSpPr>
-          <p:cNvPr id="4" name="Date Placeholder 3"/>
-          <p:cNvSpPr txBox="1">
-            <a:spLocks/>
-          </p:cNvSpPr>
-          <p:nvPr/>
-        </p:nvSpPr>
-        <p:spPr>
-          <a:xfrm>
-            <a:off x="0" y="6400800"/>
-            <a:ext cx="2514600" cy="288925"/>
-          </a:xfrm>
-          <a:prstGeom prst="rect">
-            <a:avLst/>
-          </a:prstGeom>
-        </p:spPr>
-        <p:txBody>
-          <a:bodyPr vert="horz"/>
-          <a:lstStyle/>
-          <a:p>
-            <a:pPr marL="0" marR="0" lvl="0" indent="0" algn="l" defTabSz="914400" rtl="0" eaLnBrk="1" fontAlgn="auto" latinLnBrk="0" hangingPunct="1">
-              <a:lnSpc>
-                <a:spcPct val="100000"/>
-              </a:lnSpc>
-              <a:spcBef>
-                <a:spcPts val="0"/>
-              </a:spcBef>
-              <a:spcAft>
-                <a:spcPts val="0"/>
-              </a:spcAft>
-              <a:buClrTx/>
-              <a:buSzTx/>
-              <a:buFontTx/>
-              <a:buNone/>
-              <a:tabLst/>
-              <a:defRPr/>
-            </a:pPr>
-            <a:r>
-              <a:rPr kumimoji="0" lang="en-US" sz="1600" b="0" i="0" u="none" strike="noStrike" kern="1200" cap="none" spc="0" normalizeH="0" baseline="0" noProof="0" dirty="0">
-                <a:ln>
-                  <a:noFill/>
-                </a:ln>
-                <a:solidFill>
-                  <a:srgbClr val="FFC000"/>
-                </a:solidFill>
-                <a:effectLst/>
-                <a:uLnTx/>
-                <a:uFillTx/>
-                <a:latin typeface="Book Antiqua" pitchFamily="18" charset="0"/>
-              </a:rPr>
-              <a:t>Dr. Hussien M. Sharaf</a:t>
-            </a:r>
-          </a:p>
-        </p:txBody>
-      </p:sp>
-      <p:sp>
-        <p:nvSpPr>
-          <p:cNvPr id="5" name="Slide Number Placeholder 4"/>
-          <p:cNvSpPr txBox="1">
-            <a:spLocks/>
-          </p:cNvSpPr>
-          <p:nvPr/>
-        </p:nvSpPr>
-        <p:spPr>
-          <a:xfrm>
-            <a:off x="8153400" y="6461125"/>
-            <a:ext cx="758952" cy="246888"/>
-          </a:xfrm>
-          <a:prstGeom prst="rect">
-            <a:avLst/>
-          </a:prstGeom>
-        </p:spPr>
-        <p:txBody>
-          <a:bodyPr/>
-          <a:lstStyle/>
-          <a:p>
-            <a:pPr marL="0" marR="0" lvl="0" indent="0" algn="r" defTabSz="914400" rtl="0" eaLnBrk="1" fontAlgn="auto" latinLnBrk="0" hangingPunct="1">
-              <a:lnSpc>
-                <a:spcPct val="100000"/>
-              </a:lnSpc>
-              <a:spcBef>
-                <a:spcPts val="0"/>
-              </a:spcBef>
-              <a:spcAft>
-                <a:spcPts val="0"/>
-              </a:spcAft>
-              <a:buClrTx/>
-              <a:buSzTx/>
-              <a:buFontTx/>
-              <a:buNone/>
-              <a:tabLst/>
-              <a:defRPr/>
-            </a:pPr>
-            <a:fld id="{B6F15528-21DE-4FAA-801E-634DDDAF4B2B}" type="slidenum">
-              <a:rPr kumimoji="0" lang="en-US" sz="1600" b="0" i="0" u="none" strike="noStrike" kern="1200" cap="none" spc="0" normalizeH="0" baseline="0" noProof="0" smtClean="0">
-                <a:ln>
-                  <a:noFill/>
-                </a:ln>
-                <a:solidFill>
-                  <a:schemeClr val="bg2">
-                    <a:lumMod val="10000"/>
-                  </a:schemeClr>
-                </a:solidFill>
-                <a:effectLst/>
-                <a:uLnTx/>
-                <a:uFillTx/>
-                <a:latin typeface="+mn-lt"/>
-                <a:ea typeface="+mn-ea"/>
-                <a:cs typeface="+mn-cs"/>
-              </a:rPr>
-              <a:pPr marL="0" marR="0" lvl="0" indent="0" algn="r" defTabSz="914400" rtl="0" eaLnBrk="1" fontAlgn="auto" latinLnBrk="0" hangingPunct="1">
-                <a:lnSpc>
-                  <a:spcPct val="100000"/>
-                </a:lnSpc>
-                <a:spcBef>
-                  <a:spcPts val="0"/>
-                </a:spcBef>
-                <a:spcAft>
-                  <a:spcPts val="0"/>
-                </a:spcAft>
-                <a:buClrTx/>
-                <a:buSzTx/>
-                <a:buFontTx/>
-                <a:buNone/>
-                <a:tabLst/>
-                <a:defRPr/>
-              </a:pPr>
-              <a:t>30</a:t>
-            </a:fld>
-            <a:endParaRPr kumimoji="0" lang="en-US" sz="1600" b="0" i="0" u="none" strike="noStrike" kern="1200" cap="none" spc="0" normalizeH="0" baseline="0" noProof="0" dirty="0">
-              <a:ln>
-                <a:noFill/>
-              </a:ln>
-              <a:solidFill>
-                <a:schemeClr val="bg2">
-                  <a:lumMod val="10000"/>
-                </a:schemeClr>
-              </a:solidFill>
-              <a:effectLst/>
-              <a:uLnTx/>
-              <a:uFillTx/>
-              <a:latin typeface="+mn-lt"/>
-              <a:ea typeface="+mn-ea"/>
-              <a:cs typeface="+mn-cs"/>
-            </a:endParaRPr>
-          </a:p>
-        </p:txBody>
-      </p:sp>
-      <p:sp>
-        <p:nvSpPr>
-          <p:cNvPr id="8" name="Title 2">
-            <a:extLst>
-              <a:ext uri="{FF2B5EF4-FFF2-40B4-BE49-F238E27FC236}">
-                <a16:creationId xmlns:a16="http://schemas.microsoft.com/office/drawing/2014/main" id="{2067506E-B311-6269-52B7-157BA6B04304}"/>
-              </a:ext>
-            </a:extLst>
-          </p:cNvPr>
-          <p:cNvSpPr txBox="1">
-            <a:spLocks/>
-          </p:cNvSpPr>
-          <p:nvPr/>
-        </p:nvSpPr>
-        <p:spPr>
-          <a:xfrm>
-            <a:off x="457200" y="0"/>
-            <a:ext cx="8229600" cy="715962"/>
-          </a:xfrm>
-          <a:prstGeom prst="rect">
-            <a:avLst/>
-          </a:prstGeom>
-        </p:spPr>
-        <p:txBody>
-          <a:bodyPr vert="horz" rtlCol="0" anchor="ctr">
-            <a:noAutofit/>
-            <a:scene3d>
-              <a:camera prst="orthographicFront"/>
-              <a:lightRig rig="soft" dir="t"/>
-            </a:scene3d>
-            <a:sp3d prstMaterial="softEdge">
-              <a:bevelT w="25400" h="25400"/>
-            </a:sp3d>
-          </a:bodyPr>
-          <a:lstStyle>
-            <a:lvl1pPr algn="l" rtl="0" eaLnBrk="1" latinLnBrk="0" hangingPunct="1">
-              <a:spcBef>
-                <a:spcPct val="0"/>
-              </a:spcBef>
-              <a:buNone/>
-              <a:defRPr kumimoji="0" sz="4100" b="1" kern="1200">
-                <a:solidFill>
-                  <a:schemeClr val="tx2"/>
-                </a:solidFill>
-                <a:effectLst>
-                  <a:outerShdw blurRad="31750" dist="25400" dir="5400000" algn="tl" rotWithShape="0">
-                    <a:srgbClr val="000000">
-                      <a:alpha val="25000"/>
-                    </a:srgbClr>
-                  </a:outerShdw>
-                </a:effectLst>
-                <a:latin typeface="+mj-lt"/>
-                <a:ea typeface="+mj-ea"/>
-                <a:cs typeface="+mj-cs"/>
-              </a:defRPr>
-            </a:lvl1pPr>
-            <a:extLst/>
-          </a:lstStyle>
-          <a:p>
-            <a:r>
-              <a:rPr lang="en-US" sz="2400"/>
-              <a:t>3. Service-oriented architectures</a:t>
-            </a:r>
-            <a:endParaRPr lang="en-US" sz="2400" b="0" dirty="0"/>
-          </a:p>
-        </p:txBody>
-      </p:sp>
-    </p:spTree>
-    <p:extLst>
-      <p:ext uri="{BB962C8B-B14F-4D97-AF65-F5344CB8AC3E}">
-        <p14:creationId xmlns:p14="http://schemas.microsoft.com/office/powerpoint/2010/main" val="2066353069"/>
-      </p:ext>
-    </p:extLst>
-  </p:cSld>
-  <p:clrMapOvr>
-    <a:masterClrMapping/>
-  </p:clrMapOvr>
-</p:sld>
-</file>
-
-<file path=ppt/slides/slide31.xml><?xml version="1.0" encoding="utf-8"?>
-<p:sld xmlns:a="http://schemas.openxmlformats.org/drawingml/2006/main" xmlns:r="http://schemas.openxmlformats.org/officeDocument/2006/relationships" xmlns:p="http://schemas.openxmlformats.org/presentationml/2006/main">
-  <p:cSld>
-    <p:spTree>
-      <p:nvGrpSpPr>
-        <p:cNvPr id="1" name=""/>
-        <p:cNvGrpSpPr/>
-        <p:nvPr/>
-      </p:nvGrpSpPr>
-      <p:grpSpPr>
-        <a:xfrm>
-          <a:off x="0" y="0"/>
-          <a:ext cx="0" cy="0"/>
-          <a:chOff x="0" y="0"/>
-          <a:chExt cx="0" cy="0"/>
-        </a:xfrm>
-      </p:grpSpPr>
-      <p:sp>
-        <p:nvSpPr>
-          <p:cNvPr id="3" name="Title 2"/>
-          <p:cNvSpPr>
-            <a:spLocks noGrp="1"/>
-          </p:cNvSpPr>
-          <p:nvPr>
-            <p:ph type="title"/>
-          </p:nvPr>
-        </p:nvSpPr>
-        <p:spPr>
-          <a:xfrm>
-            <a:off x="457200" y="0"/>
-            <a:ext cx="8229600" cy="715962"/>
-          </a:xfrm>
-        </p:spPr>
-        <p:txBody>
-          <a:bodyPr>
-            <a:noAutofit/>
-          </a:bodyPr>
-          <a:lstStyle/>
-          <a:p>
-            <a:r>
-              <a:rPr lang="en-US" sz="2400" dirty="0"/>
-              <a:t>Enterprise components and architectures </a:t>
-            </a:r>
-            <a:r>
-              <a:rPr lang="en-US" sz="2400" b="0" dirty="0">
-                <a:effectLst/>
-              </a:rPr>
-              <a:t>(Cont.)</a:t>
-            </a:r>
-            <a:endParaRPr lang="en-US" sz="2400" b="0" dirty="0"/>
-          </a:p>
-        </p:txBody>
-      </p:sp>
-      <p:sp>
-        <p:nvSpPr>
-          <p:cNvPr id="4" name="Date Placeholder 3"/>
-          <p:cNvSpPr txBox="1">
-            <a:spLocks/>
-          </p:cNvSpPr>
-          <p:nvPr/>
-        </p:nvSpPr>
-        <p:spPr>
-          <a:xfrm>
-            <a:off x="0" y="6400800"/>
-            <a:ext cx="2514600" cy="288925"/>
-          </a:xfrm>
-          <a:prstGeom prst="rect">
-            <a:avLst/>
-          </a:prstGeom>
-        </p:spPr>
-        <p:txBody>
-          <a:bodyPr vert="horz"/>
-          <a:lstStyle/>
-          <a:p>
-            <a:pPr marL="0" marR="0" lvl="0" indent="0" algn="l" defTabSz="914400" rtl="0" eaLnBrk="1" fontAlgn="auto" latinLnBrk="0" hangingPunct="1">
-              <a:lnSpc>
-                <a:spcPct val="100000"/>
-              </a:lnSpc>
-              <a:spcBef>
-                <a:spcPts val="0"/>
-              </a:spcBef>
-              <a:spcAft>
-                <a:spcPts val="0"/>
-              </a:spcAft>
-              <a:buClrTx/>
-              <a:buSzTx/>
-              <a:buFontTx/>
-              <a:buNone/>
-              <a:tabLst/>
-              <a:defRPr/>
-            </a:pPr>
-            <a:r>
-              <a:rPr kumimoji="0" lang="en-US" sz="1600" b="0" i="0" u="none" strike="noStrike" kern="1200" cap="none" spc="0" normalizeH="0" baseline="0" noProof="0" dirty="0">
-                <a:ln>
-                  <a:noFill/>
-                </a:ln>
-                <a:solidFill>
-                  <a:srgbClr val="FFC000"/>
-                </a:solidFill>
-                <a:effectLst/>
-                <a:uLnTx/>
-                <a:uFillTx/>
-                <a:latin typeface="Book Antiqua" pitchFamily="18" charset="0"/>
-              </a:rPr>
-              <a:t>Dr. Hussien M. Sharaf</a:t>
-            </a:r>
-          </a:p>
-        </p:txBody>
-      </p:sp>
-      <p:sp>
-        <p:nvSpPr>
-          <p:cNvPr id="5" name="Slide Number Placeholder 4"/>
-          <p:cNvSpPr txBox="1">
-            <a:spLocks/>
-          </p:cNvSpPr>
-          <p:nvPr/>
-        </p:nvSpPr>
-        <p:spPr>
-          <a:xfrm>
-            <a:off x="8153400" y="6461125"/>
-            <a:ext cx="758952" cy="246888"/>
-          </a:xfrm>
-          <a:prstGeom prst="rect">
-            <a:avLst/>
-          </a:prstGeom>
-        </p:spPr>
-        <p:txBody>
-          <a:bodyPr/>
-          <a:lstStyle/>
-          <a:p>
-            <a:pPr marL="0" marR="0" lvl="0" indent="0" algn="r" defTabSz="914400" rtl="0" eaLnBrk="1" fontAlgn="auto" latinLnBrk="0" hangingPunct="1">
-              <a:lnSpc>
-                <a:spcPct val="100000"/>
-              </a:lnSpc>
-              <a:spcBef>
-                <a:spcPts val="0"/>
-              </a:spcBef>
-              <a:spcAft>
-                <a:spcPts val="0"/>
-              </a:spcAft>
-              <a:buClrTx/>
-              <a:buSzTx/>
-              <a:buFontTx/>
-              <a:buNone/>
-              <a:tabLst/>
-              <a:defRPr/>
-            </a:pPr>
-            <a:fld id="{B6F15528-21DE-4FAA-801E-634DDDAF4B2B}" type="slidenum">
-              <a:rPr kumimoji="0" lang="en-US" sz="1600" b="0" i="0" u="none" strike="noStrike" kern="1200" cap="none" spc="0" normalizeH="0" baseline="0" noProof="0" smtClean="0">
-                <a:ln>
-                  <a:noFill/>
-                </a:ln>
-                <a:solidFill>
-                  <a:schemeClr val="bg2">
-                    <a:lumMod val="10000"/>
-                  </a:schemeClr>
-                </a:solidFill>
-                <a:effectLst/>
-                <a:uLnTx/>
-                <a:uFillTx/>
-                <a:latin typeface="+mn-lt"/>
-                <a:ea typeface="+mn-ea"/>
-                <a:cs typeface="+mn-cs"/>
-              </a:rPr>
-              <a:pPr marL="0" marR="0" lvl="0" indent="0" algn="r" defTabSz="914400" rtl="0" eaLnBrk="1" fontAlgn="auto" latinLnBrk="0" hangingPunct="1">
-                <a:lnSpc>
-                  <a:spcPct val="100000"/>
-                </a:lnSpc>
-                <a:spcBef>
-                  <a:spcPts val="0"/>
-                </a:spcBef>
-                <a:spcAft>
-                  <a:spcPts val="0"/>
-                </a:spcAft>
-                <a:buClrTx/>
-                <a:buSzTx/>
-                <a:buFontTx/>
-                <a:buNone/>
-                <a:tabLst/>
-                <a:defRPr/>
-              </a:pPr>
-              <a:t>31</a:t>
-            </a:fld>
-            <a:endParaRPr kumimoji="0" lang="en-US" sz="1600" b="0" i="0" u="none" strike="noStrike" kern="1200" cap="none" spc="0" normalizeH="0" baseline="0" noProof="0" dirty="0">
-              <a:ln>
-                <a:noFill/>
-              </a:ln>
-              <a:solidFill>
-                <a:schemeClr val="bg2">
-                  <a:lumMod val="10000"/>
-                </a:schemeClr>
-              </a:solidFill>
-              <a:effectLst/>
-              <a:uLnTx/>
-              <a:uFillTx/>
-              <a:latin typeface="+mn-lt"/>
-              <a:ea typeface="+mn-ea"/>
-              <a:cs typeface="+mn-cs"/>
-            </a:endParaRPr>
-          </a:p>
-        </p:txBody>
-      </p:sp>
-      <p:sp>
-        <p:nvSpPr>
-          <p:cNvPr id="6" name="Content Placeholder 5"/>
-          <p:cNvSpPr>
-            <a:spLocks noGrp="1"/>
-          </p:cNvSpPr>
-          <p:nvPr>
-            <p:ph idx="1"/>
-          </p:nvPr>
-        </p:nvSpPr>
-        <p:spPr>
-          <a:xfrm>
-            <a:off x="457200" y="5638800"/>
-            <a:ext cx="8229600" cy="368491"/>
-          </a:xfrm>
-        </p:spPr>
-        <p:txBody>
-          <a:bodyPr>
-            <a:normAutofit fontScale="62500" lnSpcReduction="20000"/>
-          </a:bodyPr>
-          <a:lstStyle/>
-          <a:p>
-            <a:pPr>
-              <a:buNone/>
-            </a:pPr>
-            <a:r>
-              <a:rPr lang="en-US" b="1" dirty="0"/>
-              <a:t>Figure 12. Service collaboration in SOA: the ‘find, bind and invoke’ cycle</a:t>
-            </a:r>
-          </a:p>
-          <a:p>
-            <a:pPr>
-              <a:buNone/>
-            </a:pPr>
-            <a:endParaRPr lang="en-US" dirty="0"/>
-          </a:p>
-        </p:txBody>
-      </p:sp>
-      <p:pic>
-        <p:nvPicPr>
-          <p:cNvPr id="96258" name="Picture 2"/>
-          <p:cNvPicPr>
-            <a:picLocks noChangeAspect="1" noChangeArrowheads="1"/>
-          </p:cNvPicPr>
-          <p:nvPr/>
-        </p:nvPicPr>
-        <p:blipFill>
-          <a:blip r:embed="rId2" cstate="print"/>
-          <a:srcRect/>
-          <a:stretch>
-            <a:fillRect/>
-          </a:stretch>
-        </p:blipFill>
-        <p:spPr bwMode="auto">
-          <a:xfrm>
-            <a:off x="433284" y="609600"/>
-            <a:ext cx="7972426" cy="4724400"/>
-          </a:xfrm>
-          <a:prstGeom prst="rect">
-            <a:avLst/>
-          </a:prstGeom>
-          <a:noFill/>
-          <a:ln w="9525">
-            <a:noFill/>
-            <a:miter lim="800000"/>
-            <a:headEnd/>
-            <a:tailEnd/>
-          </a:ln>
-        </p:spPr>
-      </p:pic>
-    </p:spTree>
-    <p:extLst>
-      <p:ext uri="{BB962C8B-B14F-4D97-AF65-F5344CB8AC3E}">
-        <p14:creationId xmlns:p14="http://schemas.microsoft.com/office/powerpoint/2010/main" val="3996303745"/>
-      </p:ext>
-    </p:extLst>
-  </p:cSld>
-  <p:clrMapOvr>
-    <a:masterClrMapping/>
-  </p:clrMapOvr>
-</p:sld>
-</file>
-
-<file path=ppt/slides/slide32.xml><?xml version="1.0" encoding="utf-8"?>
-<p:sld xmlns:a="http://schemas.openxmlformats.org/drawingml/2006/main" xmlns:r="http://schemas.openxmlformats.org/officeDocument/2006/relationships" xmlns:p="http://schemas.openxmlformats.org/presentationml/2006/main">
-  <p:cSld>
-    <p:spTree>
-      <p:nvGrpSpPr>
-        <p:cNvPr id="1" name=""/>
-        <p:cNvGrpSpPr/>
-        <p:nvPr/>
-      </p:nvGrpSpPr>
-      <p:grpSpPr>
-        <a:xfrm>
-          <a:off x="0" y="0"/>
-          <a:ext cx="0" cy="0"/>
-          <a:chOff x="0" y="0"/>
-          <a:chExt cx="0" cy="0"/>
-        </a:xfrm>
-      </p:grpSpPr>
-      <p:sp>
-        <p:nvSpPr>
-          <p:cNvPr id="4" name="Title 3"/>
-          <p:cNvSpPr>
-            <a:spLocks noGrp="1"/>
-          </p:cNvSpPr>
-          <p:nvPr>
-            <p:ph type="title"/>
-          </p:nvPr>
-        </p:nvSpPr>
-        <p:spPr>
-          <a:xfrm>
-            <a:off x="457200" y="2971800"/>
-            <a:ext cx="8229600" cy="1143000"/>
-          </a:xfrm>
-        </p:spPr>
-        <p:txBody>
-          <a:bodyPr/>
-          <a:lstStyle/>
-          <a:p>
-            <a:pPr algn="ctr"/>
-            <a:r>
-              <a:rPr lang="en-US" dirty="0">
-                <a:ln w="17780" cmpd="sng">
-                  <a:solidFill>
-                    <a:srgbClr val="FFFFFF"/>
-                  </a:solidFill>
-                  <a:prstDash val="solid"/>
-                  <a:miter lim="800000"/>
-                </a:ln>
-                <a:gradFill rotWithShape="1">
-                  <a:gsLst>
-                    <a:gs pos="0">
-                      <a:srgbClr val="000000">
-                        <a:tint val="92000"/>
-                        <a:shade val="100000"/>
-                        <a:satMod val="150000"/>
-                      </a:srgbClr>
-                    </a:gs>
-                    <a:gs pos="49000">
-                      <a:srgbClr val="000000">
-                        <a:tint val="89000"/>
-                        <a:shade val="90000"/>
-                        <a:satMod val="150000"/>
-                      </a:srgbClr>
-                    </a:gs>
-                    <a:gs pos="50000">
-                      <a:srgbClr val="000000">
-                        <a:tint val="100000"/>
-                        <a:shade val="75000"/>
-                        <a:satMod val="150000"/>
-                      </a:srgbClr>
-                    </a:gs>
-                    <a:gs pos="95000">
-                      <a:srgbClr val="000000">
-                        <a:shade val="47000"/>
-                        <a:satMod val="150000"/>
-                      </a:srgbClr>
-                    </a:gs>
-                    <a:gs pos="100000">
-                      <a:srgbClr val="000000">
-                        <a:shade val="39000"/>
-                        <a:satMod val="150000"/>
-                      </a:srgbClr>
-                    </a:gs>
-                  </a:gsLst>
-                  <a:lin ang="5400000"/>
-                </a:gradFill>
-                <a:effectLst>
-                  <a:outerShdw blurRad="50800" algn="tl" rotWithShape="0">
-                    <a:srgbClr val="000000"/>
-                  </a:outerShdw>
-                </a:effectLst>
-              </a:rPr>
-              <a:t>Thank you</a:t>
-            </a:r>
-          </a:p>
-        </p:txBody>
-      </p:sp>
-    </p:spTree>
-  </p:cSld>
-  <p:clrMapOvr>
-    <a:masterClrMapping/>
-  </p:clrMapOvr>
-</p:sld>
-</file>
-
 <file path=ppt/slides/slide4.xml><?xml version="1.0" encoding="utf-8"?>
 <p:sld xmlns:a="http://schemas.openxmlformats.org/drawingml/2006/main" xmlns:r="http://schemas.openxmlformats.org/officeDocument/2006/relationships" xmlns:p="http://schemas.openxmlformats.org/presentationml/2006/main">
   <p:cSld>
@@ -29262,48 +27980,57 @@
         </p:nvSpPr>
         <p:spPr>
           <a:xfrm>
-            <a:off x="228600" y="1219200"/>
-            <a:ext cx="8686800" cy="5029200"/>
+            <a:off x="228600" y="609600"/>
+            <a:ext cx="8915400" cy="5486400"/>
           </a:xfrm>
         </p:spPr>
         <p:txBody>
           <a:bodyPr>
-            <a:normAutofit/>
+            <a:noAutofit/>
           </a:bodyPr>
           <a:lstStyle/>
           <a:p>
-            <a:r>
-              <a:rPr lang="en-US" sz="3600" b="1" dirty="0">
+            <a:pPr>
+              <a:lnSpc>
+                <a:spcPct val="110000"/>
+              </a:lnSpc>
+            </a:pPr>
+            <a:r>
+              <a:rPr lang="en-US" sz="2400" dirty="0"/>
+              <a:t>A </a:t>
+            </a:r>
+            <a:r>
+              <a:rPr lang="en-US" sz="2400" b="1" dirty="0">
                 <a:solidFill>
                   <a:srgbClr val="FF0000"/>
                 </a:solidFill>
               </a:rPr>
-              <a:t>Architectural patterns</a:t>
-            </a:r>
-            <a:r>
-              <a:rPr lang="en-US" sz="3600" dirty="0">
+              <a:t>software  architecture </a:t>
+            </a:r>
+            <a:r>
+              <a:rPr lang="en-US" sz="2400" dirty="0"/>
+              <a:t>refers to the </a:t>
+            </a:r>
+            <a:r>
+              <a:rPr lang="en-US" sz="2400" dirty="0">
                 <a:solidFill>
                   <a:srgbClr val="FF0000"/>
                 </a:solidFill>
               </a:rPr>
-              <a:t> </a:t>
-            </a:r>
-            <a:r>
-              <a:rPr lang="en-US" sz="3600" dirty="0"/>
-              <a:t>(also known as </a:t>
-            </a:r>
-            <a:r>
-              <a:rPr lang="en-US" sz="3600" b="1" dirty="0">
-                <a:solidFill>
-                  <a:srgbClr val="FF0000"/>
-                </a:solidFill>
-              </a:rPr>
-              <a:t>architectural styles</a:t>
-            </a:r>
-            <a:r>
-              <a:rPr lang="en-US" sz="3600" dirty="0"/>
-              <a:t>) codify recurrent software architectures, by describing the key elements of the architecture and how they fit together. </a:t>
-            </a:r>
+              <a:t>broad structure of a software  system,</a:t>
+            </a:r>
+            <a:r>
+              <a:rPr lang="en-US" sz="2400" dirty="0"/>
+              <a:t> it describes its major parts, and  how they are put together and  interact. </a:t>
+            </a:r>
+          </a:p>
+          <a:p>
+            <a:pPr>
+              <a:lnSpc>
+                <a:spcPct val="120000"/>
+              </a:lnSpc>
+            </a:pPr>
+            <a:endParaRPr lang="en-US" sz="2800" dirty="0"/>
           </a:p>
         </p:txBody>
       </p:sp>
@@ -29319,19 +28046,19 @@
         </p:nvSpPr>
         <p:spPr>
           <a:xfrm>
-            <a:off x="228600" y="304800"/>
-            <a:ext cx="8915400" cy="762000"/>
+            <a:off x="228600" y="0"/>
+            <a:ext cx="8915400" cy="609600"/>
           </a:xfrm>
         </p:spPr>
         <p:txBody>
           <a:bodyPr>
-            <a:normAutofit fontScale="90000"/>
+            <a:noAutofit/>
           </a:bodyPr>
           <a:lstStyle/>
           <a:p>
             <a:r>
               <a:rPr lang="en-US" sz="4000" dirty="0"/>
-              <a:t>A. Architectural design  patterns and product lines</a:t>
+              <a:t>Software architectures</a:t>
             </a:r>
           </a:p>
         </p:txBody>
@@ -29530,30 +28257,43 @@
         </p:spPr>
         <p:txBody>
           <a:bodyPr>
-            <a:noAutofit/>
+            <a:normAutofit fontScale="92500"/>
           </a:bodyPr>
           <a:lstStyle/>
           <a:p>
             <a:pPr>
               <a:lnSpc>
-                <a:spcPct val="110000"/>
+                <a:spcPct val="120000"/>
               </a:lnSpc>
             </a:pPr>
             <a:r>
-              <a:rPr lang="en-US" sz="2400" dirty="0"/>
-              <a:t>A </a:t>
-            </a:r>
+              <a:rPr lang="en-US" sz="2800" b="1" dirty="0">
+                <a:solidFill>
+                  <a:srgbClr val="FF0000"/>
+                </a:solidFill>
+              </a:rPr>
+              <a:t>Some of the architectural views are:</a:t>
+            </a:r>
+            <a:endParaRPr lang="en-US" sz="3600" dirty="0">
+              <a:solidFill>
+                <a:srgbClr val="FF0000"/>
+              </a:solidFill>
+            </a:endParaRPr>
+          </a:p>
+          <a:p>
+            <a:pPr marL="393192" lvl="1" indent="0">
+              <a:lnSpc>
+                <a:spcPct val="120000"/>
+              </a:lnSpc>
+              <a:buNone/>
+            </a:pPr>
             <a:r>
               <a:rPr lang="en-US" sz="2400" b="1" dirty="0">
                 <a:solidFill>
                   <a:srgbClr val="FF0000"/>
                 </a:solidFill>
               </a:rPr>
-              <a:t>software  architecture </a:t>
-            </a:r>
-            <a:r>
-              <a:rPr lang="en-US" sz="2400" dirty="0"/>
-              <a:t>refers to the </a:t>
+              <a:t>1. The functional (or logical view)</a:t>
             </a:r>
             <a:r>
               <a:rPr lang="en-US" sz="2400" dirty="0">
@@ -29561,12 +28301,131 @@
                   <a:srgbClr val="FF0000"/>
                 </a:solidFill>
               </a:rPr>
-              <a:t>broad structure of a software  system,</a:t>
+              <a:t>, </a:t>
             </a:r>
             <a:r>
               <a:rPr lang="en-US" sz="2400" dirty="0"/>
-              <a:t> it describes its major parts, and  how they are put together and  interact. </a:t>
-            </a:r>
+              <a:t>it describes:</a:t>
+            </a:r>
+            <a:endParaRPr lang="en-US" sz="3200" dirty="0"/>
+          </a:p>
+          <a:p>
+            <a:pPr lvl="2">
+              <a:lnSpc>
+                <a:spcPct val="120000"/>
+              </a:lnSpc>
+            </a:pPr>
+            <a:r>
+              <a:rPr lang="en-US" sz="2200" dirty="0"/>
+              <a:t>the system’s main </a:t>
+            </a:r>
+            <a:r>
+              <a:rPr lang="en-US" sz="2400" dirty="0">
+                <a:solidFill>
+                  <a:srgbClr val="C00000"/>
+                </a:solidFill>
+              </a:rPr>
+              <a:t>basic services/functional</a:t>
+            </a:r>
+            <a:r>
+              <a:rPr lang="en-US" sz="2200" dirty="0"/>
+              <a:t> elements, </a:t>
+            </a:r>
+            <a:endParaRPr lang="en-US" sz="3000" dirty="0"/>
+          </a:p>
+          <a:p>
+            <a:pPr lvl="2">
+              <a:lnSpc>
+                <a:spcPct val="120000"/>
+              </a:lnSpc>
+            </a:pPr>
+            <a:r>
+              <a:rPr lang="en-US" sz="2200" dirty="0"/>
+              <a:t>their responsibilities, </a:t>
+            </a:r>
+            <a:endParaRPr lang="en-US" sz="3000" dirty="0"/>
+          </a:p>
+          <a:p>
+            <a:pPr lvl="2">
+              <a:lnSpc>
+                <a:spcPct val="120000"/>
+              </a:lnSpc>
+            </a:pPr>
+            <a:r>
+              <a:rPr lang="en-US" sz="2200" dirty="0"/>
+              <a:t>interfaces, </a:t>
+            </a:r>
+            <a:endParaRPr lang="en-US" sz="3000" dirty="0"/>
+          </a:p>
+          <a:p>
+            <a:pPr lvl="2">
+              <a:lnSpc>
+                <a:spcPct val="120000"/>
+              </a:lnSpc>
+            </a:pPr>
+            <a:r>
+              <a:rPr lang="en-US" sz="2200" dirty="0"/>
+              <a:t>and primary interactions. </a:t>
+            </a:r>
+            <a:endParaRPr lang="en-US" sz="3000" dirty="0"/>
+          </a:p>
+          <a:p>
+            <a:pPr marL="393192" lvl="1" indent="0">
+              <a:lnSpc>
+                <a:spcPct val="120000"/>
+              </a:lnSpc>
+              <a:buNone/>
+            </a:pPr>
+            <a:r>
+              <a:rPr lang="en-US" sz="2400" b="1" dirty="0">
+                <a:solidFill>
+                  <a:srgbClr val="FF0000"/>
+                </a:solidFill>
+              </a:rPr>
+              <a:t>2. The process view,</a:t>
+            </a:r>
+            <a:r>
+              <a:rPr lang="en-US" sz="2400" dirty="0">
+                <a:solidFill>
+                  <a:srgbClr val="FF0000"/>
+                </a:solidFill>
+              </a:rPr>
+              <a:t>  </a:t>
+            </a:r>
+            <a:r>
+              <a:rPr lang="en-US" sz="2400" dirty="0"/>
+              <a:t>addresses concurrent aspects of the system at run-time, all system processes, start-up and shut-down.</a:t>
+            </a:r>
+            <a:endParaRPr lang="en-US" sz="3200" dirty="0"/>
+          </a:p>
+          <a:p>
+            <a:pPr marL="393192" lvl="1" indent="0">
+              <a:lnSpc>
+                <a:spcPct val="120000"/>
+              </a:lnSpc>
+              <a:buNone/>
+            </a:pPr>
+            <a:r>
+              <a:rPr lang="en-US" sz="2400" b="1" dirty="0">
+                <a:solidFill>
+                  <a:srgbClr val="FF0000"/>
+                </a:solidFill>
+              </a:rPr>
+              <a:t>3. The deployment view</a:t>
+            </a:r>
+            <a:r>
+              <a:rPr lang="en-US" sz="2400" dirty="0">
+                <a:solidFill>
+                  <a:srgbClr val="FF0000"/>
+                </a:solidFill>
+              </a:rPr>
+              <a:t>, </a:t>
+            </a:r>
+            <a:r>
+              <a:rPr lang="en-US" sz="2400" dirty="0"/>
+              <a:t>maps the software elements onto the run-time, it describes the environment into which the system will be deployed, including processing nodes, network interconnections and disk storage facilities required; </a:t>
+            </a:r>
+            <a:endParaRPr lang="en-US" sz="3200" dirty="0"/>
           </a:p>
           <a:p>
             <a:pPr>
@@ -29574,7 +28433,7 @@
                 <a:spcPct val="120000"/>
               </a:lnSpc>
             </a:pPr>
-            <a:endParaRPr lang="en-US" sz="2800" dirty="0"/>
+            <a:endParaRPr lang="en-US" sz="2400" dirty="0"/>
           </a:p>
         </p:txBody>
       </p:sp>
@@ -29767,409 +28626,6 @@
 </file>
 
 <file path=ppt/slides/slide6.xml><?xml version="1.0" encoding="utf-8"?>
-<p:sld xmlns:a="http://schemas.openxmlformats.org/drawingml/2006/main" xmlns:r="http://schemas.openxmlformats.org/officeDocument/2006/relationships" xmlns:p="http://schemas.openxmlformats.org/presentationml/2006/main">
-  <p:cSld>
-    <p:spTree>
-      <p:nvGrpSpPr>
-        <p:cNvPr id="1" name=""/>
-        <p:cNvGrpSpPr/>
-        <p:nvPr/>
-      </p:nvGrpSpPr>
-      <p:grpSpPr>
-        <a:xfrm>
-          <a:off x="0" y="0"/>
-          <a:ext cx="0" cy="0"/>
-          <a:chOff x="0" y="0"/>
-          <a:chExt cx="0" cy="0"/>
-        </a:xfrm>
-      </p:grpSpPr>
-      <p:sp>
-        <p:nvSpPr>
-          <p:cNvPr id="2" name="Content Placeholder 1"/>
-          <p:cNvSpPr>
-            <a:spLocks noGrp="1"/>
-          </p:cNvSpPr>
-          <p:nvPr>
-            <p:ph idx="1"/>
-          </p:nvPr>
-        </p:nvSpPr>
-        <p:spPr>
-          <a:xfrm>
-            <a:off x="228600" y="609600"/>
-            <a:ext cx="8915400" cy="5486400"/>
-          </a:xfrm>
-        </p:spPr>
-        <p:txBody>
-          <a:bodyPr>
-            <a:normAutofit fontScale="92500"/>
-          </a:bodyPr>
-          <a:lstStyle/>
-          <a:p>
-            <a:pPr>
-              <a:lnSpc>
-                <a:spcPct val="120000"/>
-              </a:lnSpc>
-            </a:pPr>
-            <a:r>
-              <a:rPr lang="en-US" sz="2800" b="1" dirty="0">
-                <a:solidFill>
-                  <a:srgbClr val="FF0000"/>
-                </a:solidFill>
-              </a:rPr>
-              <a:t>Some of the architectural views are:</a:t>
-            </a:r>
-            <a:endParaRPr lang="en-US" sz="3600" dirty="0">
-              <a:solidFill>
-                <a:srgbClr val="FF0000"/>
-              </a:solidFill>
-            </a:endParaRPr>
-          </a:p>
-          <a:p>
-            <a:pPr marL="393192" lvl="1" indent="0">
-              <a:lnSpc>
-                <a:spcPct val="120000"/>
-              </a:lnSpc>
-              <a:buNone/>
-            </a:pPr>
-            <a:r>
-              <a:rPr lang="en-US" sz="2400" b="1" dirty="0">
-                <a:solidFill>
-                  <a:srgbClr val="FF0000"/>
-                </a:solidFill>
-              </a:rPr>
-              <a:t>1. The functional (or logical view)</a:t>
-            </a:r>
-            <a:r>
-              <a:rPr lang="en-US" sz="2400" dirty="0">
-                <a:solidFill>
-                  <a:srgbClr val="FF0000"/>
-                </a:solidFill>
-              </a:rPr>
-              <a:t>, </a:t>
-            </a:r>
-            <a:r>
-              <a:rPr lang="en-US" sz="2400" dirty="0"/>
-              <a:t>it describes:</a:t>
-            </a:r>
-            <a:endParaRPr lang="en-US" sz="3200" dirty="0"/>
-          </a:p>
-          <a:p>
-            <a:pPr lvl="2">
-              <a:lnSpc>
-                <a:spcPct val="120000"/>
-              </a:lnSpc>
-            </a:pPr>
-            <a:r>
-              <a:rPr lang="en-US" sz="2200" dirty="0"/>
-              <a:t>the system’s main </a:t>
-            </a:r>
-            <a:r>
-              <a:rPr lang="en-US" sz="2400" dirty="0">
-                <a:solidFill>
-                  <a:srgbClr val="C00000"/>
-                </a:solidFill>
-              </a:rPr>
-              <a:t>basic services/functional</a:t>
-            </a:r>
-            <a:r>
-              <a:rPr lang="en-US" sz="2200" dirty="0"/>
-              <a:t> elements, </a:t>
-            </a:r>
-            <a:endParaRPr lang="en-US" sz="3000" dirty="0"/>
-          </a:p>
-          <a:p>
-            <a:pPr lvl="2">
-              <a:lnSpc>
-                <a:spcPct val="120000"/>
-              </a:lnSpc>
-            </a:pPr>
-            <a:r>
-              <a:rPr lang="en-US" sz="2200" dirty="0"/>
-              <a:t>their responsibilities, </a:t>
-            </a:r>
-            <a:endParaRPr lang="en-US" sz="3000" dirty="0"/>
-          </a:p>
-          <a:p>
-            <a:pPr lvl="2">
-              <a:lnSpc>
-                <a:spcPct val="120000"/>
-              </a:lnSpc>
-            </a:pPr>
-            <a:r>
-              <a:rPr lang="en-US" sz="2200" dirty="0"/>
-              <a:t>interfaces, </a:t>
-            </a:r>
-            <a:endParaRPr lang="en-US" sz="3000" dirty="0"/>
-          </a:p>
-          <a:p>
-            <a:pPr lvl="2">
-              <a:lnSpc>
-                <a:spcPct val="120000"/>
-              </a:lnSpc>
-            </a:pPr>
-            <a:r>
-              <a:rPr lang="en-US" sz="2200" dirty="0"/>
-              <a:t>and primary interactions. </a:t>
-            </a:r>
-            <a:endParaRPr lang="en-US" sz="3000" dirty="0"/>
-          </a:p>
-          <a:p>
-            <a:pPr marL="393192" lvl="1" indent="0">
-              <a:lnSpc>
-                <a:spcPct val="120000"/>
-              </a:lnSpc>
-              <a:buNone/>
-            </a:pPr>
-            <a:r>
-              <a:rPr lang="en-US" sz="2400" b="1" dirty="0">
-                <a:solidFill>
-                  <a:srgbClr val="FF0000"/>
-                </a:solidFill>
-              </a:rPr>
-              <a:t>2. The process view,</a:t>
-            </a:r>
-            <a:r>
-              <a:rPr lang="en-US" sz="2400" dirty="0">
-                <a:solidFill>
-                  <a:srgbClr val="FF0000"/>
-                </a:solidFill>
-              </a:rPr>
-              <a:t>  </a:t>
-            </a:r>
-            <a:r>
-              <a:rPr lang="en-US" sz="2400" dirty="0"/>
-              <a:t>addresses concurrent aspects of the system at run-time, all system processes, start-up and shut-down.</a:t>
-            </a:r>
-            <a:endParaRPr lang="en-US" sz="3200" dirty="0"/>
-          </a:p>
-          <a:p>
-            <a:pPr marL="393192" lvl="1" indent="0">
-              <a:lnSpc>
-                <a:spcPct val="120000"/>
-              </a:lnSpc>
-              <a:buNone/>
-            </a:pPr>
-            <a:r>
-              <a:rPr lang="en-US" sz="2400" b="1" dirty="0">
-                <a:solidFill>
-                  <a:srgbClr val="FF0000"/>
-                </a:solidFill>
-              </a:rPr>
-              <a:t>3. The deployment view</a:t>
-            </a:r>
-            <a:r>
-              <a:rPr lang="en-US" sz="2400" dirty="0">
-                <a:solidFill>
-                  <a:srgbClr val="FF0000"/>
-                </a:solidFill>
-              </a:rPr>
-              <a:t>, </a:t>
-            </a:r>
-            <a:r>
-              <a:rPr lang="en-US" sz="2400" dirty="0"/>
-              <a:t>maps the software elements onto the run-time, it describes the environment into which the system will be deployed, including processing nodes, network interconnections and disk storage facilities required; </a:t>
-            </a:r>
-            <a:endParaRPr lang="en-US" sz="3200" dirty="0"/>
-          </a:p>
-          <a:p>
-            <a:pPr>
-              <a:lnSpc>
-                <a:spcPct val="120000"/>
-              </a:lnSpc>
-            </a:pPr>
-            <a:endParaRPr lang="en-US" sz="2400" dirty="0"/>
-          </a:p>
-        </p:txBody>
-      </p:sp>
-      <p:sp>
-        <p:nvSpPr>
-          <p:cNvPr id="3" name="Title 2"/>
-          <p:cNvSpPr>
-            <a:spLocks noGrp="1"/>
-          </p:cNvSpPr>
-          <p:nvPr>
-            <p:ph type="title"/>
-          </p:nvPr>
-        </p:nvSpPr>
-        <p:spPr>
-          <a:xfrm>
-            <a:off x="228600" y="0"/>
-            <a:ext cx="8915400" cy="609600"/>
-          </a:xfrm>
-        </p:spPr>
-        <p:txBody>
-          <a:bodyPr>
-            <a:noAutofit/>
-          </a:bodyPr>
-          <a:lstStyle/>
-          <a:p>
-            <a:r>
-              <a:rPr lang="en-US" sz="4000" dirty="0"/>
-              <a:t>Software architectures</a:t>
-            </a:r>
-          </a:p>
-        </p:txBody>
-      </p:sp>
-      <p:sp>
-        <p:nvSpPr>
-          <p:cNvPr id="4" name="Date Placeholder 3"/>
-          <p:cNvSpPr txBox="1">
-            <a:spLocks/>
-          </p:cNvSpPr>
-          <p:nvPr/>
-        </p:nvSpPr>
-        <p:spPr>
-          <a:xfrm>
-            <a:off x="152400" y="6400800"/>
-            <a:ext cx="2514600" cy="288925"/>
-          </a:xfrm>
-          <a:prstGeom prst="rect">
-            <a:avLst/>
-          </a:prstGeom>
-        </p:spPr>
-        <p:txBody>
-          <a:bodyPr vert="horz"/>
-          <a:lstStyle/>
-          <a:p>
-            <a:pPr marL="0" marR="0" lvl="0" indent="0" algn="l" defTabSz="914400" rtl="0" eaLnBrk="1" fontAlgn="auto" latinLnBrk="0" hangingPunct="1">
-              <a:lnSpc>
-                <a:spcPct val="100000"/>
-              </a:lnSpc>
-              <a:spcBef>
-                <a:spcPts val="0"/>
-              </a:spcBef>
-              <a:spcAft>
-                <a:spcPts val="0"/>
-              </a:spcAft>
-              <a:buClrTx/>
-              <a:buSzTx/>
-              <a:buFontTx/>
-              <a:buNone/>
-              <a:tabLst/>
-              <a:defRPr/>
-            </a:pPr>
-            <a:r>
-              <a:rPr kumimoji="0" lang="en-US" sz="1600" b="0" i="0" u="none" strike="noStrike" kern="1200" cap="none" spc="0" normalizeH="0" baseline="0" noProof="0" dirty="0">
-                <a:ln>
-                  <a:noFill/>
-                </a:ln>
-                <a:solidFill>
-                  <a:srgbClr val="FFC000"/>
-                </a:solidFill>
-                <a:effectLst/>
-                <a:uLnTx/>
-                <a:uFillTx/>
-                <a:latin typeface="Brush Script Std" pitchFamily="50" charset="0"/>
-                <a:ea typeface="+mn-ea"/>
-                <a:cs typeface="+mn-cs"/>
-              </a:rPr>
-              <a:t>Dr. Hussien M. Sharaf</a:t>
-            </a:r>
-          </a:p>
-        </p:txBody>
-      </p:sp>
-      <p:sp>
-        <p:nvSpPr>
-          <p:cNvPr id="5" name="Slide Number Placeholder 4"/>
-          <p:cNvSpPr txBox="1">
-            <a:spLocks/>
-          </p:cNvSpPr>
-          <p:nvPr/>
-        </p:nvSpPr>
-        <p:spPr>
-          <a:xfrm>
-            <a:off x="8153400" y="6477000"/>
-            <a:ext cx="758952" cy="246888"/>
-          </a:xfrm>
-          <a:prstGeom prst="rect">
-            <a:avLst/>
-          </a:prstGeom>
-        </p:spPr>
-        <p:txBody>
-          <a:bodyPr/>
-          <a:lstStyle/>
-          <a:p>
-            <a:pPr marL="0" marR="0" lvl="0" indent="0" algn="r" defTabSz="914400" rtl="0" eaLnBrk="1" fontAlgn="auto" latinLnBrk="0" hangingPunct="1">
-              <a:lnSpc>
-                <a:spcPct val="100000"/>
-              </a:lnSpc>
-              <a:spcBef>
-                <a:spcPts val="0"/>
-              </a:spcBef>
-              <a:spcAft>
-                <a:spcPts val="0"/>
-              </a:spcAft>
-              <a:buClrTx/>
-              <a:buSzTx/>
-              <a:buFontTx/>
-              <a:buNone/>
-              <a:tabLst/>
-              <a:defRPr/>
-            </a:pPr>
-            <a:fld id="{B6F15528-21DE-4FAA-801E-634DDDAF4B2B}" type="slidenum">
-              <a:rPr kumimoji="0" lang="en-US" sz="1600" b="0" i="0" u="none" strike="noStrike" kern="1200" cap="none" spc="0" normalizeH="0" baseline="0" noProof="0" smtClean="0">
-                <a:ln>
-                  <a:noFill/>
-                </a:ln>
-                <a:solidFill>
-                  <a:schemeClr val="bg2">
-                    <a:lumMod val="10000"/>
-                  </a:schemeClr>
-                </a:solidFill>
-                <a:effectLst/>
-                <a:uLnTx/>
-                <a:uFillTx/>
-                <a:latin typeface="+mn-lt"/>
-                <a:ea typeface="+mn-ea"/>
-                <a:cs typeface="+mn-cs"/>
-              </a:rPr>
-              <a:pPr marL="0" marR="0" lvl="0" indent="0" algn="r" defTabSz="914400" rtl="0" eaLnBrk="1" fontAlgn="auto" latinLnBrk="0" hangingPunct="1">
-                <a:lnSpc>
-                  <a:spcPct val="100000"/>
-                </a:lnSpc>
-                <a:spcBef>
-                  <a:spcPts val="0"/>
-                </a:spcBef>
-                <a:spcAft>
-                  <a:spcPts val="0"/>
-                </a:spcAft>
-                <a:buClrTx/>
-                <a:buSzTx/>
-                <a:buFontTx/>
-                <a:buNone/>
-                <a:tabLst/>
-                <a:defRPr/>
-              </a:pPr>
-              <a:t>6</a:t>
-            </a:fld>
-            <a:endParaRPr kumimoji="0" lang="en-US" sz="1600" b="0" i="0" u="none" strike="noStrike" kern="1200" cap="none" spc="0" normalizeH="0" baseline="0" noProof="0" dirty="0">
-              <a:ln>
-                <a:noFill/>
-              </a:ln>
-              <a:solidFill>
-                <a:schemeClr val="bg2">
-                  <a:lumMod val="10000"/>
-                </a:schemeClr>
-              </a:solidFill>
-              <a:effectLst/>
-              <a:uLnTx/>
-              <a:uFillTx/>
-              <a:latin typeface="+mn-lt"/>
-              <a:ea typeface="+mn-ea"/>
-              <a:cs typeface="+mn-cs"/>
-            </a:endParaRPr>
-          </a:p>
-        </p:txBody>
-      </p:sp>
-    </p:spTree>
-  </p:cSld>
-  <p:clrMapOvr>
-    <a:masterClrMapping/>
-  </p:clrMapOvr>
-</p:sld>
-</file>
-
-<file path=ppt/slides/slide7.xml><?xml version="1.0" encoding="utf-8"?>
 <p:sld xmlns:a="http://schemas.openxmlformats.org/drawingml/2006/main" xmlns:r="http://schemas.openxmlformats.org/officeDocument/2006/relationships" xmlns:p="http://schemas.openxmlformats.org/presentationml/2006/main">
   <p:cSld>
     <p:spTree>
@@ -30605,7 +29061,7 @@
 </p:sld>
 </file>
 
-<file path=ppt/slides/slide8.xml><?xml version="1.0" encoding="utf-8"?>
+<file path=ppt/slides/slide7.xml><?xml version="1.0" encoding="utf-8"?>
 <p:sld xmlns:a="http://schemas.openxmlformats.org/drawingml/2006/main" xmlns:r="http://schemas.openxmlformats.org/officeDocument/2006/relationships" xmlns:p="http://schemas.openxmlformats.org/presentationml/2006/main">
   <p:cSld>
     <p:spTree>
@@ -30758,6 +29214,486 @@
         <p14:creationId xmlns:p14="http://schemas.microsoft.com/office/powerpoint/2010/main" val="4236213396"/>
       </p:ext>
     </p:extLst>
+  </p:cSld>
+  <p:clrMapOvr>
+    <a:masterClrMapping/>
+  </p:clrMapOvr>
+</p:sld>
+</file>
+
+<file path=ppt/slides/slide8.xml><?xml version="1.0" encoding="utf-8"?>
+<p:sld xmlns:a="http://schemas.openxmlformats.org/drawingml/2006/main" xmlns:r="http://schemas.openxmlformats.org/officeDocument/2006/relationships" xmlns:p="http://schemas.openxmlformats.org/presentationml/2006/main">
+  <p:cSld>
+    <p:spTree>
+      <p:nvGrpSpPr>
+        <p:cNvPr id="1" name=""/>
+        <p:cNvGrpSpPr/>
+        <p:nvPr/>
+      </p:nvGrpSpPr>
+      <p:grpSpPr>
+        <a:xfrm>
+          <a:off x="0" y="0"/>
+          <a:ext cx="0" cy="0"/>
+          <a:chOff x="0" y="0"/>
+          <a:chExt cx="0" cy="0"/>
+        </a:xfrm>
+      </p:grpSpPr>
+      <p:sp>
+        <p:nvSpPr>
+          <p:cNvPr id="2" name="Content Placeholder 1"/>
+          <p:cNvSpPr>
+            <a:spLocks noGrp="1"/>
+          </p:cNvSpPr>
+          <p:nvPr>
+            <p:ph idx="1"/>
+          </p:nvPr>
+        </p:nvSpPr>
+        <p:spPr>
+          <a:xfrm>
+            <a:off x="228600" y="685800"/>
+            <a:ext cx="5791200" cy="5486400"/>
+          </a:xfrm>
+        </p:spPr>
+        <p:txBody>
+          <a:bodyPr>
+            <a:noAutofit/>
+          </a:bodyPr>
+          <a:lstStyle/>
+          <a:p>
+            <a:pPr>
+              <a:lnSpc>
+                <a:spcPct val="120000"/>
+              </a:lnSpc>
+            </a:pPr>
+            <a:r>
+              <a:rPr lang="en-US" sz="2800" b="1" dirty="0">
+                <a:solidFill>
+                  <a:srgbClr val="FF0000"/>
+                </a:solidFill>
+              </a:rPr>
+              <a:t>The Layers pattern</a:t>
+            </a:r>
+            <a:r>
+              <a:rPr lang="en-US" sz="2800" dirty="0"/>
+              <a:t>, help to structure the architecture of a system into groups of </a:t>
+            </a:r>
+            <a:r>
+              <a:rPr lang="en-US" sz="2800" dirty="0">
+                <a:solidFill>
+                  <a:srgbClr val="C00000"/>
+                </a:solidFill>
+              </a:rPr>
+              <a:t>basic  services/functionalities</a:t>
+            </a:r>
+            <a:r>
+              <a:rPr lang="en-US" sz="2800" dirty="0"/>
+              <a:t>, each at a particular level of abstraction.</a:t>
+            </a:r>
+          </a:p>
+          <a:p>
+            <a:pPr>
+              <a:lnSpc>
+                <a:spcPct val="120000"/>
+              </a:lnSpc>
+            </a:pPr>
+            <a:r>
+              <a:rPr lang="en-US" sz="2800" u="sng" dirty="0">
+                <a:solidFill>
+                  <a:srgbClr val="FF0000"/>
+                </a:solidFill>
+              </a:rPr>
+              <a:t>How it works: </a:t>
+            </a:r>
+            <a:r>
+              <a:rPr lang="en-US" sz="2800" dirty="0"/>
+              <a:t>The system is structured into an appropriate number of layers, with each layer making use only of services provided by the layers below it.</a:t>
+            </a:r>
+          </a:p>
+          <a:p>
+            <a:pPr>
+              <a:lnSpc>
+                <a:spcPct val="120000"/>
+              </a:lnSpc>
+            </a:pPr>
+            <a:endParaRPr lang="en-US" sz="2400" dirty="0"/>
+          </a:p>
+        </p:txBody>
+      </p:sp>
+      <p:sp>
+        <p:nvSpPr>
+          <p:cNvPr id="3" name="Title 2"/>
+          <p:cNvSpPr>
+            <a:spLocks noGrp="1"/>
+          </p:cNvSpPr>
+          <p:nvPr>
+            <p:ph type="title"/>
+          </p:nvPr>
+        </p:nvSpPr>
+        <p:spPr>
+          <a:xfrm>
+            <a:off x="228600" y="76200"/>
+            <a:ext cx="8915400" cy="609600"/>
+          </a:xfrm>
+        </p:spPr>
+        <p:txBody>
+          <a:bodyPr>
+            <a:noAutofit/>
+          </a:bodyPr>
+          <a:lstStyle/>
+          <a:p>
+            <a:r>
+              <a:rPr lang="en-US" sz="4000" dirty="0"/>
+              <a:t>The Layers pattern</a:t>
+            </a:r>
+          </a:p>
+        </p:txBody>
+      </p:sp>
+      <p:sp>
+        <p:nvSpPr>
+          <p:cNvPr id="4" name="Date Placeholder 3"/>
+          <p:cNvSpPr txBox="1">
+            <a:spLocks/>
+          </p:cNvSpPr>
+          <p:nvPr/>
+        </p:nvSpPr>
+        <p:spPr>
+          <a:xfrm>
+            <a:off x="152400" y="6400800"/>
+            <a:ext cx="2514600" cy="288925"/>
+          </a:xfrm>
+          <a:prstGeom prst="rect">
+            <a:avLst/>
+          </a:prstGeom>
+        </p:spPr>
+        <p:txBody>
+          <a:bodyPr vert="horz"/>
+          <a:lstStyle/>
+          <a:p>
+            <a:pPr marL="0" marR="0" lvl="0" indent="0" algn="l" defTabSz="914400" rtl="0" eaLnBrk="1" fontAlgn="auto" latinLnBrk="0" hangingPunct="1">
+              <a:lnSpc>
+                <a:spcPct val="100000"/>
+              </a:lnSpc>
+              <a:spcBef>
+                <a:spcPts val="0"/>
+              </a:spcBef>
+              <a:spcAft>
+                <a:spcPts val="0"/>
+              </a:spcAft>
+              <a:buClrTx/>
+              <a:buSzTx/>
+              <a:buFontTx/>
+              <a:buNone/>
+              <a:tabLst/>
+              <a:defRPr/>
+            </a:pPr>
+            <a:r>
+              <a:rPr kumimoji="0" lang="en-US" sz="1600" b="0" i="0" u="none" strike="noStrike" kern="1200" cap="none" spc="0" normalizeH="0" baseline="0" noProof="0" dirty="0">
+                <a:ln>
+                  <a:noFill/>
+                </a:ln>
+                <a:solidFill>
+                  <a:srgbClr val="FFC000"/>
+                </a:solidFill>
+                <a:effectLst/>
+                <a:uLnTx/>
+                <a:uFillTx/>
+                <a:latin typeface="Brush Script Std" pitchFamily="50" charset="0"/>
+                <a:ea typeface="+mn-ea"/>
+                <a:cs typeface="+mn-cs"/>
+              </a:rPr>
+              <a:t>Dr. Hussien M. Sharaf</a:t>
+            </a:r>
+          </a:p>
+        </p:txBody>
+      </p:sp>
+      <p:sp>
+        <p:nvSpPr>
+          <p:cNvPr id="5" name="Slide Number Placeholder 4"/>
+          <p:cNvSpPr txBox="1">
+            <a:spLocks/>
+          </p:cNvSpPr>
+          <p:nvPr/>
+        </p:nvSpPr>
+        <p:spPr>
+          <a:xfrm>
+            <a:off x="8153400" y="6477000"/>
+            <a:ext cx="758952" cy="246888"/>
+          </a:xfrm>
+          <a:prstGeom prst="rect">
+            <a:avLst/>
+          </a:prstGeom>
+        </p:spPr>
+        <p:txBody>
+          <a:bodyPr/>
+          <a:lstStyle/>
+          <a:p>
+            <a:pPr marL="0" marR="0" lvl="0" indent="0" algn="r" defTabSz="914400" rtl="0" eaLnBrk="1" fontAlgn="auto" latinLnBrk="0" hangingPunct="1">
+              <a:lnSpc>
+                <a:spcPct val="100000"/>
+              </a:lnSpc>
+              <a:spcBef>
+                <a:spcPts val="0"/>
+              </a:spcBef>
+              <a:spcAft>
+                <a:spcPts val="0"/>
+              </a:spcAft>
+              <a:buClrTx/>
+              <a:buSzTx/>
+              <a:buFontTx/>
+              <a:buNone/>
+              <a:tabLst/>
+              <a:defRPr/>
+            </a:pPr>
+            <a:fld id="{B6F15528-21DE-4FAA-801E-634DDDAF4B2B}" type="slidenum">
+              <a:rPr kumimoji="0" lang="en-US" sz="1600" b="0" i="0" u="none" strike="noStrike" kern="1200" cap="none" spc="0" normalizeH="0" baseline="0" noProof="0" smtClean="0">
+                <a:ln>
+                  <a:noFill/>
+                </a:ln>
+                <a:solidFill>
+                  <a:schemeClr val="bg2">
+                    <a:lumMod val="10000"/>
+                  </a:schemeClr>
+                </a:solidFill>
+                <a:effectLst/>
+                <a:uLnTx/>
+                <a:uFillTx/>
+                <a:latin typeface="+mn-lt"/>
+                <a:ea typeface="+mn-ea"/>
+                <a:cs typeface="+mn-cs"/>
+              </a:rPr>
+              <a:pPr marL="0" marR="0" lvl="0" indent="0" algn="r" defTabSz="914400" rtl="0" eaLnBrk="1" fontAlgn="auto" latinLnBrk="0" hangingPunct="1">
+                <a:lnSpc>
+                  <a:spcPct val="100000"/>
+                </a:lnSpc>
+                <a:spcBef>
+                  <a:spcPts val="0"/>
+                </a:spcBef>
+                <a:spcAft>
+                  <a:spcPts val="0"/>
+                </a:spcAft>
+                <a:buClrTx/>
+                <a:buSzTx/>
+                <a:buFontTx/>
+                <a:buNone/>
+                <a:tabLst/>
+                <a:defRPr/>
+              </a:pPr>
+              <a:t>8</a:t>
+            </a:fld>
+            <a:endParaRPr kumimoji="0" lang="en-US" sz="1600" b="0" i="0" u="none" strike="noStrike" kern="1200" cap="none" spc="0" normalizeH="0" baseline="0" noProof="0" dirty="0">
+              <a:ln>
+                <a:noFill/>
+              </a:ln>
+              <a:solidFill>
+                <a:schemeClr val="bg2">
+                  <a:lumMod val="10000"/>
+                </a:schemeClr>
+              </a:solidFill>
+              <a:effectLst/>
+              <a:uLnTx/>
+              <a:uFillTx/>
+              <a:latin typeface="+mn-lt"/>
+              <a:ea typeface="+mn-ea"/>
+              <a:cs typeface="+mn-cs"/>
+            </a:endParaRPr>
+          </a:p>
+        </p:txBody>
+      </p:sp>
+      <p:sp>
+        <p:nvSpPr>
+          <p:cNvPr id="6" name="Rectangle 5">
+            <a:extLst>
+              <a:ext uri="{FF2B5EF4-FFF2-40B4-BE49-F238E27FC236}">
+                <a16:creationId xmlns:a16="http://schemas.microsoft.com/office/drawing/2014/main" id="{5E0ADA95-0275-A62E-5F6E-8C7E7FF90C44}"/>
+              </a:ext>
+            </a:extLst>
+          </p:cNvPr>
+          <p:cNvSpPr/>
+          <p:nvPr/>
+        </p:nvSpPr>
+        <p:spPr>
+          <a:xfrm>
+            <a:off x="6477000" y="501134"/>
+            <a:ext cx="2099742" cy="369332"/>
+          </a:xfrm>
+          <a:prstGeom prst="rect">
+            <a:avLst/>
+          </a:prstGeom>
+        </p:spPr>
+        <p:txBody>
+          <a:bodyPr wrap="none">
+            <a:spAutoFit/>
+          </a:bodyPr>
+          <a:lstStyle/>
+          <a:p>
+            <a:r>
+              <a:rPr lang="en-US" dirty="0">
+                <a:solidFill>
+                  <a:srgbClr val="000000"/>
+                </a:solidFill>
+                <a:latin typeface="Arial" panose="020B0604020202020204" pitchFamily="34" charset="0"/>
+              </a:rPr>
+              <a:t>N-Tier Architecture</a:t>
+            </a:r>
+            <a:endParaRPr lang="en-US" b="0" i="0" dirty="0">
+              <a:solidFill>
+                <a:srgbClr val="000000"/>
+              </a:solidFill>
+              <a:effectLst/>
+              <a:latin typeface="Arial" panose="020B0604020202020204" pitchFamily="34" charset="0"/>
+            </a:endParaRPr>
+          </a:p>
+        </p:txBody>
+      </p:sp>
+      <p:sp>
+        <p:nvSpPr>
+          <p:cNvPr id="7" name="Rectangle: Rounded Corners 6">
+            <a:extLst>
+              <a:ext uri="{FF2B5EF4-FFF2-40B4-BE49-F238E27FC236}">
+                <a16:creationId xmlns:a16="http://schemas.microsoft.com/office/drawing/2014/main" id="{E0315847-0194-0562-717E-4BE310B75E57}"/>
+              </a:ext>
+            </a:extLst>
+          </p:cNvPr>
+          <p:cNvSpPr/>
+          <p:nvPr/>
+        </p:nvSpPr>
+        <p:spPr>
+          <a:xfrm>
+            <a:off x="6178853" y="841309"/>
+            <a:ext cx="2619103" cy="944952"/>
+          </a:xfrm>
+          <a:prstGeom prst="roundRect">
+            <a:avLst/>
+          </a:prstGeom>
+        </p:spPr>
+        <p:style>
+          <a:lnRef idx="2">
+            <a:schemeClr val="accent1"/>
+          </a:lnRef>
+          <a:fillRef idx="1">
+            <a:schemeClr val="lt1"/>
+          </a:fillRef>
+          <a:effectRef idx="0">
+            <a:schemeClr val="accent1"/>
+          </a:effectRef>
+          <a:fontRef idx="minor">
+            <a:schemeClr val="dk1"/>
+          </a:fontRef>
+        </p:style>
+        <p:txBody>
+          <a:bodyPr rtlCol="0" anchor="ctr"/>
+          <a:lstStyle/>
+          <a:p>
+            <a:pPr algn="ctr"/>
+            <a:r>
+              <a:rPr lang="en-US" sz="2400" b="1" dirty="0"/>
+              <a:t>Presentation/UI layer</a:t>
+            </a:r>
+          </a:p>
+        </p:txBody>
+      </p:sp>
+      <p:sp>
+        <p:nvSpPr>
+          <p:cNvPr id="8" name="Rectangle: Rounded Corners 7">
+            <a:extLst>
+              <a:ext uri="{FF2B5EF4-FFF2-40B4-BE49-F238E27FC236}">
+                <a16:creationId xmlns:a16="http://schemas.microsoft.com/office/drawing/2014/main" id="{6056C347-1285-1412-5CE9-8063F58B164F}"/>
+              </a:ext>
+            </a:extLst>
+          </p:cNvPr>
+          <p:cNvSpPr/>
+          <p:nvPr/>
+        </p:nvSpPr>
+        <p:spPr>
+          <a:xfrm>
+            <a:off x="6178853" y="1786261"/>
+            <a:ext cx="2619103" cy="914399"/>
+          </a:xfrm>
+          <a:prstGeom prst="roundRect">
+            <a:avLst/>
+          </a:prstGeom>
+        </p:spPr>
+        <p:style>
+          <a:lnRef idx="2">
+            <a:schemeClr val="accent1"/>
+          </a:lnRef>
+          <a:fillRef idx="1">
+            <a:schemeClr val="lt1"/>
+          </a:fillRef>
+          <a:effectRef idx="0">
+            <a:schemeClr val="accent1"/>
+          </a:effectRef>
+          <a:fontRef idx="minor">
+            <a:schemeClr val="dk1"/>
+          </a:fontRef>
+        </p:style>
+        <p:txBody>
+          <a:bodyPr rtlCol="0" anchor="ctr"/>
+          <a:lstStyle/>
+          <a:p>
+            <a:pPr algn="ctr"/>
+            <a:r>
+              <a:rPr lang="en-US" sz="1600" b="1" dirty="0"/>
+              <a:t> Business/Logic/Domain layer</a:t>
+            </a:r>
+          </a:p>
+        </p:txBody>
+      </p:sp>
+      <p:sp>
+        <p:nvSpPr>
+          <p:cNvPr id="9" name="Rectangle: Rounded Corners 8">
+            <a:extLst>
+              <a:ext uri="{FF2B5EF4-FFF2-40B4-BE49-F238E27FC236}">
+                <a16:creationId xmlns:a16="http://schemas.microsoft.com/office/drawing/2014/main" id="{F8BCA6F6-EB9E-D030-A8EC-BADB5B0BEC7A}"/>
+              </a:ext>
+            </a:extLst>
+          </p:cNvPr>
+          <p:cNvSpPr/>
+          <p:nvPr/>
+        </p:nvSpPr>
+        <p:spPr>
+          <a:xfrm>
+            <a:off x="6178853" y="2700661"/>
+            <a:ext cx="2619103" cy="1078467"/>
+          </a:xfrm>
+          <a:prstGeom prst="roundRect">
+            <a:avLst/>
+          </a:prstGeom>
+        </p:spPr>
+        <p:style>
+          <a:lnRef idx="2">
+            <a:schemeClr val="accent1"/>
+          </a:lnRef>
+          <a:fillRef idx="1">
+            <a:schemeClr val="lt1"/>
+          </a:fillRef>
+          <a:effectRef idx="0">
+            <a:schemeClr val="accent1"/>
+          </a:effectRef>
+          <a:fontRef idx="minor">
+            <a:schemeClr val="dk1"/>
+          </a:fontRef>
+        </p:style>
+        <p:txBody>
+          <a:bodyPr rtlCol="0" anchor="ctr"/>
+          <a:lstStyle/>
+          <a:p>
+            <a:pPr algn="ctr"/>
+            <a:r>
+              <a:rPr lang="en-US" sz="2400" b="1" dirty="0"/>
+              <a:t>Data access </a:t>
+            </a:r>
+            <a:br>
+              <a:rPr lang="en-US" sz="2000" b="1" dirty="0"/>
+            </a:br>
+            <a:r>
+              <a:rPr lang="en-US" sz="2400" b="1" dirty="0"/>
+              <a:t>layer</a:t>
+            </a:r>
+          </a:p>
+        </p:txBody>
+      </p:sp>
+    </p:spTree>
   </p:cSld>
   <p:clrMapOvr>
     <a:masterClrMapping/>
@@ -30795,7 +29731,7 @@
         <p:spPr>
           <a:xfrm>
             <a:off x="228600" y="685800"/>
-            <a:ext cx="5791200" cy="5486400"/>
+            <a:ext cx="8915400" cy="5486400"/>
           </a:xfrm>
         </p:spPr>
         <p:txBody>
@@ -30810,28 +29746,16 @@
               </a:lnSpc>
             </a:pPr>
             <a:r>
-              <a:rPr lang="en-US" sz="2800" b="1" dirty="0">
+              <a:rPr lang="en-US" sz="2000" u="sng" dirty="0">
                 <a:solidFill>
                   <a:srgbClr val="FF0000"/>
                 </a:solidFill>
               </a:rPr>
-              <a:t>The Layers pattern</a:t>
-            </a:r>
-            <a:r>
-              <a:rPr lang="en-US" sz="2800" dirty="0"/>
-              <a:t>, help to structure the architecture of a system into groups of </a:t>
-            </a:r>
-            <a:r>
-              <a:rPr lang="en-US" sz="2800" dirty="0">
-                <a:solidFill>
-                  <a:srgbClr val="C00000"/>
-                </a:solidFill>
-              </a:rPr>
-              <a:t>basic  services/functionalities</a:t>
-            </a:r>
-            <a:r>
-              <a:rPr lang="en-US" sz="2800" dirty="0"/>
-              <a:t>, each at a particular level of abstraction.</a:t>
+              <a:t>When to use it:</a:t>
+            </a:r>
+            <a:r>
+              <a:rPr lang="en-US" sz="2000" dirty="0"/>
+              <a:t> Applies in the development of large complex systems, which require  decomposition. </a:t>
             </a:r>
           </a:p>
           <a:p>
@@ -30841,16 +29765,24 @@
               </a:lnSpc>
             </a:pPr>
             <a:r>
-              <a:rPr lang="en-US" sz="2800" u="sng" dirty="0">
+              <a:rPr lang="en-US" sz="2000" u="sng" dirty="0">
                 <a:solidFill>
                   <a:srgbClr val="FF0000"/>
                 </a:solidFill>
               </a:rPr>
-              <a:t>How it works: </a:t>
-            </a:r>
-            <a:r>
-              <a:rPr lang="en-US" sz="2800" dirty="0"/>
-              <a:t>The system is structured into an appropriate number of layers, with each layer making use only of services provided by the layers below it.</a:t>
+              <a:t>Example:</a:t>
+            </a:r>
+            <a:r>
+              <a:rPr lang="en-US" sz="2000" dirty="0">
+                <a:solidFill>
+                  <a:srgbClr val="FF0000"/>
+                </a:solidFill>
+              </a:rPr>
+              <a:t> </a:t>
+            </a:r>
+            <a:r>
+              <a:rPr lang="en-US" sz="2000" dirty="0"/>
+              <a:t>Networking protocols (e.g. the ISO OSI seven-layer model) that describe how computers communicate across machine boundaries and over networks. ranging  from the physical layer (dealing with transferring electrical signals on a physical network) up to the application  layer (dealing  with transferring data between remote applications).</a:t>
             </a:r>
           </a:p>
           <a:p>
@@ -30859,7 +29791,15 @@
                 <a:spcPct val="120000"/>
               </a:lnSpc>
             </a:pPr>
-            <a:endParaRPr lang="en-US" sz="2400" dirty="0"/>
+            <a:endParaRPr lang="en-US" sz="2000" dirty="0"/>
+          </a:p>
+          <a:p>
+            <a:pPr>
+              <a:lnSpc>
+                <a:spcPct val="120000"/>
+              </a:lnSpc>
+            </a:pPr>
+            <a:endParaRPr lang="en-US" sz="1800" dirty="0"/>
           </a:p>
         </p:txBody>
       </p:sp>
@@ -30887,7 +29827,7 @@
           <a:p>
             <a:r>
               <a:rPr lang="en-US" sz="4000" dirty="0"/>
-              <a:t>The Layers pattern</a:t>
+              <a:t>The Layers pattern cont.</a:t>
             </a:r>
           </a:p>
         </p:txBody>
@@ -31043,201 +29983,12 @@
           </a:p>
         </p:txBody>
       </p:sp>
-      <p:sp>
-        <p:nvSpPr>
-          <p:cNvPr id="6" name="Rectangle 5">
-            <a:extLst>
-              <a:ext uri="{FF2B5EF4-FFF2-40B4-BE49-F238E27FC236}">
-                <a16:creationId xmlns:a16="http://schemas.microsoft.com/office/drawing/2014/main" id="{5E0ADA95-0275-A62E-5F6E-8C7E7FF90C44}"/>
-              </a:ext>
-            </a:extLst>
-          </p:cNvPr>
-          <p:cNvSpPr/>
-          <p:nvPr/>
-        </p:nvSpPr>
-        <p:spPr>
-          <a:xfrm>
-            <a:off x="6477000" y="501134"/>
-            <a:ext cx="2099742" cy="369332"/>
-          </a:xfrm>
-          <a:prstGeom prst="rect">
-            <a:avLst/>
-          </a:prstGeom>
-        </p:spPr>
-        <p:txBody>
-          <a:bodyPr wrap="none">
-            <a:spAutoFit/>
-          </a:bodyPr>
-          <a:lstStyle/>
-          <a:p>
-            <a:r>
-              <a:rPr lang="en-US" dirty="0">
-                <a:solidFill>
-                  <a:srgbClr val="000000"/>
-                </a:solidFill>
-                <a:latin typeface="Arial" panose="020B0604020202020204" pitchFamily="34" charset="0"/>
-              </a:rPr>
-              <a:t>N-Tier Architecture</a:t>
-            </a:r>
-            <a:endParaRPr lang="en-US" b="0" i="0" dirty="0">
-              <a:solidFill>
-                <a:srgbClr val="000000"/>
-              </a:solidFill>
-              <a:effectLst/>
-              <a:latin typeface="Arial" panose="020B0604020202020204" pitchFamily="34" charset="0"/>
-            </a:endParaRPr>
-          </a:p>
-        </p:txBody>
-      </p:sp>
-      <p:sp>
-        <p:nvSpPr>
-          <p:cNvPr id="7" name="Rectangle: Rounded Corners 6">
-            <a:extLst>
-              <a:ext uri="{FF2B5EF4-FFF2-40B4-BE49-F238E27FC236}">
-                <a16:creationId xmlns:a16="http://schemas.microsoft.com/office/drawing/2014/main" id="{E0315847-0194-0562-717E-4BE310B75E57}"/>
-              </a:ext>
-            </a:extLst>
-          </p:cNvPr>
-          <p:cNvSpPr/>
-          <p:nvPr/>
-        </p:nvSpPr>
-        <p:spPr>
-          <a:xfrm>
-            <a:off x="6178853" y="841309"/>
-            <a:ext cx="2619103" cy="944952"/>
-          </a:xfrm>
-          <a:prstGeom prst="roundRect">
-            <a:avLst/>
-          </a:prstGeom>
-        </p:spPr>
-        <p:style>
-          <a:lnRef idx="2">
-            <a:schemeClr val="accent1"/>
-          </a:lnRef>
-          <a:fillRef idx="1">
-            <a:schemeClr val="lt1"/>
-          </a:fillRef>
-          <a:effectRef idx="0">
-            <a:schemeClr val="accent1"/>
-          </a:effectRef>
-          <a:fontRef idx="minor">
-            <a:schemeClr val="dk1"/>
-          </a:fontRef>
-        </p:style>
-        <p:txBody>
-          <a:bodyPr rtlCol="0" anchor="ctr"/>
-          <a:lstStyle/>
-          <a:p>
-            <a:pPr algn="ctr"/>
-            <a:r>
-              <a:rPr lang="en-US" sz="2400" b="1" dirty="0"/>
-              <a:t>Presentation/UI layer</a:t>
-            </a:r>
-          </a:p>
-        </p:txBody>
-      </p:sp>
-      <p:sp>
-        <p:nvSpPr>
-          <p:cNvPr id="8" name="Rectangle: Rounded Corners 7">
-            <a:extLst>
-              <a:ext uri="{FF2B5EF4-FFF2-40B4-BE49-F238E27FC236}">
-                <a16:creationId xmlns:a16="http://schemas.microsoft.com/office/drawing/2014/main" id="{6056C347-1285-1412-5CE9-8063F58B164F}"/>
-              </a:ext>
-            </a:extLst>
-          </p:cNvPr>
-          <p:cNvSpPr/>
-          <p:nvPr/>
-        </p:nvSpPr>
-        <p:spPr>
-          <a:xfrm>
-            <a:off x="6178853" y="1786261"/>
-            <a:ext cx="2619103" cy="914399"/>
-          </a:xfrm>
-          <a:prstGeom prst="roundRect">
-            <a:avLst/>
-          </a:prstGeom>
-        </p:spPr>
-        <p:style>
-          <a:lnRef idx="2">
-            <a:schemeClr val="accent1"/>
-          </a:lnRef>
-          <a:fillRef idx="1">
-            <a:schemeClr val="lt1"/>
-          </a:fillRef>
-          <a:effectRef idx="0">
-            <a:schemeClr val="accent1"/>
-          </a:effectRef>
-          <a:fontRef idx="minor">
-            <a:schemeClr val="dk1"/>
-          </a:fontRef>
-        </p:style>
-        <p:txBody>
-          <a:bodyPr rtlCol="0" anchor="ctr"/>
-          <a:lstStyle/>
-          <a:p>
-            <a:pPr algn="ctr"/>
-            <a:r>
-              <a:rPr lang="en-US" sz="1600" b="1" dirty="0"/>
-              <a:t> Business/Logic/Domain layer</a:t>
-            </a:r>
-          </a:p>
-        </p:txBody>
-      </p:sp>
-      <p:sp>
-        <p:nvSpPr>
-          <p:cNvPr id="9" name="Rectangle: Rounded Corners 8">
-            <a:extLst>
-              <a:ext uri="{FF2B5EF4-FFF2-40B4-BE49-F238E27FC236}">
-                <a16:creationId xmlns:a16="http://schemas.microsoft.com/office/drawing/2014/main" id="{F8BCA6F6-EB9E-D030-A8EC-BADB5B0BEC7A}"/>
-              </a:ext>
-            </a:extLst>
-          </p:cNvPr>
-          <p:cNvSpPr/>
-          <p:nvPr/>
-        </p:nvSpPr>
-        <p:spPr>
-          <a:xfrm>
-            <a:off x="6178853" y="2700661"/>
-            <a:ext cx="2619103" cy="1078467"/>
-          </a:xfrm>
-          <a:prstGeom prst="roundRect">
-            <a:avLst/>
-          </a:prstGeom>
-        </p:spPr>
-        <p:style>
-          <a:lnRef idx="2">
-            <a:schemeClr val="accent1"/>
-          </a:lnRef>
-          <a:fillRef idx="1">
-            <a:schemeClr val="lt1"/>
-          </a:fillRef>
-          <a:effectRef idx="0">
-            <a:schemeClr val="accent1"/>
-          </a:effectRef>
-          <a:fontRef idx="minor">
-            <a:schemeClr val="dk1"/>
-          </a:fontRef>
-        </p:style>
-        <p:txBody>
-          <a:bodyPr rtlCol="0" anchor="ctr"/>
-          <a:lstStyle/>
-          <a:p>
-            <a:pPr algn="ctr"/>
-            <a:r>
-              <a:rPr lang="en-US" sz="2400" b="1" dirty="0"/>
-              <a:t>Data access </a:t>
-            </a:r>
-            <a:br>
-              <a:rPr lang="en-US" sz="2000" b="1" dirty="0"/>
-            </a:br>
-            <a:r>
-              <a:rPr lang="en-US" sz="2400" b="1" dirty="0"/>
-              <a:t>layer</a:t>
-            </a:r>
-          </a:p>
-        </p:txBody>
-      </p:sp>
     </p:spTree>
+    <p:extLst>
+      <p:ext uri="{BB962C8B-B14F-4D97-AF65-F5344CB8AC3E}">
+        <p14:creationId xmlns:p14="http://schemas.microsoft.com/office/powerpoint/2010/main" val="2131905649"/>
+      </p:ext>
+    </p:extLst>
   </p:cSld>
   <p:clrMapOvr>
     <a:masterClrMapping/>
